--- a/doc/Final Presentation F. Hausberger.pptx
+++ b/doc/Final Presentation F. Hausberger.pptx
@@ -5,7 +5,7 @@
     <p:sldMasterId id="2147483648" r:id="rId4"/>
   </p:sldMasterIdLst>
   <p:notesMasterIdLst>
-    <p:notesMasterId r:id="rId25"/>
+    <p:notesMasterId r:id="rId30"/>
   </p:notesMasterIdLst>
   <p:sldIdLst>
     <p:sldId id="256" r:id="rId5"/>
@@ -23,11 +23,16 @@
     <p:sldId id="308" r:id="rId17"/>
     <p:sldId id="294" r:id="rId18"/>
     <p:sldId id="296" r:id="rId19"/>
-    <p:sldId id="297" r:id="rId20"/>
-    <p:sldId id="298" r:id="rId21"/>
-    <p:sldId id="286" r:id="rId22"/>
-    <p:sldId id="295" r:id="rId23"/>
-    <p:sldId id="299" r:id="rId24"/>
+    <p:sldId id="311" r:id="rId20"/>
+    <p:sldId id="312" r:id="rId21"/>
+    <p:sldId id="313" r:id="rId22"/>
+    <p:sldId id="297" r:id="rId23"/>
+    <p:sldId id="315" r:id="rId24"/>
+    <p:sldId id="316" r:id="rId25"/>
+    <p:sldId id="298" r:id="rId26"/>
+    <p:sldId id="286" r:id="rId27"/>
+    <p:sldId id="295" r:id="rId28"/>
+    <p:sldId id="299" r:id="rId29"/>
   </p:sldIdLst>
   <p:sldSz cx="12192000" cy="6858000"/>
   <p:notesSz cx="6858000" cy="9144000"/>
@@ -158,7 +163,20 @@
           <p14:sldIdLst>
             <p14:sldId id="294"/>
             <p14:sldId id="296"/>
+            <p14:sldId id="311"/>
+            <p14:sldId id="312"/>
+            <p14:sldId id="313"/>
             <p14:sldId id="297"/>
+          </p14:sldIdLst>
+        </p14:section>
+        <p14:section name="Synthesis" id="{F2403EA6-B0EB-4CA7-B64D-4F8F5576EC20}">
+          <p14:sldIdLst>
+            <p14:sldId id="315"/>
+            <p14:sldId id="316"/>
+          </p14:sldIdLst>
+        </p14:section>
+        <p14:section name="Conclusion" id="{A9BB1E1D-7B18-4365-8C0D-A3F9CD585840}">
+          <p14:sldIdLst>
             <p14:sldId id="298"/>
             <p14:sldId id="286"/>
             <p14:sldId id="295"/>
@@ -4158,7 +4176,7 @@
           <a:p>
             <a:fld id="{46B5C5C5-78B3-418E-A1FA-EC2DDB92E97A}" type="datetimeFigureOut">
               <a:rPr lang="en-US" smtClean="0"/>
-              <a:t>12/29/2020</a:t>
+              <a:t>1/2/2021</a:t>
             </a:fld>
             <a:endParaRPr lang="en-US"/>
           </a:p>
@@ -5892,7 +5910,964 @@
               <a:buFont typeface="Arial" panose="020B0604020202020204" pitchFamily="34" charset="0"/>
               <a:buChar char="•"/>
             </a:pPr>
-            <a:endParaRPr lang="en-US" sz="1200" b="0" i="0" kern="1200" dirty="0">
+            <a:r>
+              <a:rPr lang="de-DE" sz="1200" b="0" i="0" kern="1200" dirty="0">
+                <a:solidFill>
+                  <a:schemeClr val="tx1"/>
+                </a:solidFill>
+                <a:effectLst/>
+                <a:latin typeface="+mn-lt"/>
+                <a:ea typeface="+mn-ea"/>
+                <a:cs typeface="+mn-cs"/>
+              </a:rPr>
+              <a:t>Interaction </a:t>
+            </a:r>
+            <a:r>
+              <a:rPr lang="de-DE" sz="1200" b="0" i="0" kern="1200" dirty="0" err="1">
+                <a:solidFill>
+                  <a:schemeClr val="tx1"/>
+                </a:solidFill>
+                <a:effectLst/>
+                <a:latin typeface="+mn-lt"/>
+                <a:ea typeface="+mn-ea"/>
+                <a:cs typeface="+mn-cs"/>
+              </a:rPr>
+              <a:t>overview</a:t>
+            </a:r>
+            <a:r>
+              <a:rPr lang="de-DE" sz="1200" b="0" i="0" kern="1200" dirty="0">
+                <a:solidFill>
+                  <a:schemeClr val="tx1"/>
+                </a:solidFill>
+                <a:effectLst/>
+                <a:latin typeface="+mn-lt"/>
+                <a:ea typeface="+mn-ea"/>
+                <a:cs typeface="+mn-cs"/>
+              </a:rPr>
+              <a:t> </a:t>
+            </a:r>
+            <a:r>
+              <a:rPr lang="de-DE" sz="1200" b="0" i="0" kern="1200" dirty="0" err="1">
+                <a:solidFill>
+                  <a:schemeClr val="tx1"/>
+                </a:solidFill>
+                <a:effectLst/>
+                <a:latin typeface="+mn-lt"/>
+                <a:ea typeface="+mn-ea"/>
+                <a:cs typeface="+mn-cs"/>
+              </a:rPr>
+              <a:t>diagram</a:t>
+            </a:r>
+            <a:r>
+              <a:rPr lang="de-DE" sz="1200" b="0" i="0" kern="1200" dirty="0">
+                <a:solidFill>
+                  <a:schemeClr val="tx1"/>
+                </a:solidFill>
+                <a:effectLst/>
+                <a:latin typeface="+mn-lt"/>
+                <a:ea typeface="+mn-ea"/>
+                <a:cs typeface="+mn-cs"/>
+              </a:rPr>
+              <a:t> (IOD): </a:t>
+            </a:r>
+            <a:r>
+              <a:rPr lang="de-DE" sz="1200" b="0" i="0" kern="1200" dirty="0" err="1">
+                <a:solidFill>
+                  <a:schemeClr val="tx1"/>
+                </a:solidFill>
+                <a:effectLst/>
+                <a:latin typeface="+mn-lt"/>
+                <a:ea typeface="+mn-ea"/>
+                <a:cs typeface="+mn-cs"/>
+              </a:rPr>
+              <a:t>special</a:t>
+            </a:r>
+            <a:r>
+              <a:rPr lang="de-DE" sz="1200" b="0" i="0" kern="1200" dirty="0">
+                <a:solidFill>
+                  <a:schemeClr val="tx1"/>
+                </a:solidFill>
+                <a:effectLst/>
+                <a:latin typeface="+mn-lt"/>
+                <a:ea typeface="+mn-ea"/>
+                <a:cs typeface="+mn-cs"/>
+              </a:rPr>
+              <a:t> form </a:t>
+            </a:r>
+            <a:r>
+              <a:rPr lang="de-DE" sz="1200" b="0" i="0" kern="1200" dirty="0" err="1">
+                <a:solidFill>
+                  <a:schemeClr val="tx1"/>
+                </a:solidFill>
+                <a:effectLst/>
+                <a:latin typeface="+mn-lt"/>
+                <a:ea typeface="+mn-ea"/>
+                <a:cs typeface="+mn-cs"/>
+              </a:rPr>
+              <a:t>of</a:t>
+            </a:r>
+            <a:r>
+              <a:rPr lang="de-DE" sz="1200" b="0" i="0" kern="1200" dirty="0">
+                <a:solidFill>
+                  <a:schemeClr val="tx1"/>
+                </a:solidFill>
+                <a:effectLst/>
+                <a:latin typeface="+mn-lt"/>
+                <a:ea typeface="+mn-ea"/>
+                <a:cs typeface="+mn-cs"/>
+              </a:rPr>
+              <a:t> </a:t>
+            </a:r>
+            <a:r>
+              <a:rPr lang="de-DE" sz="1200" b="0" i="0" kern="1200" dirty="0" err="1">
+                <a:solidFill>
+                  <a:schemeClr val="tx1"/>
+                </a:solidFill>
+                <a:effectLst/>
+                <a:latin typeface="+mn-lt"/>
+                <a:ea typeface="+mn-ea"/>
+                <a:cs typeface="+mn-cs"/>
+              </a:rPr>
+              <a:t>activity</a:t>
+            </a:r>
+            <a:r>
+              <a:rPr lang="de-DE" sz="1200" b="0" i="0" kern="1200" dirty="0">
+                <a:solidFill>
+                  <a:schemeClr val="tx1"/>
+                </a:solidFill>
+                <a:effectLst/>
+                <a:latin typeface="+mn-lt"/>
+                <a:ea typeface="+mn-ea"/>
+                <a:cs typeface="+mn-cs"/>
+              </a:rPr>
+              <a:t> </a:t>
+            </a:r>
+            <a:r>
+              <a:rPr lang="de-DE" sz="1200" b="0" i="0" kern="1200" dirty="0" err="1">
+                <a:solidFill>
+                  <a:schemeClr val="tx1"/>
+                </a:solidFill>
+                <a:effectLst/>
+                <a:latin typeface="+mn-lt"/>
+                <a:ea typeface="+mn-ea"/>
+                <a:cs typeface="+mn-cs"/>
+              </a:rPr>
+              <a:t>diagram</a:t>
+            </a:r>
+            <a:r>
+              <a:rPr lang="de-DE" sz="1200" b="0" i="0" kern="1200" dirty="0">
+                <a:solidFill>
+                  <a:schemeClr val="tx1"/>
+                </a:solidFill>
+                <a:effectLst/>
+                <a:latin typeface="+mn-lt"/>
+                <a:ea typeface="+mn-ea"/>
+                <a:cs typeface="+mn-cs"/>
+              </a:rPr>
+              <a:t> </a:t>
+            </a:r>
+            <a:r>
+              <a:rPr lang="de-DE" sz="1200" b="0" i="0" kern="1200" dirty="0" err="1">
+                <a:solidFill>
+                  <a:schemeClr val="tx1"/>
+                </a:solidFill>
+                <a:effectLst/>
+                <a:latin typeface="+mn-lt"/>
+                <a:ea typeface="+mn-ea"/>
+                <a:cs typeface="+mn-cs"/>
+              </a:rPr>
+              <a:t>used</a:t>
+            </a:r>
+            <a:r>
+              <a:rPr lang="de-DE" sz="1200" b="0" i="0" kern="1200" dirty="0">
+                <a:solidFill>
+                  <a:schemeClr val="tx1"/>
+                </a:solidFill>
+                <a:effectLst/>
+                <a:latin typeface="+mn-lt"/>
+                <a:ea typeface="+mn-ea"/>
+                <a:cs typeface="+mn-cs"/>
+              </a:rPr>
+              <a:t> </a:t>
+            </a:r>
+            <a:r>
+              <a:rPr lang="de-DE" sz="1200" b="0" i="0" kern="1200" dirty="0" err="1">
+                <a:solidFill>
+                  <a:schemeClr val="tx1"/>
+                </a:solidFill>
+                <a:effectLst/>
+                <a:latin typeface="+mn-lt"/>
+                <a:ea typeface="+mn-ea"/>
+                <a:cs typeface="+mn-cs"/>
+              </a:rPr>
+              <a:t>to</a:t>
+            </a:r>
+            <a:r>
+              <a:rPr lang="de-DE" sz="1200" b="0" i="0" kern="1200" dirty="0">
+                <a:solidFill>
+                  <a:schemeClr val="tx1"/>
+                </a:solidFill>
+                <a:effectLst/>
+                <a:latin typeface="+mn-lt"/>
+                <a:ea typeface="+mn-ea"/>
+                <a:cs typeface="+mn-cs"/>
+              </a:rPr>
+              <a:t> </a:t>
+            </a:r>
+            <a:r>
+              <a:rPr lang="de-DE" sz="1200" b="0" i="0" kern="1200" dirty="0" err="1">
+                <a:solidFill>
+                  <a:schemeClr val="tx1"/>
+                </a:solidFill>
+                <a:effectLst/>
+                <a:latin typeface="+mn-lt"/>
+                <a:ea typeface="+mn-ea"/>
+                <a:cs typeface="+mn-cs"/>
+              </a:rPr>
+              <a:t>show</a:t>
+            </a:r>
+            <a:r>
+              <a:rPr lang="de-DE" sz="1200" b="0" i="0" kern="1200" dirty="0">
+                <a:solidFill>
+                  <a:schemeClr val="tx1"/>
+                </a:solidFill>
+                <a:effectLst/>
+                <a:latin typeface="+mn-lt"/>
+                <a:ea typeface="+mn-ea"/>
+                <a:cs typeface="+mn-cs"/>
+              </a:rPr>
+              <a:t> </a:t>
+            </a:r>
+            <a:r>
+              <a:rPr lang="de-DE" sz="1200" b="0" i="0" kern="1200" dirty="0" err="1">
+                <a:solidFill>
+                  <a:schemeClr val="tx1"/>
+                </a:solidFill>
+                <a:effectLst/>
+                <a:latin typeface="+mn-lt"/>
+                <a:ea typeface="+mn-ea"/>
+                <a:cs typeface="+mn-cs"/>
+              </a:rPr>
+              <a:t>control</a:t>
+            </a:r>
+            <a:r>
+              <a:rPr lang="de-DE" sz="1200" b="0" i="0" kern="1200" dirty="0">
+                <a:solidFill>
+                  <a:schemeClr val="tx1"/>
+                </a:solidFill>
+                <a:effectLst/>
+                <a:latin typeface="+mn-lt"/>
+                <a:ea typeface="+mn-ea"/>
+                <a:cs typeface="+mn-cs"/>
+              </a:rPr>
+              <a:t> </a:t>
+            </a:r>
+            <a:r>
+              <a:rPr lang="de-DE" sz="1200" b="0" i="0" kern="1200" dirty="0" err="1">
+                <a:solidFill>
+                  <a:schemeClr val="tx1"/>
+                </a:solidFill>
+                <a:effectLst/>
+                <a:latin typeface="+mn-lt"/>
+                <a:ea typeface="+mn-ea"/>
+                <a:cs typeface="+mn-cs"/>
+              </a:rPr>
+              <a:t>flow</a:t>
+            </a:r>
+            <a:r>
+              <a:rPr lang="de-DE" sz="1200" b="0" i="0" kern="1200" dirty="0">
+                <a:solidFill>
+                  <a:schemeClr val="tx1"/>
+                </a:solidFill>
+                <a:effectLst/>
+                <a:latin typeface="+mn-lt"/>
+                <a:ea typeface="+mn-ea"/>
+                <a:cs typeface="+mn-cs"/>
+              </a:rPr>
+              <a:t> </a:t>
+            </a:r>
+            <a:r>
+              <a:rPr lang="de-DE" sz="1200" b="0" i="0" kern="1200" dirty="0" err="1">
+                <a:solidFill>
+                  <a:schemeClr val="tx1"/>
+                </a:solidFill>
+                <a:effectLst/>
+                <a:latin typeface="+mn-lt"/>
+                <a:ea typeface="+mn-ea"/>
+                <a:cs typeface="+mn-cs"/>
+              </a:rPr>
+              <a:t>of</a:t>
+            </a:r>
+            <a:r>
+              <a:rPr lang="de-DE" sz="1200" b="0" i="0" kern="1200" dirty="0">
+                <a:solidFill>
+                  <a:schemeClr val="tx1"/>
+                </a:solidFill>
+                <a:effectLst/>
+                <a:latin typeface="+mn-lt"/>
+                <a:ea typeface="+mn-ea"/>
+                <a:cs typeface="+mn-cs"/>
+              </a:rPr>
+              <a:t> a </a:t>
+            </a:r>
+            <a:r>
+              <a:rPr lang="de-DE" sz="1200" b="0" i="0" kern="1200" dirty="0" err="1">
+                <a:solidFill>
+                  <a:schemeClr val="tx1"/>
+                </a:solidFill>
+                <a:effectLst/>
+                <a:latin typeface="+mn-lt"/>
+                <a:ea typeface="+mn-ea"/>
+                <a:cs typeface="+mn-cs"/>
+              </a:rPr>
+              <a:t>use</a:t>
+            </a:r>
+            <a:r>
+              <a:rPr lang="de-DE" sz="1200" b="0" i="0" kern="1200" dirty="0">
+                <a:solidFill>
+                  <a:schemeClr val="tx1"/>
+                </a:solidFill>
+                <a:effectLst/>
+                <a:latin typeface="+mn-lt"/>
+                <a:ea typeface="+mn-ea"/>
+                <a:cs typeface="+mn-cs"/>
+              </a:rPr>
+              <a:t> </a:t>
+            </a:r>
+            <a:r>
+              <a:rPr lang="de-DE" sz="1200" b="0" i="0" kern="1200" dirty="0" err="1">
+                <a:solidFill>
+                  <a:schemeClr val="tx1"/>
+                </a:solidFill>
+                <a:effectLst/>
+                <a:latin typeface="+mn-lt"/>
+                <a:ea typeface="+mn-ea"/>
+                <a:cs typeface="+mn-cs"/>
+              </a:rPr>
+              <a:t>case</a:t>
+            </a:r>
+            <a:endParaRPr lang="de-DE" sz="1200" b="0" i="0" kern="1200" dirty="0">
+              <a:solidFill>
+                <a:schemeClr val="tx1"/>
+              </a:solidFill>
+              <a:effectLst/>
+              <a:latin typeface="+mn-lt"/>
+              <a:ea typeface="+mn-ea"/>
+              <a:cs typeface="+mn-cs"/>
+            </a:endParaRPr>
+          </a:p>
+          <a:p>
+            <a:pPr marL="628650" lvl="1" indent="-171450">
+              <a:buFont typeface="Arial" panose="020B0604020202020204" pitchFamily="34" charset="0"/>
+              <a:buChar char="•"/>
+            </a:pPr>
+            <a:r>
+              <a:rPr lang="de-DE" sz="1200" b="0" i="0" kern="1200" dirty="0">
+                <a:solidFill>
+                  <a:schemeClr val="tx1"/>
+                </a:solidFill>
+                <a:effectLst/>
+                <a:latin typeface="+mn-lt"/>
+                <a:ea typeface="+mn-ea"/>
+                <a:cs typeface="+mn-cs"/>
+              </a:rPr>
+              <a:t>Nodes: </a:t>
+            </a:r>
+            <a:r>
+              <a:rPr lang="de-DE" sz="1200" b="0" i="0" kern="1200" dirty="0" err="1">
+                <a:solidFill>
+                  <a:schemeClr val="tx1"/>
+                </a:solidFill>
+                <a:effectLst/>
+                <a:latin typeface="+mn-lt"/>
+                <a:ea typeface="+mn-ea"/>
+                <a:cs typeface="+mn-cs"/>
+              </a:rPr>
+              <a:t>interaction</a:t>
+            </a:r>
+            <a:r>
+              <a:rPr lang="de-DE" sz="1200" b="0" i="0" kern="1200" dirty="0">
+                <a:solidFill>
+                  <a:schemeClr val="tx1"/>
+                </a:solidFill>
+                <a:effectLst/>
+                <a:latin typeface="+mn-lt"/>
+                <a:ea typeface="+mn-ea"/>
+                <a:cs typeface="+mn-cs"/>
+              </a:rPr>
+              <a:t> </a:t>
+            </a:r>
+            <a:r>
+              <a:rPr lang="de-DE" sz="1200" b="0" i="0" kern="1200" dirty="0" err="1">
+                <a:solidFill>
+                  <a:schemeClr val="tx1"/>
+                </a:solidFill>
+                <a:effectLst/>
+                <a:latin typeface="+mn-lt"/>
+                <a:ea typeface="+mn-ea"/>
+                <a:cs typeface="+mn-cs"/>
+              </a:rPr>
+              <a:t>diagram</a:t>
+            </a:r>
+            <a:r>
+              <a:rPr lang="de-DE" sz="1200" b="0" i="0" kern="1200" dirty="0">
+                <a:solidFill>
+                  <a:schemeClr val="tx1"/>
+                </a:solidFill>
+                <a:effectLst/>
+                <a:latin typeface="+mn-lt"/>
+                <a:ea typeface="+mn-ea"/>
+                <a:cs typeface="+mn-cs"/>
+              </a:rPr>
+              <a:t> (</a:t>
+            </a:r>
+            <a:r>
+              <a:rPr lang="de-DE" sz="1200" b="0" i="0" kern="1200" dirty="0" err="1">
+                <a:solidFill>
+                  <a:schemeClr val="tx1"/>
+                </a:solidFill>
+                <a:effectLst/>
+                <a:latin typeface="+mn-lt"/>
+                <a:ea typeface="+mn-ea"/>
+                <a:cs typeface="+mn-cs"/>
+              </a:rPr>
+              <a:t>sequence</a:t>
+            </a:r>
+            <a:r>
+              <a:rPr lang="de-DE" sz="1200" b="0" i="0" kern="1200" dirty="0">
+                <a:solidFill>
+                  <a:schemeClr val="tx1"/>
+                </a:solidFill>
+                <a:effectLst/>
+                <a:latin typeface="+mn-lt"/>
+                <a:ea typeface="+mn-ea"/>
+                <a:cs typeface="+mn-cs"/>
+              </a:rPr>
+              <a:t> </a:t>
+            </a:r>
+            <a:r>
+              <a:rPr lang="de-DE" sz="1200" b="0" i="0" kern="1200" dirty="0" err="1">
+                <a:solidFill>
+                  <a:schemeClr val="tx1"/>
+                </a:solidFill>
+                <a:effectLst/>
+                <a:latin typeface="+mn-lt"/>
+                <a:ea typeface="+mn-ea"/>
+                <a:cs typeface="+mn-cs"/>
+              </a:rPr>
+              <a:t>diagrams</a:t>
+            </a:r>
+            <a:r>
+              <a:rPr lang="de-DE" sz="1200" b="0" i="0" kern="1200" dirty="0">
+                <a:solidFill>
+                  <a:schemeClr val="tx1"/>
+                </a:solidFill>
+                <a:effectLst/>
+                <a:latin typeface="+mn-lt"/>
+                <a:ea typeface="+mn-ea"/>
+                <a:cs typeface="+mn-cs"/>
+              </a:rPr>
+              <a:t>) </a:t>
+            </a:r>
+            <a:r>
+              <a:rPr lang="de-DE" sz="1200" b="0" i="0" kern="1200" dirty="0" err="1">
+                <a:solidFill>
+                  <a:schemeClr val="tx1"/>
+                </a:solidFill>
+                <a:effectLst/>
+                <a:latin typeface="+mn-lt"/>
+                <a:ea typeface="+mn-ea"/>
+                <a:cs typeface="+mn-cs"/>
+              </a:rPr>
+              <a:t>or</a:t>
+            </a:r>
+            <a:r>
+              <a:rPr lang="de-DE" sz="1200" b="0" i="0" kern="1200" dirty="0">
+                <a:solidFill>
+                  <a:schemeClr val="tx1"/>
+                </a:solidFill>
+                <a:effectLst/>
+                <a:latin typeface="+mn-lt"/>
+                <a:ea typeface="+mn-ea"/>
+                <a:cs typeface="+mn-cs"/>
+              </a:rPr>
+              <a:t> </a:t>
+            </a:r>
+            <a:r>
+              <a:rPr lang="de-DE" sz="1200" b="0" i="0" kern="1200" dirty="0" err="1">
+                <a:solidFill>
+                  <a:schemeClr val="tx1"/>
+                </a:solidFill>
+                <a:effectLst/>
+                <a:latin typeface="+mn-lt"/>
+                <a:ea typeface="+mn-ea"/>
+                <a:cs typeface="+mn-cs"/>
+              </a:rPr>
+              <a:t>interaction</a:t>
+            </a:r>
+            <a:r>
+              <a:rPr lang="de-DE" sz="1200" b="0" i="0" kern="1200" dirty="0">
+                <a:solidFill>
+                  <a:schemeClr val="tx1"/>
+                </a:solidFill>
+                <a:effectLst/>
+                <a:latin typeface="+mn-lt"/>
+                <a:ea typeface="+mn-ea"/>
+                <a:cs typeface="+mn-cs"/>
+              </a:rPr>
+              <a:t> </a:t>
+            </a:r>
+            <a:r>
+              <a:rPr lang="de-DE" sz="1200" b="0" i="0" kern="1200" dirty="0" err="1">
+                <a:solidFill>
+                  <a:schemeClr val="tx1"/>
+                </a:solidFill>
+                <a:effectLst/>
+                <a:latin typeface="+mn-lt"/>
+                <a:ea typeface="+mn-ea"/>
+                <a:cs typeface="+mn-cs"/>
+              </a:rPr>
+              <a:t>occurences</a:t>
+            </a:r>
+            <a:r>
+              <a:rPr lang="de-DE" sz="1200" b="0" i="0" kern="1200" dirty="0">
+                <a:solidFill>
+                  <a:schemeClr val="tx1"/>
+                </a:solidFill>
+                <a:effectLst/>
+                <a:latin typeface="+mn-lt"/>
+                <a:ea typeface="+mn-ea"/>
+                <a:cs typeface="+mn-cs"/>
+              </a:rPr>
+              <a:t> </a:t>
+            </a:r>
+            <a:r>
+              <a:rPr lang="de-DE" sz="1200" b="0" i="0" kern="1200" dirty="0" err="1">
+                <a:solidFill>
+                  <a:schemeClr val="tx1"/>
+                </a:solidFill>
+                <a:effectLst/>
+                <a:latin typeface="+mn-lt"/>
+                <a:ea typeface="+mn-ea"/>
+                <a:cs typeface="+mn-cs"/>
+              </a:rPr>
+              <a:t>that</a:t>
+            </a:r>
+            <a:r>
+              <a:rPr lang="de-DE" sz="1200" b="0" i="0" kern="1200" dirty="0">
+                <a:solidFill>
+                  <a:schemeClr val="tx1"/>
+                </a:solidFill>
+                <a:effectLst/>
+                <a:latin typeface="+mn-lt"/>
+                <a:ea typeface="+mn-ea"/>
+                <a:cs typeface="+mn-cs"/>
+              </a:rPr>
+              <a:t> </a:t>
+            </a:r>
+            <a:r>
+              <a:rPr lang="de-DE" sz="1200" b="0" i="0" kern="1200" dirty="0" err="1">
+                <a:solidFill>
+                  <a:schemeClr val="tx1"/>
+                </a:solidFill>
+                <a:effectLst/>
+                <a:latin typeface="+mn-lt"/>
+                <a:ea typeface="+mn-ea"/>
+                <a:cs typeface="+mn-cs"/>
+              </a:rPr>
+              <a:t>show</a:t>
+            </a:r>
+            <a:r>
+              <a:rPr lang="de-DE" sz="1200" b="0" i="0" kern="1200" dirty="0">
+                <a:solidFill>
+                  <a:schemeClr val="tx1"/>
+                </a:solidFill>
+                <a:effectLst/>
+                <a:latin typeface="+mn-lt"/>
+                <a:ea typeface="+mn-ea"/>
+                <a:cs typeface="+mn-cs"/>
+              </a:rPr>
+              <a:t> an </a:t>
+            </a:r>
+            <a:r>
+              <a:rPr lang="de-DE" sz="1200" b="0" i="0" kern="1200" dirty="0" err="1">
+                <a:solidFill>
+                  <a:schemeClr val="tx1"/>
+                </a:solidFill>
+                <a:effectLst/>
+                <a:latin typeface="+mn-lt"/>
+                <a:ea typeface="+mn-ea"/>
+                <a:cs typeface="+mn-cs"/>
+              </a:rPr>
+              <a:t>operation</a:t>
+            </a:r>
+            <a:r>
+              <a:rPr lang="de-DE" sz="1200" b="0" i="0" kern="1200" dirty="0">
+                <a:solidFill>
+                  <a:schemeClr val="tx1"/>
+                </a:solidFill>
+                <a:effectLst/>
+                <a:latin typeface="+mn-lt"/>
+                <a:ea typeface="+mn-ea"/>
+                <a:cs typeface="+mn-cs"/>
+              </a:rPr>
+              <a:t> </a:t>
+            </a:r>
+            <a:r>
+              <a:rPr lang="de-DE" sz="1200" b="0" i="0" kern="1200" dirty="0" err="1">
+                <a:solidFill>
+                  <a:schemeClr val="tx1"/>
+                </a:solidFill>
+                <a:effectLst/>
+                <a:latin typeface="+mn-lt"/>
+                <a:ea typeface="+mn-ea"/>
+                <a:cs typeface="+mn-cs"/>
+              </a:rPr>
+              <a:t>invocation</a:t>
+            </a:r>
+            <a:endParaRPr lang="de-DE" sz="1200" b="0" i="0" kern="1200" dirty="0">
+              <a:solidFill>
+                <a:schemeClr val="tx1"/>
+              </a:solidFill>
+              <a:effectLst/>
+              <a:latin typeface="+mn-lt"/>
+              <a:ea typeface="+mn-ea"/>
+              <a:cs typeface="+mn-cs"/>
+            </a:endParaRPr>
+          </a:p>
+          <a:p>
+            <a:pPr marL="628650" lvl="1" indent="-171450">
+              <a:buFont typeface="Arial" panose="020B0604020202020204" pitchFamily="34" charset="0"/>
+              <a:buChar char="•"/>
+            </a:pPr>
+            <a:r>
+              <a:rPr lang="de-DE" sz="1200" b="0" i="0" kern="1200" dirty="0" err="1">
+                <a:solidFill>
+                  <a:schemeClr val="tx1"/>
+                </a:solidFill>
+                <a:effectLst/>
+                <a:latin typeface="+mn-lt"/>
+                <a:ea typeface="+mn-ea"/>
+                <a:cs typeface="+mn-cs"/>
+              </a:rPr>
+              <a:t>Corresponds</a:t>
+            </a:r>
+            <a:r>
+              <a:rPr lang="de-DE" sz="1200" b="0" i="0" kern="1200" dirty="0">
+                <a:solidFill>
+                  <a:schemeClr val="tx1"/>
+                </a:solidFill>
+                <a:effectLst/>
+                <a:latin typeface="+mn-lt"/>
+                <a:ea typeface="+mn-ea"/>
+                <a:cs typeface="+mn-cs"/>
+              </a:rPr>
+              <a:t> </a:t>
+            </a:r>
+            <a:r>
+              <a:rPr lang="de-DE" sz="1200" b="0" i="0" kern="1200" dirty="0" err="1">
+                <a:solidFill>
+                  <a:schemeClr val="tx1"/>
+                </a:solidFill>
+                <a:effectLst/>
+                <a:latin typeface="+mn-lt"/>
+                <a:ea typeface="+mn-ea"/>
+                <a:cs typeface="+mn-cs"/>
+              </a:rPr>
+              <a:t>to</a:t>
+            </a:r>
+            <a:r>
+              <a:rPr lang="de-DE" sz="1200" b="0" i="0" kern="1200" dirty="0">
+                <a:solidFill>
+                  <a:schemeClr val="tx1"/>
+                </a:solidFill>
+                <a:effectLst/>
+                <a:latin typeface="+mn-lt"/>
+                <a:ea typeface="+mn-ea"/>
+                <a:cs typeface="+mn-cs"/>
+              </a:rPr>
+              <a:t> a </a:t>
+            </a:r>
+            <a:r>
+              <a:rPr lang="de-DE" sz="1200" b="0" i="0" kern="1200" dirty="0" err="1">
+                <a:solidFill>
+                  <a:schemeClr val="tx1"/>
+                </a:solidFill>
+                <a:effectLst/>
+                <a:latin typeface="+mn-lt"/>
+                <a:ea typeface="+mn-ea"/>
+                <a:cs typeface="+mn-cs"/>
+              </a:rPr>
+              <a:t>use</a:t>
+            </a:r>
+            <a:r>
+              <a:rPr lang="de-DE" sz="1200" b="0" i="0" kern="1200" dirty="0">
+                <a:solidFill>
+                  <a:schemeClr val="tx1"/>
+                </a:solidFill>
+                <a:effectLst/>
+                <a:latin typeface="+mn-lt"/>
+                <a:ea typeface="+mn-ea"/>
+                <a:cs typeface="+mn-cs"/>
+              </a:rPr>
+              <a:t> </a:t>
+            </a:r>
+            <a:r>
+              <a:rPr lang="de-DE" sz="1200" b="0" i="0" kern="1200" dirty="0" err="1">
+                <a:solidFill>
+                  <a:schemeClr val="tx1"/>
+                </a:solidFill>
+                <a:effectLst/>
+                <a:latin typeface="+mn-lt"/>
+                <a:ea typeface="+mn-ea"/>
+                <a:cs typeface="+mn-cs"/>
+              </a:rPr>
+              <a:t>case</a:t>
+            </a:r>
+            <a:endParaRPr lang="de-DE" sz="1200" b="0" i="0" kern="1200" dirty="0">
+              <a:solidFill>
+                <a:schemeClr val="tx1"/>
+              </a:solidFill>
+              <a:effectLst/>
+              <a:latin typeface="+mn-lt"/>
+              <a:ea typeface="+mn-ea"/>
+              <a:cs typeface="+mn-cs"/>
+            </a:endParaRPr>
+          </a:p>
+          <a:p>
+            <a:pPr marL="171450" lvl="0" indent="-171450">
+              <a:buFont typeface="Arial" panose="020B0604020202020204" pitchFamily="34" charset="0"/>
+              <a:buChar char="•"/>
+            </a:pPr>
+            <a:r>
+              <a:rPr lang="de-DE" sz="1200" b="0" i="0" kern="1200" dirty="0" err="1">
+                <a:solidFill>
+                  <a:schemeClr val="tx1"/>
+                </a:solidFill>
+                <a:effectLst/>
+                <a:latin typeface="+mn-lt"/>
+                <a:ea typeface="+mn-ea"/>
+                <a:cs typeface="+mn-cs"/>
+              </a:rPr>
+              <a:t>Used</a:t>
+            </a:r>
+            <a:r>
+              <a:rPr lang="de-DE" sz="1200" b="0" i="0" kern="1200" dirty="0">
+                <a:solidFill>
+                  <a:schemeClr val="tx1"/>
+                </a:solidFill>
+                <a:effectLst/>
+                <a:latin typeface="+mn-lt"/>
+                <a:ea typeface="+mn-ea"/>
+                <a:cs typeface="+mn-cs"/>
+              </a:rPr>
+              <a:t> </a:t>
+            </a:r>
+            <a:r>
+              <a:rPr lang="de-DE" sz="1200" b="0" i="0" kern="1200" dirty="0" err="1">
+                <a:solidFill>
+                  <a:schemeClr val="tx1"/>
+                </a:solidFill>
+                <a:effectLst/>
+                <a:latin typeface="+mn-lt"/>
+                <a:ea typeface="+mn-ea"/>
+                <a:cs typeface="+mn-cs"/>
+              </a:rPr>
+              <a:t>for</a:t>
+            </a:r>
+            <a:r>
+              <a:rPr lang="de-DE" sz="1200" b="0" i="0" kern="1200" dirty="0">
+                <a:solidFill>
+                  <a:schemeClr val="tx1"/>
+                </a:solidFill>
+                <a:effectLst/>
+                <a:latin typeface="+mn-lt"/>
+                <a:ea typeface="+mn-ea"/>
+                <a:cs typeface="+mn-cs"/>
+              </a:rPr>
+              <a:t> </a:t>
+            </a:r>
+            <a:r>
+              <a:rPr lang="de-DE" sz="1200" b="0" i="0" kern="1200" dirty="0" err="1">
+                <a:solidFill>
+                  <a:schemeClr val="tx1"/>
+                </a:solidFill>
+                <a:effectLst/>
+                <a:latin typeface="+mn-lt"/>
+                <a:ea typeface="+mn-ea"/>
+                <a:cs typeface="+mn-cs"/>
+              </a:rPr>
+              <a:t>automated</a:t>
+            </a:r>
+            <a:r>
+              <a:rPr lang="de-DE" sz="1200" b="0" i="0" kern="1200" dirty="0">
+                <a:solidFill>
+                  <a:schemeClr val="tx1"/>
+                </a:solidFill>
+                <a:effectLst/>
+                <a:latin typeface="+mn-lt"/>
+                <a:ea typeface="+mn-ea"/>
+                <a:cs typeface="+mn-cs"/>
+              </a:rPr>
+              <a:t> </a:t>
+            </a:r>
+            <a:r>
+              <a:rPr lang="de-DE" sz="1200" b="0" i="0" kern="1200" dirty="0" err="1">
+                <a:solidFill>
+                  <a:schemeClr val="tx1"/>
+                </a:solidFill>
+                <a:effectLst/>
+                <a:latin typeface="+mn-lt"/>
+                <a:ea typeface="+mn-ea"/>
+                <a:cs typeface="+mn-cs"/>
+              </a:rPr>
+              <a:t>generation</a:t>
+            </a:r>
+            <a:r>
+              <a:rPr lang="de-DE" sz="1200" b="0" i="0" kern="1200" dirty="0">
+                <a:solidFill>
+                  <a:schemeClr val="tx1"/>
+                </a:solidFill>
+                <a:effectLst/>
+                <a:latin typeface="+mn-lt"/>
+                <a:ea typeface="+mn-ea"/>
+                <a:cs typeface="+mn-cs"/>
+              </a:rPr>
+              <a:t> </a:t>
+            </a:r>
+            <a:r>
+              <a:rPr lang="de-DE" sz="1200" b="0" i="0" kern="1200" dirty="0" err="1">
+                <a:solidFill>
+                  <a:schemeClr val="tx1"/>
+                </a:solidFill>
+                <a:effectLst/>
+                <a:latin typeface="+mn-lt"/>
+                <a:ea typeface="+mn-ea"/>
+                <a:cs typeface="+mn-cs"/>
+              </a:rPr>
+              <a:t>of</a:t>
+            </a:r>
+            <a:r>
+              <a:rPr lang="de-DE" sz="1200" b="0" i="0" kern="1200" dirty="0">
+                <a:solidFill>
+                  <a:schemeClr val="tx1"/>
+                </a:solidFill>
+                <a:effectLst/>
+                <a:latin typeface="+mn-lt"/>
+                <a:ea typeface="+mn-ea"/>
+                <a:cs typeface="+mn-cs"/>
+              </a:rPr>
+              <a:t> </a:t>
+            </a:r>
+            <a:r>
+              <a:rPr lang="de-DE" sz="1200" b="0" i="0" kern="1200" dirty="0" err="1">
+                <a:solidFill>
+                  <a:schemeClr val="tx1"/>
+                </a:solidFill>
+                <a:effectLst/>
+                <a:latin typeface="+mn-lt"/>
+                <a:ea typeface="+mn-ea"/>
+                <a:cs typeface="+mn-cs"/>
+              </a:rPr>
+              <a:t>test</a:t>
+            </a:r>
+            <a:r>
+              <a:rPr lang="de-DE" sz="1200" b="0" i="0" kern="1200" dirty="0">
+                <a:solidFill>
+                  <a:schemeClr val="tx1"/>
+                </a:solidFill>
+                <a:effectLst/>
+                <a:latin typeface="+mn-lt"/>
+                <a:ea typeface="+mn-ea"/>
+                <a:cs typeface="+mn-cs"/>
+              </a:rPr>
+              <a:t> </a:t>
+            </a:r>
+            <a:r>
+              <a:rPr lang="de-DE" sz="1200" b="0" i="0" kern="1200" dirty="0" err="1">
+                <a:solidFill>
+                  <a:schemeClr val="tx1"/>
+                </a:solidFill>
+                <a:effectLst/>
+                <a:latin typeface="+mn-lt"/>
+                <a:ea typeface="+mn-ea"/>
+                <a:cs typeface="+mn-cs"/>
+              </a:rPr>
+              <a:t>paths</a:t>
+            </a:r>
+            <a:r>
+              <a:rPr lang="de-DE" sz="1200" b="0" i="0" kern="1200" dirty="0">
+                <a:solidFill>
+                  <a:schemeClr val="tx1"/>
+                </a:solidFill>
+                <a:effectLst/>
+                <a:latin typeface="+mn-lt"/>
+                <a:ea typeface="+mn-ea"/>
+                <a:cs typeface="+mn-cs"/>
+              </a:rPr>
+              <a:t> </a:t>
+            </a:r>
+            <a:r>
+              <a:rPr lang="de-DE" sz="1200" b="0" i="0" kern="1200" dirty="0" err="1">
+                <a:solidFill>
+                  <a:schemeClr val="tx1"/>
+                </a:solidFill>
+                <a:effectLst/>
+                <a:latin typeface="+mn-lt"/>
+                <a:ea typeface="+mn-ea"/>
+                <a:cs typeface="+mn-cs"/>
+              </a:rPr>
+              <a:t>for</a:t>
+            </a:r>
+            <a:r>
+              <a:rPr lang="de-DE" sz="1200" b="0" i="0" kern="1200" dirty="0">
+                <a:solidFill>
+                  <a:schemeClr val="tx1"/>
+                </a:solidFill>
+                <a:effectLst/>
+                <a:latin typeface="+mn-lt"/>
+                <a:ea typeface="+mn-ea"/>
+                <a:cs typeface="+mn-cs"/>
+              </a:rPr>
+              <a:t> </a:t>
+            </a:r>
+            <a:r>
+              <a:rPr lang="de-DE" sz="1200" b="0" i="0" kern="1200" dirty="0" err="1">
+                <a:solidFill>
+                  <a:schemeClr val="tx1"/>
+                </a:solidFill>
+                <a:effectLst/>
+                <a:latin typeface="+mn-lt"/>
+                <a:ea typeface="+mn-ea"/>
+                <a:cs typeface="+mn-cs"/>
+              </a:rPr>
+              <a:t>system</a:t>
+            </a:r>
+            <a:r>
+              <a:rPr lang="de-DE" sz="1200" b="0" i="0" kern="1200" dirty="0">
+                <a:solidFill>
+                  <a:schemeClr val="tx1"/>
+                </a:solidFill>
+                <a:effectLst/>
+                <a:latin typeface="+mn-lt"/>
+                <a:ea typeface="+mn-ea"/>
+                <a:cs typeface="+mn-cs"/>
+              </a:rPr>
+              <a:t> </a:t>
+            </a:r>
+            <a:r>
+              <a:rPr lang="de-DE" sz="1200" b="0" i="0" kern="1200" dirty="0" err="1">
+                <a:solidFill>
+                  <a:schemeClr val="tx1"/>
+                </a:solidFill>
+                <a:effectLst/>
+                <a:latin typeface="+mn-lt"/>
+                <a:ea typeface="+mn-ea"/>
+                <a:cs typeface="+mn-cs"/>
+              </a:rPr>
+              <a:t>testing</a:t>
+            </a:r>
+            <a:endParaRPr lang="de-DE" sz="1200" b="0" i="0" kern="1200" dirty="0">
               <a:solidFill>
                 <a:schemeClr val="tx1"/>
               </a:solidFill>
@@ -5988,15 +6963,90 @@
               <a:buFont typeface="Arial" panose="020B0604020202020204" pitchFamily="34" charset="0"/>
               <a:buChar char="•"/>
             </a:pPr>
-            <a:endParaRPr lang="en-US" sz="1200" b="0" i="0" kern="1200" dirty="0">
-              <a:solidFill>
-                <a:schemeClr val="tx1"/>
-              </a:solidFill>
-              <a:effectLst/>
-              <a:latin typeface="+mn-lt"/>
-              <a:ea typeface="+mn-ea"/>
-              <a:cs typeface="+mn-cs"/>
-            </a:endParaRPr>
+            <a:r>
+              <a:rPr lang="de-DE" sz="1200" b="0" i="0" kern="1200" dirty="0">
+                <a:solidFill>
+                  <a:schemeClr val="tx1"/>
+                </a:solidFill>
+                <a:effectLst/>
+                <a:latin typeface="+mn-lt"/>
+                <a:ea typeface="+mn-ea"/>
+                <a:cs typeface="+mn-cs"/>
+              </a:rPr>
+              <a:t>CTS </a:t>
+            </a:r>
+            <a:r>
+              <a:rPr lang="de-DE" sz="1200" b="0" i="0" kern="1200" dirty="0" err="1">
+                <a:solidFill>
+                  <a:schemeClr val="tx1"/>
+                </a:solidFill>
+                <a:effectLst/>
+                <a:latin typeface="+mn-lt"/>
+                <a:ea typeface="+mn-ea"/>
+                <a:cs typeface="+mn-cs"/>
+              </a:rPr>
+              <a:t>models</a:t>
+            </a:r>
+            <a:r>
+              <a:rPr lang="de-DE" sz="1200" b="0" i="0" kern="1200" dirty="0">
+                <a:solidFill>
+                  <a:schemeClr val="tx1"/>
+                </a:solidFill>
+                <a:effectLst/>
+                <a:latin typeface="+mn-lt"/>
+                <a:ea typeface="+mn-ea"/>
+                <a:cs typeface="+mn-cs"/>
+              </a:rPr>
+              <a:t> all </a:t>
+            </a:r>
+            <a:r>
+              <a:rPr lang="de-DE" sz="1200" b="0" i="0" kern="1200" dirty="0" err="1">
+                <a:solidFill>
+                  <a:schemeClr val="tx1"/>
+                </a:solidFill>
+                <a:effectLst/>
+                <a:latin typeface="+mn-lt"/>
+                <a:ea typeface="+mn-ea"/>
+                <a:cs typeface="+mn-cs"/>
+              </a:rPr>
+              <a:t>scenarios</a:t>
+            </a:r>
+            <a:r>
+              <a:rPr lang="de-DE" sz="1200" b="0" i="0" kern="1200" dirty="0">
+                <a:solidFill>
+                  <a:schemeClr val="tx1"/>
+                </a:solidFill>
+                <a:effectLst/>
+                <a:latin typeface="+mn-lt"/>
+                <a:ea typeface="+mn-ea"/>
+                <a:cs typeface="+mn-cs"/>
+              </a:rPr>
+              <a:t> </a:t>
+            </a:r>
+            <a:r>
+              <a:rPr lang="de-DE" sz="1200" b="0" i="0" kern="1200" dirty="0" err="1">
+                <a:solidFill>
+                  <a:schemeClr val="tx1"/>
+                </a:solidFill>
+                <a:effectLst/>
+                <a:latin typeface="+mn-lt"/>
+                <a:ea typeface="+mn-ea"/>
+                <a:cs typeface="+mn-cs"/>
+              </a:rPr>
+              <a:t>of</a:t>
+            </a:r>
+            <a:r>
+              <a:rPr lang="de-DE" sz="1200" b="0" i="0" kern="1200" dirty="0">
+                <a:solidFill>
+                  <a:schemeClr val="tx1"/>
+                </a:solidFill>
+                <a:effectLst/>
+                <a:latin typeface="+mn-lt"/>
+                <a:ea typeface="+mn-ea"/>
+                <a:cs typeface="+mn-cs"/>
+              </a:rPr>
+              <a:t> an IOD</a:t>
+            </a:r>
           </a:p>
         </p:txBody>
       </p:sp>
@@ -6080,11 +7130,1421 @@
           <a:bodyPr/>
           <a:lstStyle/>
           <a:p>
+            <a:pPr marL="171450" marR="0" lvl="0" indent="-171450" algn="l" defTabSz="914400" rtl="0" eaLnBrk="1" fontAlgn="auto" latinLnBrk="0" hangingPunct="1">
+              <a:lnSpc>
+                <a:spcPct val="100000"/>
+              </a:lnSpc>
+              <a:spcBef>
+                <a:spcPts val="0"/>
+              </a:spcBef>
+              <a:spcAft>
+                <a:spcPts val="0"/>
+              </a:spcAft>
+              <a:buClrTx/>
+              <a:buSzTx/>
+              <a:buFont typeface="Arial" panose="020B0604020202020204" pitchFamily="34" charset="0"/>
+              <a:buChar char="•"/>
+              <a:tabLst/>
+              <a:defRPr/>
+            </a:pPr>
+            <a:r>
+              <a:rPr lang="de-DE" dirty="0"/>
+              <a:t>Initial </a:t>
+            </a:r>
+            <a:r>
+              <a:rPr lang="de-DE" dirty="0" err="1"/>
+              <a:t>state</a:t>
+            </a:r>
+            <a:r>
+              <a:rPr lang="de-DE" dirty="0"/>
+              <a:t>: </a:t>
+            </a:r>
+            <a:r>
+              <a:rPr lang="de-DE" dirty="0" err="1"/>
+              <a:t>true</a:t>
+            </a:r>
+            <a:endParaRPr lang="de-DE" dirty="0"/>
+          </a:p>
+          <a:p>
             <a:pPr marL="171450" indent="-171450">
               <a:buFont typeface="Arial" panose="020B0604020202020204" pitchFamily="34" charset="0"/>
               <a:buChar char="•"/>
             </a:pPr>
-            <a:endParaRPr lang="en-US" sz="1200" b="0" i="0" kern="1200" dirty="0">
+            <a:r>
+              <a:rPr lang="de-DE" sz="1200" b="0" i="0" kern="1200" dirty="0">
+                <a:solidFill>
+                  <a:schemeClr val="tx1"/>
+                </a:solidFill>
+                <a:effectLst/>
+                <a:latin typeface="+mn-lt"/>
+                <a:ea typeface="+mn-ea"/>
+                <a:cs typeface="+mn-cs"/>
+              </a:rPr>
+              <a:t>Logical </a:t>
+            </a:r>
+            <a:r>
+              <a:rPr lang="de-DE" sz="1200" b="0" i="0" kern="1200" dirty="0" err="1">
+                <a:solidFill>
+                  <a:schemeClr val="tx1"/>
+                </a:solidFill>
+                <a:effectLst/>
+                <a:latin typeface="+mn-lt"/>
+                <a:ea typeface="+mn-ea"/>
+                <a:cs typeface="+mn-cs"/>
+              </a:rPr>
+              <a:t>if-then-else</a:t>
+            </a:r>
+            <a:r>
+              <a:rPr lang="de-DE" sz="1200" b="0" i="0" kern="1200" dirty="0">
+                <a:solidFill>
+                  <a:schemeClr val="tx1"/>
+                </a:solidFill>
+                <a:effectLst/>
+                <a:latin typeface="+mn-lt"/>
+                <a:ea typeface="+mn-ea"/>
+                <a:cs typeface="+mn-cs"/>
+              </a:rPr>
+              <a:t> </a:t>
+            </a:r>
+            <a:r>
+              <a:rPr lang="de-DE" sz="1200" b="0" i="0" kern="1200" dirty="0" err="1">
+                <a:solidFill>
+                  <a:schemeClr val="tx1"/>
+                </a:solidFill>
+                <a:effectLst/>
+                <a:latin typeface="+mn-lt"/>
+                <a:ea typeface="+mn-ea"/>
+                <a:cs typeface="+mn-cs"/>
+              </a:rPr>
+              <a:t>conditions</a:t>
+            </a:r>
+            <a:r>
+              <a:rPr lang="de-DE" sz="1200" b="0" i="0" kern="1200" dirty="0">
+                <a:solidFill>
+                  <a:schemeClr val="tx1"/>
+                </a:solidFill>
+                <a:effectLst/>
+                <a:latin typeface="+mn-lt"/>
+                <a:ea typeface="+mn-ea"/>
+                <a:cs typeface="+mn-cs"/>
+              </a:rPr>
+              <a:t>  </a:t>
+            </a:r>
+            <a:r>
+              <a:rPr lang="de-DE" sz="1200" b="0" i="0" kern="1200" dirty="0" err="1">
+                <a:solidFill>
+                  <a:schemeClr val="tx1"/>
+                </a:solidFill>
+                <a:effectLst/>
+                <a:latin typeface="+mn-lt"/>
+                <a:ea typeface="+mn-ea"/>
+                <a:cs typeface="+mn-cs"/>
+              </a:rPr>
+              <a:t>are</a:t>
+            </a:r>
+            <a:r>
+              <a:rPr lang="de-DE" sz="1200" b="0" i="0" kern="1200" dirty="0">
+                <a:solidFill>
+                  <a:schemeClr val="tx1"/>
+                </a:solidFill>
+                <a:effectLst/>
+                <a:latin typeface="+mn-lt"/>
+                <a:ea typeface="+mn-ea"/>
+                <a:cs typeface="+mn-cs"/>
+              </a:rPr>
+              <a:t> </a:t>
+            </a:r>
+            <a:r>
+              <a:rPr lang="de-DE" sz="1200" b="0" i="0" kern="1200" dirty="0" err="1">
+                <a:solidFill>
+                  <a:schemeClr val="tx1"/>
+                </a:solidFill>
+                <a:effectLst/>
+                <a:latin typeface="+mn-lt"/>
+                <a:ea typeface="+mn-ea"/>
+                <a:cs typeface="+mn-cs"/>
+              </a:rPr>
+              <a:t>resolved</a:t>
+            </a:r>
+            <a:r>
+              <a:rPr lang="de-DE" sz="1200" b="0" i="0" kern="1200" dirty="0">
+                <a:solidFill>
+                  <a:schemeClr val="tx1"/>
+                </a:solidFill>
+                <a:effectLst/>
+                <a:latin typeface="+mn-lt"/>
+                <a:ea typeface="+mn-ea"/>
+                <a:cs typeface="+mn-cs"/>
+              </a:rPr>
+              <a:t> </a:t>
+            </a:r>
+            <a:r>
+              <a:rPr lang="de-DE" sz="1200" b="0" i="0" kern="1200" dirty="0" err="1">
+                <a:solidFill>
+                  <a:schemeClr val="tx1"/>
+                </a:solidFill>
+                <a:effectLst/>
+                <a:latin typeface="+mn-lt"/>
+                <a:ea typeface="+mn-ea"/>
+                <a:cs typeface="+mn-cs"/>
+              </a:rPr>
+              <a:t>by</a:t>
+            </a:r>
+            <a:r>
+              <a:rPr lang="de-DE" sz="1200" b="0" i="0" kern="1200" dirty="0">
+                <a:solidFill>
+                  <a:schemeClr val="tx1"/>
+                </a:solidFill>
+                <a:effectLst/>
+                <a:latin typeface="+mn-lt"/>
+                <a:ea typeface="+mn-ea"/>
+                <a:cs typeface="+mn-cs"/>
+              </a:rPr>
+              <a:t> </a:t>
+            </a:r>
+            <a:r>
+              <a:rPr lang="de-DE" sz="1200" b="0" i="0" kern="1200" dirty="0" err="1">
+                <a:solidFill>
+                  <a:schemeClr val="tx1"/>
+                </a:solidFill>
+                <a:effectLst/>
+                <a:latin typeface="+mn-lt"/>
+                <a:ea typeface="+mn-ea"/>
+                <a:cs typeface="+mn-cs"/>
+              </a:rPr>
+              <a:t>combining</a:t>
+            </a:r>
+            <a:r>
+              <a:rPr lang="de-DE" sz="1200" b="0" i="0" kern="1200" dirty="0">
+                <a:solidFill>
+                  <a:schemeClr val="tx1"/>
+                </a:solidFill>
+                <a:effectLst/>
+                <a:latin typeface="+mn-lt"/>
+                <a:ea typeface="+mn-ea"/>
+                <a:cs typeface="+mn-cs"/>
+              </a:rPr>
+              <a:t> </a:t>
+            </a:r>
+            <a:r>
+              <a:rPr lang="de-DE" sz="1200" b="0" i="0" kern="1200" dirty="0" err="1">
+                <a:solidFill>
+                  <a:schemeClr val="tx1"/>
+                </a:solidFill>
+                <a:effectLst/>
+                <a:latin typeface="+mn-lt"/>
+                <a:ea typeface="+mn-ea"/>
+                <a:cs typeface="+mn-cs"/>
+              </a:rPr>
+              <a:t>their</a:t>
+            </a:r>
+            <a:r>
+              <a:rPr lang="de-DE" sz="1200" b="0" i="0" kern="1200" dirty="0">
+                <a:solidFill>
+                  <a:schemeClr val="tx1"/>
+                </a:solidFill>
+                <a:effectLst/>
+                <a:latin typeface="+mn-lt"/>
+                <a:ea typeface="+mn-ea"/>
+                <a:cs typeface="+mn-cs"/>
+              </a:rPr>
+              <a:t> </a:t>
+            </a:r>
+            <a:r>
+              <a:rPr lang="de-DE" sz="1200" b="0" i="0" kern="1200" dirty="0" err="1">
+                <a:solidFill>
+                  <a:schemeClr val="tx1"/>
+                </a:solidFill>
+                <a:effectLst/>
+                <a:latin typeface="+mn-lt"/>
+                <a:ea typeface="+mn-ea"/>
+                <a:cs typeface="+mn-cs"/>
+              </a:rPr>
+              <a:t>testing</a:t>
+            </a:r>
+            <a:r>
+              <a:rPr lang="de-DE" sz="1200" b="0" i="0" kern="1200" dirty="0">
+                <a:solidFill>
+                  <a:schemeClr val="tx1"/>
+                </a:solidFill>
+                <a:effectLst/>
+                <a:latin typeface="+mn-lt"/>
+                <a:ea typeface="+mn-ea"/>
+                <a:cs typeface="+mn-cs"/>
+              </a:rPr>
+              <a:t> </a:t>
+            </a:r>
+            <a:r>
+              <a:rPr lang="de-DE" sz="1200" b="0" i="0" kern="1200" dirty="0" err="1">
+                <a:solidFill>
+                  <a:schemeClr val="tx1"/>
+                </a:solidFill>
+                <a:effectLst/>
+                <a:latin typeface="+mn-lt"/>
+                <a:ea typeface="+mn-ea"/>
+                <a:cs typeface="+mn-cs"/>
+              </a:rPr>
+              <a:t>condition</a:t>
+            </a:r>
+            <a:r>
+              <a:rPr lang="de-DE" sz="1200" b="0" i="0" kern="1200" dirty="0">
+                <a:solidFill>
+                  <a:schemeClr val="tx1"/>
+                </a:solidFill>
+                <a:effectLst/>
+                <a:latin typeface="+mn-lt"/>
+                <a:ea typeface="+mn-ea"/>
+                <a:cs typeface="+mn-cs"/>
+              </a:rPr>
+              <a:t> </a:t>
+            </a:r>
+            <a:r>
+              <a:rPr lang="de-DE" sz="1200" b="0" i="0" kern="1200" dirty="0" err="1">
+                <a:solidFill>
+                  <a:schemeClr val="tx1"/>
+                </a:solidFill>
+                <a:effectLst/>
+                <a:latin typeface="+mn-lt"/>
+                <a:ea typeface="+mn-ea"/>
+                <a:cs typeface="+mn-cs"/>
+              </a:rPr>
+              <a:t>with</a:t>
+            </a:r>
+            <a:r>
+              <a:rPr lang="de-DE" sz="1200" b="0" i="0" kern="1200" dirty="0">
+                <a:solidFill>
+                  <a:schemeClr val="tx1"/>
+                </a:solidFill>
+                <a:effectLst/>
+                <a:latin typeface="+mn-lt"/>
+                <a:ea typeface="+mn-ea"/>
+                <a:cs typeface="+mn-cs"/>
+              </a:rPr>
+              <a:t> </a:t>
+            </a:r>
+            <a:r>
+              <a:rPr lang="de-DE" sz="1200" b="0" i="0" kern="1200" dirty="0" err="1">
+                <a:solidFill>
+                  <a:schemeClr val="tx1"/>
+                </a:solidFill>
+                <a:effectLst/>
+                <a:latin typeface="+mn-lt"/>
+                <a:ea typeface="+mn-ea"/>
+                <a:cs typeface="+mn-cs"/>
+              </a:rPr>
+              <a:t>the</a:t>
+            </a:r>
+            <a:r>
+              <a:rPr lang="de-DE" sz="1200" b="0" i="0" kern="1200" dirty="0">
+                <a:solidFill>
+                  <a:schemeClr val="tx1"/>
+                </a:solidFill>
+                <a:effectLst/>
+                <a:latin typeface="+mn-lt"/>
+                <a:ea typeface="+mn-ea"/>
+                <a:cs typeface="+mn-cs"/>
+              </a:rPr>
+              <a:t> </a:t>
+            </a:r>
+            <a:r>
+              <a:rPr lang="de-DE" sz="1200" b="0" i="0" kern="1200" dirty="0" err="1">
+                <a:solidFill>
+                  <a:schemeClr val="tx1"/>
+                </a:solidFill>
+                <a:effectLst/>
+                <a:latin typeface="+mn-lt"/>
+                <a:ea typeface="+mn-ea"/>
+                <a:cs typeface="+mn-cs"/>
+              </a:rPr>
+              <a:t>result</a:t>
+            </a:r>
+            <a:endParaRPr lang="de-DE" sz="1200" b="0" i="0" kern="1200" dirty="0">
+              <a:solidFill>
+                <a:schemeClr val="tx1"/>
+              </a:solidFill>
+              <a:effectLst/>
+              <a:latin typeface="+mn-lt"/>
+              <a:ea typeface="+mn-ea"/>
+              <a:cs typeface="+mn-cs"/>
+            </a:endParaRPr>
+          </a:p>
+          <a:p>
+            <a:pPr marL="628650" lvl="1" indent="-171450">
+              <a:buFont typeface="Arial" panose="020B0604020202020204" pitchFamily="34" charset="0"/>
+              <a:buChar char="•"/>
+            </a:pPr>
+            <a:r>
+              <a:rPr lang="de-DE" sz="1200" b="0" i="0" kern="1200" dirty="0" err="1">
+                <a:solidFill>
+                  <a:schemeClr val="tx1"/>
+                </a:solidFill>
+                <a:effectLst/>
+                <a:latin typeface="+mn-lt"/>
+                <a:ea typeface="+mn-ea"/>
+                <a:cs typeface="+mn-cs"/>
+              </a:rPr>
+              <a:t>Two</a:t>
+            </a:r>
+            <a:r>
+              <a:rPr lang="de-DE" sz="1200" b="0" i="0" kern="1200" dirty="0">
+                <a:solidFill>
+                  <a:schemeClr val="tx1"/>
+                </a:solidFill>
+                <a:effectLst/>
+                <a:latin typeface="+mn-lt"/>
+                <a:ea typeface="+mn-ea"/>
+                <a:cs typeface="+mn-cs"/>
+              </a:rPr>
+              <a:t> different sub-</a:t>
+            </a:r>
+            <a:r>
+              <a:rPr lang="de-DE" sz="1200" b="0" i="0" kern="1200" dirty="0" err="1">
+                <a:solidFill>
+                  <a:schemeClr val="tx1"/>
+                </a:solidFill>
+                <a:effectLst/>
+                <a:latin typeface="+mn-lt"/>
+                <a:ea typeface="+mn-ea"/>
+                <a:cs typeface="+mn-cs"/>
+              </a:rPr>
+              <a:t>states</a:t>
+            </a:r>
+            <a:r>
+              <a:rPr lang="de-DE" sz="1200" b="0" i="0" kern="1200" dirty="0">
+                <a:solidFill>
+                  <a:schemeClr val="tx1"/>
+                </a:solidFill>
+                <a:effectLst/>
+                <a:latin typeface="+mn-lt"/>
+                <a:ea typeface="+mn-ea"/>
+                <a:cs typeface="+mn-cs"/>
+              </a:rPr>
+              <a:t> </a:t>
+            </a:r>
+            <a:r>
+              <a:rPr lang="de-DE" sz="1200" b="0" i="0" kern="1200" dirty="0" err="1">
+                <a:solidFill>
+                  <a:schemeClr val="tx1"/>
+                </a:solidFill>
+                <a:effectLst/>
+                <a:latin typeface="+mn-lt"/>
+                <a:ea typeface="+mn-ea"/>
+                <a:cs typeface="+mn-cs"/>
+              </a:rPr>
+              <a:t>created</a:t>
+            </a:r>
+            <a:endParaRPr lang="de-DE" sz="1200" b="0" i="0" kern="1200" dirty="0">
+              <a:solidFill>
+                <a:schemeClr val="tx1"/>
+              </a:solidFill>
+              <a:effectLst/>
+              <a:latin typeface="+mn-lt"/>
+              <a:ea typeface="+mn-ea"/>
+              <a:cs typeface="+mn-cs"/>
+            </a:endParaRPr>
+          </a:p>
+          <a:p>
+            <a:pPr marL="628650" lvl="1" indent="-171450">
+              <a:buFont typeface="Arial" panose="020B0604020202020204" pitchFamily="34" charset="0"/>
+              <a:buChar char="•"/>
+            </a:pPr>
+            <a:r>
+              <a:rPr lang="de-DE" sz="1200" b="0" i="0" kern="1200" dirty="0">
+                <a:solidFill>
+                  <a:schemeClr val="tx1"/>
+                </a:solidFill>
+                <a:effectLst/>
+                <a:latin typeface="+mn-lt"/>
+                <a:ea typeface="+mn-ea"/>
+                <a:cs typeface="+mn-cs"/>
+              </a:rPr>
+              <a:t>Post-</a:t>
+            </a:r>
+            <a:r>
+              <a:rPr lang="de-DE" sz="1200" b="0" i="0" kern="1200" dirty="0" err="1">
+                <a:solidFill>
+                  <a:schemeClr val="tx1"/>
+                </a:solidFill>
+                <a:effectLst/>
+                <a:latin typeface="+mn-lt"/>
+                <a:ea typeface="+mn-ea"/>
+                <a:cs typeface="+mn-cs"/>
+              </a:rPr>
+              <a:t>condition</a:t>
+            </a:r>
+            <a:r>
+              <a:rPr lang="de-DE" sz="1200" b="0" i="0" kern="1200" dirty="0">
+                <a:solidFill>
+                  <a:schemeClr val="tx1"/>
+                </a:solidFill>
+                <a:effectLst/>
+                <a:latin typeface="+mn-lt"/>
+                <a:ea typeface="+mn-ea"/>
+                <a:cs typeface="+mn-cs"/>
+              </a:rPr>
+              <a:t>: </a:t>
+            </a:r>
+            <a:r>
+              <a:rPr lang="de-DE" sz="1200" b="0" i="0" kern="1200" dirty="0" err="1">
+                <a:solidFill>
+                  <a:schemeClr val="tx1"/>
+                </a:solidFill>
+                <a:effectLst/>
+                <a:latin typeface="+mn-lt"/>
+                <a:ea typeface="+mn-ea"/>
+                <a:cs typeface="+mn-cs"/>
+              </a:rPr>
+              <a:t>composition</a:t>
+            </a:r>
+            <a:r>
+              <a:rPr lang="de-DE" sz="1200" b="0" i="0" kern="1200" dirty="0">
+                <a:solidFill>
+                  <a:schemeClr val="tx1"/>
+                </a:solidFill>
+                <a:effectLst/>
+                <a:latin typeface="+mn-lt"/>
+                <a:ea typeface="+mn-ea"/>
+                <a:cs typeface="+mn-cs"/>
+              </a:rPr>
+              <a:t> </a:t>
+            </a:r>
+            <a:r>
+              <a:rPr lang="de-DE" sz="1200" b="0" i="0" kern="1200" dirty="0" err="1">
+                <a:solidFill>
+                  <a:schemeClr val="tx1"/>
+                </a:solidFill>
+                <a:effectLst/>
+                <a:latin typeface="+mn-lt"/>
+                <a:ea typeface="+mn-ea"/>
+                <a:cs typeface="+mn-cs"/>
+              </a:rPr>
+              <a:t>of</a:t>
+            </a:r>
+            <a:r>
+              <a:rPr lang="de-DE" sz="1200" b="0" i="0" kern="1200" dirty="0">
+                <a:solidFill>
+                  <a:schemeClr val="tx1"/>
+                </a:solidFill>
+                <a:effectLst/>
+                <a:latin typeface="+mn-lt"/>
+                <a:ea typeface="+mn-ea"/>
+                <a:cs typeface="+mn-cs"/>
+              </a:rPr>
+              <a:t> </a:t>
+            </a:r>
+            <a:r>
+              <a:rPr lang="de-DE" sz="1200" b="0" i="0" kern="1200" dirty="0" err="1">
+                <a:solidFill>
+                  <a:schemeClr val="tx1"/>
+                </a:solidFill>
+                <a:effectLst/>
+                <a:latin typeface="+mn-lt"/>
+                <a:ea typeface="+mn-ea"/>
+                <a:cs typeface="+mn-cs"/>
+              </a:rPr>
+              <a:t>the</a:t>
+            </a:r>
+            <a:r>
+              <a:rPr lang="de-DE" sz="1200" b="0" i="0" kern="1200" dirty="0">
+                <a:solidFill>
+                  <a:schemeClr val="tx1"/>
+                </a:solidFill>
+                <a:effectLst/>
+                <a:latin typeface="+mn-lt"/>
+                <a:ea typeface="+mn-ea"/>
+                <a:cs typeface="+mn-cs"/>
+              </a:rPr>
+              <a:t> </a:t>
+            </a:r>
+            <a:r>
+              <a:rPr lang="de-DE" sz="1200" b="0" i="0" kern="1200" dirty="0" err="1">
+                <a:solidFill>
+                  <a:schemeClr val="tx1"/>
+                </a:solidFill>
+                <a:effectLst/>
+                <a:latin typeface="+mn-lt"/>
+                <a:ea typeface="+mn-ea"/>
+                <a:cs typeface="+mn-cs"/>
+              </a:rPr>
+              <a:t>two</a:t>
+            </a:r>
+            <a:r>
+              <a:rPr lang="de-DE" sz="1200" b="0" i="0" kern="1200" dirty="0">
+                <a:solidFill>
+                  <a:schemeClr val="tx1"/>
+                </a:solidFill>
+                <a:effectLst/>
+                <a:latin typeface="+mn-lt"/>
+                <a:ea typeface="+mn-ea"/>
+                <a:cs typeface="+mn-cs"/>
+              </a:rPr>
+              <a:t> </a:t>
+            </a:r>
+            <a:r>
+              <a:rPr lang="de-DE" sz="1200" b="0" i="0" kern="1200" dirty="0" err="1">
+                <a:solidFill>
+                  <a:schemeClr val="tx1"/>
+                </a:solidFill>
+                <a:effectLst/>
+                <a:latin typeface="+mn-lt"/>
+                <a:ea typeface="+mn-ea"/>
+                <a:cs typeface="+mn-cs"/>
+              </a:rPr>
+              <a:t>sub</a:t>
+            </a:r>
+            <a:r>
+              <a:rPr lang="de-DE" sz="1200" b="0" i="0" kern="1200" dirty="0">
+                <a:solidFill>
+                  <a:schemeClr val="tx1"/>
+                </a:solidFill>
+                <a:effectLst/>
+                <a:latin typeface="+mn-lt"/>
+                <a:ea typeface="+mn-ea"/>
+                <a:cs typeface="+mn-cs"/>
+              </a:rPr>
+              <a:t> </a:t>
+            </a:r>
+            <a:r>
+              <a:rPr lang="de-DE" sz="1200" b="0" i="0" kern="1200" dirty="0" err="1">
+                <a:solidFill>
+                  <a:schemeClr val="tx1"/>
+                </a:solidFill>
+                <a:effectLst/>
+                <a:latin typeface="+mn-lt"/>
+                <a:ea typeface="+mn-ea"/>
+                <a:cs typeface="+mn-cs"/>
+              </a:rPr>
+              <a:t>states</a:t>
+            </a:r>
+            <a:endParaRPr lang="de-DE" sz="1200" b="0" i="0" kern="1200" dirty="0">
+              <a:solidFill>
+                <a:schemeClr val="tx1"/>
+              </a:solidFill>
+              <a:effectLst/>
+              <a:latin typeface="+mn-lt"/>
+              <a:ea typeface="+mn-ea"/>
+              <a:cs typeface="+mn-cs"/>
+            </a:endParaRPr>
+          </a:p>
+          <a:p>
+            <a:pPr marL="171450" lvl="0" indent="-171450">
+              <a:buFont typeface="Arial" panose="020B0604020202020204" pitchFamily="34" charset="0"/>
+              <a:buChar char="•"/>
+            </a:pPr>
+            <a:r>
+              <a:rPr lang="de-DE" sz="1200" b="0" i="0" kern="1200" dirty="0" err="1">
+                <a:solidFill>
+                  <a:schemeClr val="tx1"/>
+                </a:solidFill>
+                <a:effectLst/>
+                <a:latin typeface="+mn-lt"/>
+                <a:ea typeface="+mn-ea"/>
+                <a:cs typeface="+mn-cs"/>
+              </a:rPr>
+              <a:t>If</a:t>
+            </a:r>
+            <a:r>
+              <a:rPr lang="de-DE" sz="1200" b="0" i="0" kern="1200" dirty="0">
+                <a:solidFill>
+                  <a:schemeClr val="tx1"/>
+                </a:solidFill>
+                <a:effectLst/>
+                <a:latin typeface="+mn-lt"/>
+                <a:ea typeface="+mn-ea"/>
+                <a:cs typeface="+mn-cs"/>
+              </a:rPr>
+              <a:t> </a:t>
+            </a:r>
+            <a:r>
+              <a:rPr lang="de-DE" sz="1200" b="0" i="0" kern="1200" dirty="0" err="1">
+                <a:solidFill>
+                  <a:schemeClr val="tx1"/>
+                </a:solidFill>
+                <a:effectLst/>
+                <a:latin typeface="+mn-lt"/>
+                <a:ea typeface="+mn-ea"/>
+                <a:cs typeface="+mn-cs"/>
+              </a:rPr>
+              <a:t>contracts</a:t>
+            </a:r>
+            <a:r>
+              <a:rPr lang="de-DE" sz="1200" b="0" i="0" kern="1200" dirty="0">
+                <a:solidFill>
+                  <a:schemeClr val="tx1"/>
+                </a:solidFill>
+                <a:effectLst/>
+                <a:latin typeface="+mn-lt"/>
+                <a:ea typeface="+mn-ea"/>
+                <a:cs typeface="+mn-cs"/>
+              </a:rPr>
+              <a:t> </a:t>
+            </a:r>
+            <a:r>
+              <a:rPr lang="de-DE" sz="1200" b="0" i="0" kern="1200" dirty="0" err="1">
+                <a:solidFill>
+                  <a:schemeClr val="tx1"/>
+                </a:solidFill>
+                <a:effectLst/>
+                <a:latin typeface="+mn-lt"/>
+                <a:ea typeface="+mn-ea"/>
+                <a:cs typeface="+mn-cs"/>
+              </a:rPr>
+              <a:t>statements</a:t>
+            </a:r>
+            <a:r>
+              <a:rPr lang="de-DE" sz="1200" b="0" i="0" kern="1200" dirty="0">
+                <a:solidFill>
+                  <a:schemeClr val="tx1"/>
+                </a:solidFill>
+                <a:effectLst/>
+                <a:latin typeface="+mn-lt"/>
+                <a:ea typeface="+mn-ea"/>
+                <a:cs typeface="+mn-cs"/>
+              </a:rPr>
+              <a:t> </a:t>
+            </a:r>
+            <a:r>
+              <a:rPr lang="de-DE" sz="1200" b="0" i="0" kern="1200" dirty="0" err="1">
+                <a:solidFill>
+                  <a:schemeClr val="tx1"/>
+                </a:solidFill>
+                <a:effectLst/>
+                <a:latin typeface="+mn-lt"/>
+                <a:ea typeface="+mn-ea"/>
+                <a:cs typeface="+mn-cs"/>
+              </a:rPr>
+              <a:t>are</a:t>
+            </a:r>
+            <a:r>
+              <a:rPr lang="de-DE" sz="1200" b="0" i="0" kern="1200" dirty="0">
+                <a:solidFill>
+                  <a:schemeClr val="tx1"/>
+                </a:solidFill>
+                <a:effectLst/>
+                <a:latin typeface="+mn-lt"/>
+                <a:ea typeface="+mn-ea"/>
+                <a:cs typeface="+mn-cs"/>
+              </a:rPr>
+              <a:t> </a:t>
+            </a:r>
+            <a:r>
+              <a:rPr lang="de-DE" sz="1200" b="0" i="0" kern="1200" dirty="0" err="1">
+                <a:solidFill>
+                  <a:schemeClr val="tx1"/>
+                </a:solidFill>
+                <a:effectLst/>
+                <a:latin typeface="+mn-lt"/>
+                <a:ea typeface="+mn-ea"/>
+                <a:cs typeface="+mn-cs"/>
+              </a:rPr>
+              <a:t>the</a:t>
+            </a:r>
+            <a:r>
+              <a:rPr lang="de-DE" sz="1200" b="0" i="0" kern="1200" dirty="0">
+                <a:solidFill>
+                  <a:schemeClr val="tx1"/>
+                </a:solidFill>
+                <a:effectLst/>
+                <a:latin typeface="+mn-lt"/>
+                <a:ea typeface="+mn-ea"/>
+                <a:cs typeface="+mn-cs"/>
+              </a:rPr>
+              <a:t> same </a:t>
+            </a:r>
+            <a:r>
+              <a:rPr lang="de-DE" sz="1200" b="0" i="0" kern="1200" dirty="0" err="1">
+                <a:solidFill>
+                  <a:schemeClr val="tx1"/>
+                </a:solidFill>
+                <a:effectLst/>
+                <a:latin typeface="+mn-lt"/>
+                <a:ea typeface="+mn-ea"/>
+                <a:cs typeface="+mn-cs"/>
+              </a:rPr>
+              <a:t>for</a:t>
+            </a:r>
+            <a:r>
+              <a:rPr lang="de-DE" sz="1200" b="0" i="0" kern="1200" dirty="0">
+                <a:solidFill>
+                  <a:schemeClr val="tx1"/>
+                </a:solidFill>
+                <a:effectLst/>
+                <a:latin typeface="+mn-lt"/>
+                <a:ea typeface="+mn-ea"/>
+                <a:cs typeface="+mn-cs"/>
+              </a:rPr>
+              <a:t> different </a:t>
+            </a:r>
+            <a:r>
+              <a:rPr lang="de-DE" sz="1200" b="0" i="0" kern="1200" dirty="0" err="1">
+                <a:solidFill>
+                  <a:schemeClr val="tx1"/>
+                </a:solidFill>
+                <a:effectLst/>
+                <a:latin typeface="+mn-lt"/>
+                <a:ea typeface="+mn-ea"/>
+                <a:cs typeface="+mn-cs"/>
+              </a:rPr>
+              <a:t>operations</a:t>
+            </a:r>
+            <a:endParaRPr lang="de-DE" sz="1200" b="0" i="0" kern="1200" dirty="0">
+              <a:solidFill>
+                <a:schemeClr val="tx1"/>
+              </a:solidFill>
+              <a:effectLst/>
+              <a:latin typeface="+mn-lt"/>
+              <a:ea typeface="+mn-ea"/>
+              <a:cs typeface="+mn-cs"/>
+            </a:endParaRPr>
+          </a:p>
+          <a:p>
+            <a:pPr marL="628650" lvl="1" indent="-171450">
+              <a:buFont typeface="Arial" panose="020B0604020202020204" pitchFamily="34" charset="0"/>
+              <a:buChar char="•"/>
+            </a:pPr>
+            <a:r>
+              <a:rPr lang="de-DE" sz="1200" b="0" i="0" kern="1200" dirty="0">
+                <a:solidFill>
+                  <a:schemeClr val="tx1"/>
+                </a:solidFill>
+                <a:effectLst/>
+                <a:latin typeface="+mn-lt"/>
+                <a:ea typeface="+mn-ea"/>
+                <a:cs typeface="+mn-cs"/>
+              </a:rPr>
+              <a:t>Split </a:t>
+            </a:r>
+            <a:r>
+              <a:rPr lang="de-DE" sz="1200" b="0" i="0" kern="1200" dirty="0" err="1">
+                <a:solidFill>
+                  <a:schemeClr val="tx1"/>
+                </a:solidFill>
+                <a:effectLst/>
+                <a:latin typeface="+mn-lt"/>
+                <a:ea typeface="+mn-ea"/>
+                <a:cs typeface="+mn-cs"/>
+              </a:rPr>
+              <a:t>the</a:t>
+            </a:r>
+            <a:r>
+              <a:rPr lang="de-DE" sz="1200" b="0" i="0" kern="1200" dirty="0">
+                <a:solidFill>
+                  <a:schemeClr val="tx1"/>
+                </a:solidFill>
+                <a:effectLst/>
+                <a:latin typeface="+mn-lt"/>
+                <a:ea typeface="+mn-ea"/>
+                <a:cs typeface="+mn-cs"/>
+              </a:rPr>
+              <a:t> </a:t>
+            </a:r>
+            <a:r>
+              <a:rPr lang="de-DE" sz="1200" b="0" i="0" kern="1200" dirty="0" err="1">
+                <a:solidFill>
+                  <a:schemeClr val="tx1"/>
+                </a:solidFill>
+                <a:effectLst/>
+                <a:latin typeface="+mn-lt"/>
+                <a:ea typeface="+mn-ea"/>
+                <a:cs typeface="+mn-cs"/>
+              </a:rPr>
+              <a:t>identical</a:t>
+            </a:r>
+            <a:r>
+              <a:rPr lang="de-DE" sz="1200" b="0" i="0" kern="1200" dirty="0">
+                <a:solidFill>
+                  <a:schemeClr val="tx1"/>
+                </a:solidFill>
+                <a:effectLst/>
+                <a:latin typeface="+mn-lt"/>
+                <a:ea typeface="+mn-ea"/>
+                <a:cs typeface="+mn-cs"/>
+              </a:rPr>
+              <a:t> </a:t>
+            </a:r>
+            <a:r>
+              <a:rPr lang="de-DE" sz="1200" b="0" i="0" kern="1200" dirty="0" err="1">
+                <a:solidFill>
+                  <a:schemeClr val="tx1"/>
+                </a:solidFill>
+                <a:effectLst/>
+                <a:latin typeface="+mn-lt"/>
+                <a:ea typeface="+mn-ea"/>
+                <a:cs typeface="+mn-cs"/>
+              </a:rPr>
+              <a:t>statements</a:t>
+            </a:r>
+            <a:r>
+              <a:rPr lang="de-DE" sz="1200" b="0" i="0" kern="1200" dirty="0">
+                <a:solidFill>
+                  <a:schemeClr val="tx1"/>
+                </a:solidFill>
+                <a:effectLst/>
+                <a:latin typeface="+mn-lt"/>
+                <a:ea typeface="+mn-ea"/>
+                <a:cs typeface="+mn-cs"/>
+              </a:rPr>
+              <a:t> </a:t>
+            </a:r>
+            <a:r>
+              <a:rPr lang="de-DE" sz="1200" b="0" i="0" kern="1200" dirty="0" err="1">
+                <a:solidFill>
+                  <a:schemeClr val="tx1"/>
+                </a:solidFill>
+                <a:effectLst/>
+                <a:latin typeface="+mn-lt"/>
+                <a:ea typeface="+mn-ea"/>
+                <a:cs typeface="+mn-cs"/>
+              </a:rPr>
+              <a:t>into</a:t>
+            </a:r>
+            <a:r>
+              <a:rPr lang="de-DE" sz="1200" b="0" i="0" kern="1200" dirty="0">
+                <a:solidFill>
+                  <a:schemeClr val="tx1"/>
+                </a:solidFill>
+                <a:effectLst/>
+                <a:latin typeface="+mn-lt"/>
+                <a:ea typeface="+mn-ea"/>
+                <a:cs typeface="+mn-cs"/>
+              </a:rPr>
+              <a:t> </a:t>
+            </a:r>
+            <a:r>
+              <a:rPr lang="de-DE" sz="1200" b="0" i="0" kern="1200" dirty="0" err="1">
+                <a:solidFill>
+                  <a:schemeClr val="tx1"/>
+                </a:solidFill>
+                <a:effectLst/>
+                <a:latin typeface="+mn-lt"/>
+                <a:ea typeface="+mn-ea"/>
+                <a:cs typeface="+mn-cs"/>
+              </a:rPr>
+              <a:t>two</a:t>
+            </a:r>
+            <a:r>
+              <a:rPr lang="de-DE" sz="1200" b="0" i="0" kern="1200" dirty="0">
+                <a:solidFill>
+                  <a:schemeClr val="tx1"/>
+                </a:solidFill>
+                <a:effectLst/>
+                <a:latin typeface="+mn-lt"/>
+                <a:ea typeface="+mn-ea"/>
+                <a:cs typeface="+mn-cs"/>
+              </a:rPr>
+              <a:t> </a:t>
+            </a:r>
+            <a:r>
+              <a:rPr lang="de-DE" sz="1200" b="0" i="0" kern="1200" dirty="0" err="1">
+                <a:solidFill>
+                  <a:schemeClr val="tx1"/>
+                </a:solidFill>
+                <a:effectLst/>
+                <a:latin typeface="+mn-lt"/>
+                <a:ea typeface="+mn-ea"/>
+                <a:cs typeface="+mn-cs"/>
+              </a:rPr>
+              <a:t>sub</a:t>
+            </a:r>
+            <a:r>
+              <a:rPr lang="de-DE" sz="1200" b="0" i="0" kern="1200" dirty="0">
+                <a:solidFill>
+                  <a:schemeClr val="tx1"/>
+                </a:solidFill>
+                <a:effectLst/>
+                <a:latin typeface="+mn-lt"/>
+                <a:ea typeface="+mn-ea"/>
+                <a:cs typeface="+mn-cs"/>
+              </a:rPr>
+              <a:t> </a:t>
+            </a:r>
+            <a:r>
+              <a:rPr lang="de-DE" sz="1200" b="0" i="0" kern="1200" dirty="0" err="1">
+                <a:solidFill>
+                  <a:schemeClr val="tx1"/>
+                </a:solidFill>
+                <a:effectLst/>
+                <a:latin typeface="+mn-lt"/>
+                <a:ea typeface="+mn-ea"/>
+                <a:cs typeface="+mn-cs"/>
+              </a:rPr>
+              <a:t>states</a:t>
+            </a:r>
+            <a:endParaRPr lang="de-DE" sz="1200" b="0" i="0" kern="1200" dirty="0">
+              <a:solidFill>
+                <a:schemeClr val="tx1"/>
+              </a:solidFill>
+              <a:effectLst/>
+              <a:latin typeface="+mn-lt"/>
+              <a:ea typeface="+mn-ea"/>
+              <a:cs typeface="+mn-cs"/>
+            </a:endParaRPr>
+          </a:p>
+          <a:p>
+            <a:pPr marL="171450" lvl="0" indent="-171450">
+              <a:buFont typeface="Arial" panose="020B0604020202020204" pitchFamily="34" charset="0"/>
+              <a:buChar char="•"/>
+            </a:pPr>
+            <a:r>
+              <a:rPr lang="de-DE" sz="1200" b="0" i="0" kern="1200" dirty="0" err="1">
+                <a:solidFill>
+                  <a:schemeClr val="tx1"/>
+                </a:solidFill>
+                <a:effectLst/>
+                <a:latin typeface="+mn-lt"/>
+                <a:ea typeface="+mn-ea"/>
+                <a:cs typeface="+mn-cs"/>
+              </a:rPr>
+              <a:t>Eliminate</a:t>
+            </a:r>
+            <a:r>
+              <a:rPr lang="de-DE" sz="1200" b="0" i="0" kern="1200" dirty="0">
+                <a:solidFill>
+                  <a:schemeClr val="tx1"/>
+                </a:solidFill>
+                <a:effectLst/>
+                <a:latin typeface="+mn-lt"/>
+                <a:ea typeface="+mn-ea"/>
+                <a:cs typeface="+mn-cs"/>
+              </a:rPr>
+              <a:t> </a:t>
+            </a:r>
+            <a:r>
+              <a:rPr lang="de-DE" sz="1200" b="0" i="0" kern="1200" dirty="0" err="1">
+                <a:solidFill>
+                  <a:schemeClr val="tx1"/>
+                </a:solidFill>
+                <a:effectLst/>
+                <a:latin typeface="+mn-lt"/>
+                <a:ea typeface="+mn-ea"/>
+                <a:cs typeface="+mn-cs"/>
+              </a:rPr>
+              <a:t>join</a:t>
+            </a:r>
+            <a:r>
+              <a:rPr lang="de-DE" sz="1200" b="0" i="0" kern="1200" dirty="0">
+                <a:solidFill>
+                  <a:schemeClr val="tx1"/>
+                </a:solidFill>
+                <a:effectLst/>
+                <a:latin typeface="+mn-lt"/>
+                <a:ea typeface="+mn-ea"/>
+                <a:cs typeface="+mn-cs"/>
+              </a:rPr>
+              <a:t> </a:t>
+            </a:r>
+            <a:r>
+              <a:rPr lang="de-DE" sz="1200" b="0" i="0" kern="1200" dirty="0" err="1">
+                <a:solidFill>
+                  <a:schemeClr val="tx1"/>
+                </a:solidFill>
+                <a:effectLst/>
+                <a:latin typeface="+mn-lt"/>
+                <a:ea typeface="+mn-ea"/>
+                <a:cs typeface="+mn-cs"/>
+              </a:rPr>
+              <a:t>nodes</a:t>
+            </a:r>
+            <a:endParaRPr lang="de-DE" sz="1200" b="0" i="0" kern="1200" dirty="0">
+              <a:solidFill>
+                <a:schemeClr val="tx1"/>
+              </a:solidFill>
+              <a:effectLst/>
+              <a:latin typeface="+mn-lt"/>
+              <a:ea typeface="+mn-ea"/>
+              <a:cs typeface="+mn-cs"/>
+            </a:endParaRPr>
+          </a:p>
+          <a:p>
+            <a:pPr marL="171450" lvl="0" indent="-171450">
+              <a:buFont typeface="Arial" panose="020B0604020202020204" pitchFamily="34" charset="0"/>
+              <a:buChar char="•"/>
+            </a:pPr>
+            <a:r>
+              <a:rPr lang="de-DE" sz="1200" b="0" i="0" kern="1200" dirty="0">
+                <a:solidFill>
+                  <a:schemeClr val="tx1"/>
+                </a:solidFill>
+                <a:effectLst/>
+                <a:latin typeface="+mn-lt"/>
+                <a:ea typeface="+mn-ea"/>
+                <a:cs typeface="+mn-cs"/>
+              </a:rPr>
+              <a:t>Additional </a:t>
+            </a:r>
+            <a:r>
+              <a:rPr lang="de-DE" sz="1200" b="0" i="0" kern="1200" dirty="0" err="1">
+                <a:solidFill>
+                  <a:schemeClr val="tx1"/>
+                </a:solidFill>
+                <a:effectLst/>
+                <a:latin typeface="+mn-lt"/>
+                <a:ea typeface="+mn-ea"/>
+                <a:cs typeface="+mn-cs"/>
+              </a:rPr>
+              <a:t>transitions</a:t>
+            </a:r>
+            <a:r>
+              <a:rPr lang="de-DE" sz="1200" b="0" i="0" kern="1200" dirty="0">
+                <a:solidFill>
+                  <a:schemeClr val="tx1"/>
+                </a:solidFill>
+                <a:effectLst/>
+                <a:latin typeface="+mn-lt"/>
+                <a:ea typeface="+mn-ea"/>
+                <a:cs typeface="+mn-cs"/>
+              </a:rPr>
+              <a:t> </a:t>
+            </a:r>
+            <a:r>
+              <a:rPr lang="de-DE" sz="1200" b="0" i="0" kern="1200" dirty="0" err="1">
+                <a:solidFill>
+                  <a:schemeClr val="tx1"/>
+                </a:solidFill>
+                <a:effectLst/>
+                <a:latin typeface="+mn-lt"/>
+                <a:ea typeface="+mn-ea"/>
+                <a:cs typeface="+mn-cs"/>
+              </a:rPr>
+              <a:t>are</a:t>
+            </a:r>
+            <a:r>
+              <a:rPr lang="de-DE" sz="1200" b="0" i="0" kern="1200" dirty="0">
+                <a:solidFill>
+                  <a:schemeClr val="tx1"/>
+                </a:solidFill>
+                <a:effectLst/>
+                <a:latin typeface="+mn-lt"/>
+                <a:ea typeface="+mn-ea"/>
+                <a:cs typeface="+mn-cs"/>
+              </a:rPr>
+              <a:t> </a:t>
+            </a:r>
+            <a:r>
+              <a:rPr lang="de-DE" sz="1200" b="0" i="0" kern="1200" dirty="0" err="1">
+                <a:solidFill>
+                  <a:schemeClr val="tx1"/>
+                </a:solidFill>
+                <a:effectLst/>
+                <a:latin typeface="+mn-lt"/>
+                <a:ea typeface="+mn-ea"/>
+                <a:cs typeface="+mn-cs"/>
+              </a:rPr>
+              <a:t>added</a:t>
+            </a:r>
+            <a:r>
+              <a:rPr lang="de-DE" sz="1200" b="0" i="0" kern="1200" dirty="0">
+                <a:solidFill>
+                  <a:schemeClr val="tx1"/>
+                </a:solidFill>
+                <a:effectLst/>
+                <a:latin typeface="+mn-lt"/>
+                <a:ea typeface="+mn-ea"/>
+                <a:cs typeface="+mn-cs"/>
+              </a:rPr>
+              <a:t> </a:t>
+            </a:r>
+            <a:r>
+              <a:rPr lang="de-DE" sz="1200" b="0" i="0" kern="1200" dirty="0" err="1">
+                <a:solidFill>
+                  <a:schemeClr val="tx1"/>
+                </a:solidFill>
+                <a:effectLst/>
+                <a:latin typeface="+mn-lt"/>
+                <a:ea typeface="+mn-ea"/>
+                <a:cs typeface="+mn-cs"/>
+              </a:rPr>
+              <a:t>for</a:t>
+            </a:r>
+            <a:r>
+              <a:rPr lang="de-DE" sz="1200" b="0" i="0" kern="1200" dirty="0">
+                <a:solidFill>
+                  <a:schemeClr val="tx1"/>
+                </a:solidFill>
+                <a:effectLst/>
+                <a:latin typeface="+mn-lt"/>
+                <a:ea typeface="+mn-ea"/>
+                <a:cs typeface="+mn-cs"/>
+              </a:rPr>
+              <a:t> all </a:t>
+            </a:r>
+            <a:r>
+              <a:rPr lang="de-DE" sz="1200" b="0" i="0" kern="1200" dirty="0" err="1">
+                <a:solidFill>
+                  <a:schemeClr val="tx1"/>
+                </a:solidFill>
+                <a:effectLst/>
+                <a:latin typeface="+mn-lt"/>
+                <a:ea typeface="+mn-ea"/>
+                <a:cs typeface="+mn-cs"/>
+              </a:rPr>
+              <a:t>conditional</a:t>
+            </a:r>
+            <a:r>
+              <a:rPr lang="de-DE" sz="1200" b="0" i="0" kern="1200" dirty="0">
+                <a:solidFill>
+                  <a:schemeClr val="tx1"/>
+                </a:solidFill>
+                <a:effectLst/>
+                <a:latin typeface="+mn-lt"/>
+                <a:ea typeface="+mn-ea"/>
+                <a:cs typeface="+mn-cs"/>
+              </a:rPr>
+              <a:t> </a:t>
+            </a:r>
+            <a:r>
+              <a:rPr lang="de-DE" sz="1200" b="0" i="0" kern="1200" dirty="0" err="1">
+                <a:solidFill>
+                  <a:schemeClr val="tx1"/>
+                </a:solidFill>
+                <a:effectLst/>
+                <a:latin typeface="+mn-lt"/>
+                <a:ea typeface="+mn-ea"/>
+                <a:cs typeface="+mn-cs"/>
+              </a:rPr>
+              <a:t>flows</a:t>
+            </a:r>
+            <a:r>
+              <a:rPr lang="de-DE" sz="1200" b="0" i="0" kern="1200" dirty="0">
+                <a:solidFill>
+                  <a:schemeClr val="tx1"/>
+                </a:solidFill>
+                <a:effectLst/>
+                <a:latin typeface="+mn-lt"/>
+                <a:ea typeface="+mn-ea"/>
+                <a:cs typeface="+mn-cs"/>
+              </a:rPr>
+              <a:t> </a:t>
+            </a:r>
+            <a:r>
+              <a:rPr lang="de-DE" sz="1200" b="0" i="0" kern="1200" dirty="0" err="1">
+                <a:solidFill>
+                  <a:schemeClr val="tx1"/>
+                </a:solidFill>
+                <a:effectLst/>
+                <a:latin typeface="+mn-lt"/>
+                <a:ea typeface="+mn-ea"/>
+                <a:cs typeface="+mn-cs"/>
+              </a:rPr>
+              <a:t>leading</a:t>
+            </a:r>
+            <a:r>
+              <a:rPr lang="de-DE" sz="1200" b="0" i="0" kern="1200" dirty="0">
+                <a:solidFill>
+                  <a:schemeClr val="tx1"/>
+                </a:solidFill>
+                <a:effectLst/>
+                <a:latin typeface="+mn-lt"/>
+                <a:ea typeface="+mn-ea"/>
+                <a:cs typeface="+mn-cs"/>
+              </a:rPr>
+              <a:t> </a:t>
+            </a:r>
+            <a:r>
+              <a:rPr lang="de-DE" sz="1200" b="0" i="0" kern="1200" dirty="0" err="1">
+                <a:solidFill>
+                  <a:schemeClr val="tx1"/>
+                </a:solidFill>
+                <a:effectLst/>
+                <a:latin typeface="+mn-lt"/>
+                <a:ea typeface="+mn-ea"/>
+                <a:cs typeface="+mn-cs"/>
+              </a:rPr>
+              <a:t>to</a:t>
+            </a:r>
+            <a:r>
+              <a:rPr lang="de-DE" sz="1200" b="0" i="0" kern="1200" dirty="0">
+                <a:solidFill>
+                  <a:schemeClr val="tx1"/>
+                </a:solidFill>
+                <a:effectLst/>
+                <a:latin typeface="+mn-lt"/>
+                <a:ea typeface="+mn-ea"/>
+                <a:cs typeface="+mn-cs"/>
+              </a:rPr>
+              <a:t> alternative </a:t>
+            </a:r>
+            <a:r>
+              <a:rPr lang="de-DE" sz="1200" b="0" i="0" kern="1200" dirty="0" err="1">
+                <a:solidFill>
+                  <a:schemeClr val="tx1"/>
+                </a:solidFill>
+                <a:effectLst/>
+                <a:latin typeface="+mn-lt"/>
+                <a:ea typeface="+mn-ea"/>
+                <a:cs typeface="+mn-cs"/>
+              </a:rPr>
+              <a:t>scenarios</a:t>
+            </a:r>
+            <a:r>
+              <a:rPr lang="de-DE" sz="1200" b="0" i="0" kern="1200" dirty="0">
+                <a:solidFill>
+                  <a:schemeClr val="tx1"/>
+                </a:solidFill>
+                <a:effectLst/>
+                <a:latin typeface="+mn-lt"/>
+                <a:ea typeface="+mn-ea"/>
+                <a:cs typeface="+mn-cs"/>
+              </a:rPr>
+              <a:t> and </a:t>
+            </a:r>
+            <a:r>
+              <a:rPr lang="de-DE" sz="1200" b="0" i="0" kern="1200" dirty="0" err="1">
+                <a:solidFill>
+                  <a:schemeClr val="tx1"/>
+                </a:solidFill>
+                <a:effectLst/>
+                <a:latin typeface="+mn-lt"/>
+                <a:ea typeface="+mn-ea"/>
+                <a:cs typeface="+mn-cs"/>
+              </a:rPr>
+              <a:t>their</a:t>
+            </a:r>
+            <a:r>
+              <a:rPr lang="de-DE" sz="1200" b="0" i="0" kern="1200" dirty="0">
+                <a:solidFill>
+                  <a:schemeClr val="tx1"/>
+                </a:solidFill>
+                <a:effectLst/>
+                <a:latin typeface="+mn-lt"/>
+                <a:ea typeface="+mn-ea"/>
+                <a:cs typeface="+mn-cs"/>
+              </a:rPr>
+              <a:t> </a:t>
+            </a:r>
+            <a:r>
+              <a:rPr lang="de-DE" sz="1200" b="0" i="0" kern="1200" dirty="0" err="1">
+                <a:solidFill>
+                  <a:schemeClr val="tx1"/>
+                </a:solidFill>
+                <a:effectLst/>
+                <a:latin typeface="+mn-lt"/>
+                <a:ea typeface="+mn-ea"/>
+                <a:cs typeface="+mn-cs"/>
+              </a:rPr>
+              <a:t>guard</a:t>
+            </a:r>
+            <a:r>
+              <a:rPr lang="de-DE" sz="1200" b="0" i="0" kern="1200" dirty="0">
+                <a:solidFill>
+                  <a:schemeClr val="tx1"/>
+                </a:solidFill>
+                <a:effectLst/>
+                <a:latin typeface="+mn-lt"/>
+                <a:ea typeface="+mn-ea"/>
+                <a:cs typeface="+mn-cs"/>
+              </a:rPr>
+              <a:t> </a:t>
+            </a:r>
+            <a:r>
+              <a:rPr lang="de-DE" sz="1200" b="0" i="0" kern="1200" dirty="0" err="1">
+                <a:solidFill>
+                  <a:schemeClr val="tx1"/>
+                </a:solidFill>
+                <a:effectLst/>
+                <a:latin typeface="+mn-lt"/>
+                <a:ea typeface="+mn-ea"/>
+                <a:cs typeface="+mn-cs"/>
+              </a:rPr>
+              <a:t>conditions</a:t>
+            </a:r>
+            <a:r>
+              <a:rPr lang="de-DE" sz="1200" b="0" i="0" kern="1200" dirty="0">
+                <a:solidFill>
+                  <a:schemeClr val="tx1"/>
+                </a:solidFill>
+                <a:effectLst/>
+                <a:latin typeface="+mn-lt"/>
+                <a:ea typeface="+mn-ea"/>
+                <a:cs typeface="+mn-cs"/>
+              </a:rPr>
+              <a:t> </a:t>
+            </a:r>
+            <a:r>
+              <a:rPr lang="de-DE" sz="1200" b="0" i="0" kern="1200" dirty="0" err="1">
+                <a:solidFill>
+                  <a:schemeClr val="tx1"/>
+                </a:solidFill>
+                <a:effectLst/>
+                <a:latin typeface="+mn-lt"/>
+                <a:ea typeface="+mn-ea"/>
+                <a:cs typeface="+mn-cs"/>
+              </a:rPr>
+              <a:t>are</a:t>
+            </a:r>
+            <a:r>
+              <a:rPr lang="de-DE" sz="1200" b="0" i="0" kern="1200" dirty="0">
+                <a:solidFill>
+                  <a:schemeClr val="tx1"/>
+                </a:solidFill>
+                <a:effectLst/>
+                <a:latin typeface="+mn-lt"/>
+                <a:ea typeface="+mn-ea"/>
+                <a:cs typeface="+mn-cs"/>
+              </a:rPr>
+              <a:t> </a:t>
+            </a:r>
+            <a:r>
+              <a:rPr lang="de-DE" sz="1200" b="0" i="0" kern="1200" dirty="0" err="1">
+                <a:solidFill>
+                  <a:schemeClr val="tx1"/>
+                </a:solidFill>
+                <a:effectLst/>
+                <a:latin typeface="+mn-lt"/>
+                <a:ea typeface="+mn-ea"/>
+                <a:cs typeface="+mn-cs"/>
+              </a:rPr>
+              <a:t>attached</a:t>
+            </a:r>
+            <a:r>
+              <a:rPr lang="de-DE" sz="1200" b="0" i="0" kern="1200" dirty="0">
+                <a:solidFill>
+                  <a:schemeClr val="tx1"/>
+                </a:solidFill>
+                <a:effectLst/>
+                <a:latin typeface="+mn-lt"/>
+                <a:ea typeface="+mn-ea"/>
+                <a:cs typeface="+mn-cs"/>
+              </a:rPr>
+              <a:t> </a:t>
+            </a:r>
+            <a:r>
+              <a:rPr lang="de-DE" sz="1200" b="0" i="0" kern="1200" dirty="0" err="1">
+                <a:solidFill>
+                  <a:schemeClr val="tx1"/>
+                </a:solidFill>
+                <a:effectLst/>
+                <a:latin typeface="+mn-lt"/>
+                <a:ea typeface="+mn-ea"/>
+                <a:cs typeface="+mn-cs"/>
+              </a:rPr>
+              <a:t>to</a:t>
+            </a:r>
+            <a:r>
+              <a:rPr lang="de-DE" sz="1200" b="0" i="0" kern="1200" dirty="0">
+                <a:solidFill>
+                  <a:schemeClr val="tx1"/>
+                </a:solidFill>
+                <a:effectLst/>
+                <a:latin typeface="+mn-lt"/>
+                <a:ea typeface="+mn-ea"/>
+                <a:cs typeface="+mn-cs"/>
+              </a:rPr>
+              <a:t> </a:t>
+            </a:r>
+            <a:r>
+              <a:rPr lang="de-DE" sz="1200" b="0" i="0" kern="1200" dirty="0" err="1">
+                <a:solidFill>
+                  <a:schemeClr val="tx1"/>
+                </a:solidFill>
+                <a:effectLst/>
+                <a:latin typeface="+mn-lt"/>
+                <a:ea typeface="+mn-ea"/>
+                <a:cs typeface="+mn-cs"/>
+              </a:rPr>
+              <a:t>them</a:t>
+            </a:r>
+            <a:endParaRPr lang="de-DE" sz="1200" b="0" i="0" kern="1200" dirty="0">
               <a:solidFill>
                 <a:schemeClr val="tx1"/>
               </a:solidFill>
@@ -6122,7 +8582,7 @@
     </p:spTree>
     <p:extLst>
       <p:ext uri="{BB962C8B-B14F-4D97-AF65-F5344CB8AC3E}">
-        <p14:creationId xmlns:p14="http://schemas.microsoft.com/office/powerpoint/2010/main" val="120232773"/>
+        <p14:creationId xmlns:p14="http://schemas.microsoft.com/office/powerpoint/2010/main" val="365216227"/>
       </p:ext>
     </p:extLst>
   </p:cSld>
@@ -6176,11 +8636,24 @@
           <a:bodyPr/>
           <a:lstStyle/>
           <a:p>
-            <a:pPr marL="171450" indent="-171450">
+            <a:pPr marL="171450" marR="0" lvl="0" indent="-171450" algn="l" defTabSz="914400" rtl="0" eaLnBrk="1" fontAlgn="auto" latinLnBrk="0" hangingPunct="1">
+              <a:lnSpc>
+                <a:spcPct val="100000"/>
+              </a:lnSpc>
+              <a:spcBef>
+                <a:spcPts val="0"/>
+              </a:spcBef>
+              <a:spcAft>
+                <a:spcPts val="0"/>
+              </a:spcAft>
+              <a:buClrTx/>
+              <a:buSzTx/>
               <a:buFont typeface="Arial" panose="020B0604020202020204" pitchFamily="34" charset="0"/>
               <a:buChar char="•"/>
+              <a:tabLst/>
+              <a:defRPr/>
             </a:pPr>
-            <a:endParaRPr lang="en-US" sz="1200" b="0" i="0" kern="1200" dirty="0">
+            <a:endParaRPr lang="de-DE" sz="1200" b="0" i="0" kern="1200" dirty="0">
               <a:solidFill>
                 <a:schemeClr val="tx1"/>
               </a:solidFill>
@@ -6218,7 +8691,7 @@
     </p:spTree>
     <p:extLst>
       <p:ext uri="{BB962C8B-B14F-4D97-AF65-F5344CB8AC3E}">
-        <p14:creationId xmlns:p14="http://schemas.microsoft.com/office/powerpoint/2010/main" val="2918655691"/>
+        <p14:creationId xmlns:p14="http://schemas.microsoft.com/office/powerpoint/2010/main" val="2842952870"/>
       </p:ext>
     </p:extLst>
   </p:cSld>
@@ -6272,7 +8745,324 @@
           <a:bodyPr/>
           <a:lstStyle/>
           <a:p>
-            <a:endParaRPr lang="en-US" dirty="0"/>
+            <a:pPr marL="171450" marR="0" lvl="0" indent="-171450" algn="l" defTabSz="914400" rtl="0" eaLnBrk="1" fontAlgn="auto" latinLnBrk="0" hangingPunct="1">
+              <a:lnSpc>
+                <a:spcPct val="100000"/>
+              </a:lnSpc>
+              <a:spcBef>
+                <a:spcPts val="0"/>
+              </a:spcBef>
+              <a:spcAft>
+                <a:spcPts val="0"/>
+              </a:spcAft>
+              <a:buClrTx/>
+              <a:buSzTx/>
+              <a:buFont typeface="Arial" panose="020B0604020202020204" pitchFamily="34" charset="0"/>
+              <a:buChar char="•"/>
+              <a:tabLst/>
+              <a:defRPr/>
+            </a:pPr>
+            <a:r>
+              <a:rPr lang="de-DE" sz="1200" b="0" i="0" kern="1200" dirty="0">
+                <a:solidFill>
+                  <a:schemeClr val="tx1"/>
+                </a:solidFill>
+                <a:effectLst/>
+                <a:latin typeface="+mn-lt"/>
+                <a:ea typeface="+mn-ea"/>
+                <a:cs typeface="+mn-cs"/>
+              </a:rPr>
+              <a:t>Additional CTS </a:t>
+            </a:r>
+            <a:r>
+              <a:rPr lang="de-DE" sz="1200" b="0" i="0" kern="1200" dirty="0" err="1">
+                <a:solidFill>
+                  <a:schemeClr val="tx1"/>
+                </a:solidFill>
+                <a:effectLst/>
+                <a:latin typeface="+mn-lt"/>
+                <a:ea typeface="+mn-ea"/>
+                <a:cs typeface="+mn-cs"/>
+              </a:rPr>
+              <a:t>flows</a:t>
+            </a:r>
+            <a:r>
+              <a:rPr lang="de-DE" sz="1200" b="0" i="0" kern="1200" dirty="0">
+                <a:solidFill>
+                  <a:schemeClr val="tx1"/>
+                </a:solidFill>
+                <a:effectLst/>
+                <a:latin typeface="+mn-lt"/>
+                <a:ea typeface="+mn-ea"/>
+                <a:cs typeface="+mn-cs"/>
+              </a:rPr>
+              <a:t> </a:t>
+            </a:r>
+            <a:r>
+              <a:rPr lang="de-DE" sz="1200" b="0" i="0" kern="1200" dirty="0" err="1">
+                <a:solidFill>
+                  <a:schemeClr val="tx1"/>
+                </a:solidFill>
+                <a:effectLst/>
+                <a:latin typeface="+mn-lt"/>
+                <a:ea typeface="+mn-ea"/>
+                <a:cs typeface="+mn-cs"/>
+              </a:rPr>
+              <a:t>help</a:t>
+            </a:r>
+            <a:r>
+              <a:rPr lang="de-DE" sz="1200" b="0" i="0" kern="1200" dirty="0">
+                <a:solidFill>
+                  <a:schemeClr val="tx1"/>
+                </a:solidFill>
+                <a:effectLst/>
+                <a:latin typeface="+mn-lt"/>
+                <a:ea typeface="+mn-ea"/>
+                <a:cs typeface="+mn-cs"/>
+              </a:rPr>
+              <a:t> </a:t>
+            </a:r>
+            <a:r>
+              <a:rPr lang="de-DE" sz="1200" b="0" i="0" kern="1200" dirty="0" err="1">
+                <a:solidFill>
+                  <a:schemeClr val="tx1"/>
+                </a:solidFill>
+                <a:effectLst/>
+                <a:latin typeface="+mn-lt"/>
+                <a:ea typeface="+mn-ea"/>
+                <a:cs typeface="+mn-cs"/>
+              </a:rPr>
+              <a:t>to</a:t>
+            </a:r>
+            <a:r>
+              <a:rPr lang="de-DE" sz="1200" b="0" i="0" kern="1200" dirty="0">
+                <a:solidFill>
+                  <a:schemeClr val="tx1"/>
+                </a:solidFill>
+                <a:effectLst/>
+                <a:latin typeface="+mn-lt"/>
+                <a:ea typeface="+mn-ea"/>
+                <a:cs typeface="+mn-cs"/>
+              </a:rPr>
+              <a:t> </a:t>
+            </a:r>
+            <a:r>
+              <a:rPr lang="de-DE" sz="1200" b="0" i="0" kern="1200" dirty="0" err="1">
+                <a:solidFill>
+                  <a:schemeClr val="tx1"/>
+                </a:solidFill>
+                <a:effectLst/>
+                <a:latin typeface="+mn-lt"/>
+                <a:ea typeface="+mn-ea"/>
+                <a:cs typeface="+mn-cs"/>
+              </a:rPr>
+              <a:t>further</a:t>
+            </a:r>
+            <a:r>
+              <a:rPr lang="de-DE" sz="1200" b="0" i="0" kern="1200" dirty="0">
+                <a:solidFill>
+                  <a:schemeClr val="tx1"/>
+                </a:solidFill>
+                <a:effectLst/>
+                <a:latin typeface="+mn-lt"/>
+                <a:ea typeface="+mn-ea"/>
+                <a:cs typeface="+mn-cs"/>
+              </a:rPr>
+              <a:t> </a:t>
+            </a:r>
+            <a:r>
+              <a:rPr lang="de-DE" sz="1200" b="0" i="0" kern="1200" dirty="0" err="1">
+                <a:solidFill>
+                  <a:schemeClr val="tx1"/>
+                </a:solidFill>
+                <a:effectLst/>
+                <a:latin typeface="+mn-lt"/>
+                <a:ea typeface="+mn-ea"/>
+                <a:cs typeface="+mn-cs"/>
+              </a:rPr>
+              <a:t>refine</a:t>
+            </a:r>
+            <a:r>
+              <a:rPr lang="de-DE" sz="1200" b="0" i="0" kern="1200" dirty="0">
+                <a:solidFill>
+                  <a:schemeClr val="tx1"/>
+                </a:solidFill>
+                <a:effectLst/>
+                <a:latin typeface="+mn-lt"/>
+                <a:ea typeface="+mn-ea"/>
+                <a:cs typeface="+mn-cs"/>
+              </a:rPr>
+              <a:t> </a:t>
+            </a:r>
+            <a:r>
+              <a:rPr lang="de-DE" sz="1200" b="0" i="0" kern="1200" dirty="0" err="1">
+                <a:solidFill>
+                  <a:schemeClr val="tx1"/>
+                </a:solidFill>
+                <a:effectLst/>
+                <a:latin typeface="+mn-lt"/>
+                <a:ea typeface="+mn-ea"/>
+                <a:cs typeface="+mn-cs"/>
+              </a:rPr>
+              <a:t>the</a:t>
+            </a:r>
+            <a:r>
+              <a:rPr lang="de-DE" sz="1200" b="0" i="0" kern="1200" dirty="0">
+                <a:solidFill>
+                  <a:schemeClr val="tx1"/>
+                </a:solidFill>
+                <a:effectLst/>
+                <a:latin typeface="+mn-lt"/>
+                <a:ea typeface="+mn-ea"/>
+                <a:cs typeface="+mn-cs"/>
+              </a:rPr>
+              <a:t> </a:t>
+            </a:r>
+            <a:r>
+              <a:rPr lang="de-DE" sz="1200" b="0" i="0" kern="1200" dirty="0" err="1">
+                <a:solidFill>
+                  <a:schemeClr val="tx1"/>
+                </a:solidFill>
+                <a:effectLst/>
+                <a:latin typeface="+mn-lt"/>
+                <a:ea typeface="+mn-ea"/>
+                <a:cs typeface="+mn-cs"/>
+              </a:rPr>
+              <a:t>requirements</a:t>
+            </a:r>
+            <a:endParaRPr lang="de-DE" sz="1200" b="0" i="0" kern="1200" dirty="0">
+              <a:solidFill>
+                <a:schemeClr val="tx1"/>
+              </a:solidFill>
+              <a:effectLst/>
+              <a:latin typeface="+mn-lt"/>
+              <a:ea typeface="+mn-ea"/>
+              <a:cs typeface="+mn-cs"/>
+            </a:endParaRPr>
+          </a:p>
+          <a:p>
+            <a:pPr marL="171450" marR="0" lvl="0" indent="-171450" algn="l" defTabSz="914400" rtl="0" eaLnBrk="1" fontAlgn="auto" latinLnBrk="0" hangingPunct="1">
+              <a:lnSpc>
+                <a:spcPct val="100000"/>
+              </a:lnSpc>
+              <a:spcBef>
+                <a:spcPts val="0"/>
+              </a:spcBef>
+              <a:spcAft>
+                <a:spcPts val="0"/>
+              </a:spcAft>
+              <a:buClrTx/>
+              <a:buSzTx/>
+              <a:buFont typeface="Arial" panose="020B0604020202020204" pitchFamily="34" charset="0"/>
+              <a:buChar char="•"/>
+              <a:tabLst/>
+              <a:defRPr/>
+            </a:pPr>
+            <a:r>
+              <a:rPr lang="de-DE" sz="1200" b="0" i="0" kern="1200" dirty="0">
+                <a:solidFill>
+                  <a:schemeClr val="tx1"/>
+                </a:solidFill>
+                <a:effectLst/>
+                <a:latin typeface="+mn-lt"/>
+                <a:ea typeface="+mn-ea"/>
+                <a:cs typeface="+mn-cs"/>
+              </a:rPr>
+              <a:t>Find potential </a:t>
+            </a:r>
+            <a:r>
+              <a:rPr lang="de-DE" sz="1200" b="0" i="0" kern="1200" dirty="0" err="1">
+                <a:solidFill>
+                  <a:schemeClr val="tx1"/>
+                </a:solidFill>
+                <a:effectLst/>
+                <a:latin typeface="+mn-lt"/>
+                <a:ea typeface="+mn-ea"/>
+                <a:cs typeface="+mn-cs"/>
+              </a:rPr>
+              <a:t>unwanted</a:t>
+            </a:r>
+            <a:r>
+              <a:rPr lang="de-DE" sz="1200" b="0" i="0" kern="1200" dirty="0">
+                <a:solidFill>
+                  <a:schemeClr val="tx1"/>
+                </a:solidFill>
+                <a:effectLst/>
+                <a:latin typeface="+mn-lt"/>
+                <a:ea typeface="+mn-ea"/>
+                <a:cs typeface="+mn-cs"/>
+              </a:rPr>
+              <a:t> </a:t>
+            </a:r>
+            <a:r>
+              <a:rPr lang="de-DE" sz="1200" b="0" i="0" kern="1200" dirty="0" err="1">
+                <a:solidFill>
+                  <a:schemeClr val="tx1"/>
+                </a:solidFill>
+                <a:effectLst/>
+                <a:latin typeface="+mn-lt"/>
+                <a:ea typeface="+mn-ea"/>
+                <a:cs typeface="+mn-cs"/>
+              </a:rPr>
+              <a:t>behavior</a:t>
+            </a:r>
+            <a:r>
+              <a:rPr lang="de-DE" sz="1200" b="0" i="0" kern="1200" dirty="0">
+                <a:solidFill>
+                  <a:schemeClr val="tx1"/>
+                </a:solidFill>
+                <a:effectLst/>
+                <a:latin typeface="+mn-lt"/>
+                <a:ea typeface="+mn-ea"/>
+                <a:cs typeface="+mn-cs"/>
+              </a:rPr>
+              <a:t> </a:t>
+            </a:r>
+            <a:r>
+              <a:rPr lang="de-DE" sz="1200" b="0" i="0" kern="1200" dirty="0" err="1">
+                <a:solidFill>
+                  <a:schemeClr val="tx1"/>
+                </a:solidFill>
+                <a:effectLst/>
+                <a:latin typeface="+mn-lt"/>
+                <a:ea typeface="+mn-ea"/>
+                <a:cs typeface="+mn-cs"/>
+              </a:rPr>
+              <a:t>or</a:t>
+            </a:r>
+            <a:r>
+              <a:rPr lang="de-DE" sz="1200" b="0" i="0" kern="1200" dirty="0">
+                <a:solidFill>
+                  <a:schemeClr val="tx1"/>
+                </a:solidFill>
+                <a:effectLst/>
+                <a:latin typeface="+mn-lt"/>
+                <a:ea typeface="+mn-ea"/>
+                <a:cs typeface="+mn-cs"/>
+              </a:rPr>
+              <a:t> </a:t>
+            </a:r>
+            <a:r>
+              <a:rPr lang="de-DE" sz="1200" b="0" i="0" kern="1200" dirty="0" err="1">
+                <a:solidFill>
+                  <a:schemeClr val="tx1"/>
+                </a:solidFill>
+                <a:effectLst/>
+                <a:latin typeface="+mn-lt"/>
+                <a:ea typeface="+mn-ea"/>
+                <a:cs typeface="+mn-cs"/>
+              </a:rPr>
+              <a:t>underspecification</a:t>
+            </a:r>
+            <a:endParaRPr lang="de-DE" sz="1200" b="0" i="0" kern="1200" dirty="0">
+              <a:solidFill>
+                <a:schemeClr val="tx1"/>
+              </a:solidFill>
+              <a:effectLst/>
+              <a:latin typeface="+mn-lt"/>
+              <a:ea typeface="+mn-ea"/>
+              <a:cs typeface="+mn-cs"/>
+            </a:endParaRPr>
           </a:p>
         </p:txBody>
       </p:sp>
@@ -6302,7 +9092,7 @@
     </p:spTree>
     <p:extLst>
       <p:ext uri="{BB962C8B-B14F-4D97-AF65-F5344CB8AC3E}">
-        <p14:creationId xmlns:p14="http://schemas.microsoft.com/office/powerpoint/2010/main" val="2553314863"/>
+        <p14:creationId xmlns:p14="http://schemas.microsoft.com/office/powerpoint/2010/main" val="3974988642"/>
       </p:ext>
     </p:extLst>
   </p:cSld>
@@ -6360,15 +9150,384 @@
               <a:buFont typeface="Arial" panose="020B0604020202020204" pitchFamily="34" charset="0"/>
               <a:buChar char="•"/>
             </a:pPr>
-            <a:endParaRPr lang="en-US" sz="1200" b="0" i="0" kern="1200" dirty="0">
-              <a:solidFill>
-                <a:schemeClr val="tx1"/>
-              </a:solidFill>
-              <a:effectLst/>
-              <a:latin typeface="+mn-lt"/>
-              <a:ea typeface="+mn-ea"/>
-              <a:cs typeface="+mn-cs"/>
-            </a:endParaRPr>
+            <a:r>
+              <a:rPr lang="de-DE" sz="1200" b="0" i="0" kern="1200" dirty="0">
+                <a:solidFill>
+                  <a:schemeClr val="tx1"/>
+                </a:solidFill>
+                <a:effectLst/>
+                <a:latin typeface="+mn-lt"/>
+                <a:ea typeface="+mn-ea"/>
+                <a:cs typeface="+mn-cs"/>
+              </a:rPr>
+              <a:t>Transition </a:t>
+            </a:r>
+            <a:r>
+              <a:rPr lang="de-DE" sz="1200" b="0" i="0" kern="1200" dirty="0" err="1">
+                <a:solidFill>
+                  <a:schemeClr val="tx1"/>
+                </a:solidFill>
+                <a:effectLst/>
+                <a:latin typeface="+mn-lt"/>
+                <a:ea typeface="+mn-ea"/>
+                <a:cs typeface="+mn-cs"/>
+              </a:rPr>
+              <a:t>coverage</a:t>
+            </a:r>
+            <a:r>
+              <a:rPr lang="de-DE" sz="1200" b="0" i="0" kern="1200" dirty="0">
+                <a:solidFill>
+                  <a:schemeClr val="tx1"/>
+                </a:solidFill>
+                <a:effectLst/>
+                <a:latin typeface="+mn-lt"/>
+                <a:ea typeface="+mn-ea"/>
+                <a:cs typeface="+mn-cs"/>
+              </a:rPr>
+              <a:t>: 13</a:t>
+            </a:r>
+          </a:p>
+          <a:p>
+            <a:pPr marL="171450" indent="-171450">
+              <a:buFont typeface="Arial" panose="020B0604020202020204" pitchFamily="34" charset="0"/>
+              <a:buChar char="•"/>
+            </a:pPr>
+            <a:r>
+              <a:rPr lang="de-DE" sz="1200" b="0" i="0" kern="1200" dirty="0">
+                <a:solidFill>
+                  <a:schemeClr val="tx1"/>
+                </a:solidFill>
+                <a:effectLst/>
+                <a:latin typeface="+mn-lt"/>
+                <a:ea typeface="+mn-ea"/>
+                <a:cs typeface="+mn-cs"/>
+              </a:rPr>
+              <a:t>State </a:t>
+            </a:r>
+            <a:r>
+              <a:rPr lang="de-DE" sz="1200" b="0" i="0" kern="1200" dirty="0" err="1">
+                <a:solidFill>
+                  <a:schemeClr val="tx1"/>
+                </a:solidFill>
+                <a:effectLst/>
+                <a:latin typeface="+mn-lt"/>
+                <a:ea typeface="+mn-ea"/>
+                <a:cs typeface="+mn-cs"/>
+              </a:rPr>
+              <a:t>coverage</a:t>
+            </a:r>
+            <a:r>
+              <a:rPr lang="de-DE" sz="1200" b="0" i="0" kern="1200" dirty="0">
+                <a:solidFill>
+                  <a:schemeClr val="tx1"/>
+                </a:solidFill>
+                <a:effectLst/>
+                <a:latin typeface="+mn-lt"/>
+                <a:ea typeface="+mn-ea"/>
+                <a:cs typeface="+mn-cs"/>
+              </a:rPr>
+              <a:t>: 1 (</a:t>
+            </a:r>
+            <a:r>
+              <a:rPr lang="de-DE" sz="1200" b="0" i="0" kern="1200" dirty="0" err="1">
+                <a:solidFill>
+                  <a:schemeClr val="tx1"/>
+                </a:solidFill>
+                <a:effectLst/>
+                <a:latin typeface="+mn-lt"/>
+                <a:ea typeface="+mn-ea"/>
+                <a:cs typeface="+mn-cs"/>
+              </a:rPr>
+              <a:t>covered</a:t>
+            </a:r>
+            <a:r>
+              <a:rPr lang="de-DE" sz="1200" b="0" i="0" kern="1200" dirty="0">
+                <a:solidFill>
+                  <a:schemeClr val="tx1"/>
+                </a:solidFill>
+                <a:effectLst/>
+                <a:latin typeface="+mn-lt"/>
+                <a:ea typeface="+mn-ea"/>
+                <a:cs typeface="+mn-cs"/>
+              </a:rPr>
+              <a:t> </a:t>
+            </a:r>
+            <a:r>
+              <a:rPr lang="de-DE" sz="1200" b="0" i="0" kern="1200" dirty="0" err="1">
+                <a:solidFill>
+                  <a:schemeClr val="tx1"/>
+                </a:solidFill>
+                <a:effectLst/>
+                <a:latin typeface="+mn-lt"/>
+                <a:ea typeface="+mn-ea"/>
+                <a:cs typeface="+mn-cs"/>
+              </a:rPr>
+              <a:t>by</a:t>
+            </a:r>
+            <a:r>
+              <a:rPr lang="de-DE" sz="1200" b="0" i="0" kern="1200" dirty="0">
+                <a:solidFill>
+                  <a:schemeClr val="tx1"/>
+                </a:solidFill>
+                <a:effectLst/>
+                <a:latin typeface="+mn-lt"/>
+                <a:ea typeface="+mn-ea"/>
+                <a:cs typeface="+mn-cs"/>
+              </a:rPr>
+              <a:t> </a:t>
+            </a:r>
+            <a:r>
+              <a:rPr lang="de-DE" sz="1200" b="0" i="0" kern="1200" dirty="0" err="1">
+                <a:solidFill>
+                  <a:schemeClr val="tx1"/>
+                </a:solidFill>
+                <a:effectLst/>
+                <a:latin typeface="+mn-lt"/>
+                <a:ea typeface="+mn-ea"/>
+                <a:cs typeface="+mn-cs"/>
+              </a:rPr>
+              <a:t>transition</a:t>
+            </a:r>
+            <a:r>
+              <a:rPr lang="de-DE" sz="1200" b="0" i="0" kern="1200" dirty="0">
+                <a:solidFill>
+                  <a:schemeClr val="tx1"/>
+                </a:solidFill>
+                <a:effectLst/>
+                <a:latin typeface="+mn-lt"/>
+                <a:ea typeface="+mn-ea"/>
+                <a:cs typeface="+mn-cs"/>
+              </a:rPr>
+              <a:t> </a:t>
+            </a:r>
+            <a:r>
+              <a:rPr lang="de-DE" sz="1200" b="0" i="0" kern="1200" dirty="0" err="1">
+                <a:solidFill>
+                  <a:schemeClr val="tx1"/>
+                </a:solidFill>
+                <a:effectLst/>
+                <a:latin typeface="+mn-lt"/>
+                <a:ea typeface="+mn-ea"/>
+                <a:cs typeface="+mn-cs"/>
+              </a:rPr>
+              <a:t>coverage</a:t>
+            </a:r>
+            <a:r>
+              <a:rPr lang="de-DE" sz="1200" b="0" i="0" kern="1200" dirty="0">
+                <a:solidFill>
+                  <a:schemeClr val="tx1"/>
+                </a:solidFill>
+                <a:effectLst/>
+                <a:latin typeface="+mn-lt"/>
+                <a:ea typeface="+mn-ea"/>
+                <a:cs typeface="+mn-cs"/>
+              </a:rPr>
+              <a:t>)</a:t>
+            </a:r>
+          </a:p>
+          <a:p>
+            <a:pPr marL="171450" indent="-171450">
+              <a:buFont typeface="Arial" panose="020B0604020202020204" pitchFamily="34" charset="0"/>
+              <a:buChar char="•"/>
+            </a:pPr>
+            <a:r>
+              <a:rPr lang="de-DE" sz="1200" b="0" i="0" kern="1200" dirty="0">
+                <a:solidFill>
+                  <a:schemeClr val="tx1"/>
+                </a:solidFill>
+                <a:effectLst/>
+                <a:latin typeface="+mn-lt"/>
+                <a:ea typeface="+mn-ea"/>
+                <a:cs typeface="+mn-cs"/>
+              </a:rPr>
+              <a:t>Transition pair </a:t>
+            </a:r>
+            <a:r>
+              <a:rPr lang="de-DE" sz="1200" b="0" i="0" kern="1200" dirty="0" err="1">
+                <a:solidFill>
+                  <a:schemeClr val="tx1"/>
+                </a:solidFill>
+                <a:effectLst/>
+                <a:latin typeface="+mn-lt"/>
+                <a:ea typeface="+mn-ea"/>
+                <a:cs typeface="+mn-cs"/>
+              </a:rPr>
+              <a:t>coverage</a:t>
+            </a:r>
+            <a:r>
+              <a:rPr lang="de-DE" sz="1200" b="0" i="0" kern="1200" dirty="0">
+                <a:solidFill>
+                  <a:schemeClr val="tx1"/>
+                </a:solidFill>
+                <a:effectLst/>
+                <a:latin typeface="+mn-lt"/>
+                <a:ea typeface="+mn-ea"/>
+                <a:cs typeface="+mn-cs"/>
+              </a:rPr>
+              <a:t>: 26 (</a:t>
+            </a:r>
+            <a:r>
+              <a:rPr lang="de-DE" sz="1200" b="0" i="0" kern="1200" dirty="0" err="1">
+                <a:solidFill>
+                  <a:schemeClr val="tx1"/>
+                </a:solidFill>
+                <a:effectLst/>
+                <a:latin typeface="+mn-lt"/>
+                <a:ea typeface="+mn-ea"/>
+                <a:cs typeface="+mn-cs"/>
+              </a:rPr>
+              <a:t>most</a:t>
+            </a:r>
+            <a:r>
+              <a:rPr lang="de-DE" sz="1200" b="0" i="0" kern="1200" dirty="0">
+                <a:solidFill>
+                  <a:schemeClr val="tx1"/>
+                </a:solidFill>
+                <a:effectLst/>
+                <a:latin typeface="+mn-lt"/>
+                <a:ea typeface="+mn-ea"/>
+                <a:cs typeface="+mn-cs"/>
+              </a:rPr>
+              <a:t> expensive)</a:t>
+            </a:r>
+          </a:p>
+          <a:p>
+            <a:pPr marL="171450" indent="-171450">
+              <a:buFont typeface="Arial" panose="020B0604020202020204" pitchFamily="34" charset="0"/>
+              <a:buChar char="•"/>
+            </a:pPr>
+            <a:r>
+              <a:rPr lang="de-DE" sz="1200" b="0" i="0" kern="1200" dirty="0">
+                <a:solidFill>
+                  <a:schemeClr val="tx1"/>
+                </a:solidFill>
+                <a:effectLst/>
+                <a:latin typeface="+mn-lt"/>
+                <a:ea typeface="+mn-ea"/>
+                <a:cs typeface="+mn-cs"/>
+              </a:rPr>
+              <a:t>Transition </a:t>
+            </a:r>
+            <a:r>
+              <a:rPr lang="de-DE" sz="1200" b="0" i="0" kern="1200" dirty="0" err="1">
+                <a:solidFill>
+                  <a:schemeClr val="tx1"/>
+                </a:solidFill>
+                <a:effectLst/>
+                <a:latin typeface="+mn-lt"/>
+                <a:ea typeface="+mn-ea"/>
+                <a:cs typeface="+mn-cs"/>
+              </a:rPr>
+              <a:t>coverage</a:t>
+            </a:r>
+            <a:r>
+              <a:rPr lang="de-DE" sz="1200" b="0" i="0" kern="1200" dirty="0">
+                <a:solidFill>
+                  <a:schemeClr val="tx1"/>
+                </a:solidFill>
+                <a:effectLst/>
+                <a:latin typeface="+mn-lt"/>
+                <a:ea typeface="+mn-ea"/>
+                <a:cs typeface="+mn-cs"/>
+              </a:rPr>
+              <a:t>: </a:t>
+            </a:r>
+            <a:r>
+              <a:rPr lang="de-DE" sz="1200" b="0" i="0" kern="1200" dirty="0" err="1">
+                <a:solidFill>
+                  <a:schemeClr val="tx1"/>
+                </a:solidFill>
+                <a:effectLst/>
+                <a:latin typeface="+mn-lt"/>
+                <a:ea typeface="+mn-ea"/>
+                <a:cs typeface="+mn-cs"/>
+              </a:rPr>
+              <a:t>guarantees</a:t>
+            </a:r>
+            <a:r>
+              <a:rPr lang="de-DE" sz="1200" b="0" i="0" kern="1200" dirty="0">
+                <a:solidFill>
+                  <a:schemeClr val="tx1"/>
+                </a:solidFill>
+                <a:effectLst/>
+                <a:latin typeface="+mn-lt"/>
+                <a:ea typeface="+mn-ea"/>
+                <a:cs typeface="+mn-cs"/>
+              </a:rPr>
+              <a:t> </a:t>
+            </a:r>
+            <a:r>
+              <a:rPr lang="de-DE" sz="1200" b="0" i="0" kern="1200" dirty="0" err="1">
+                <a:solidFill>
+                  <a:schemeClr val="tx1"/>
+                </a:solidFill>
+                <a:effectLst/>
+                <a:latin typeface="+mn-lt"/>
+                <a:ea typeface="+mn-ea"/>
+                <a:cs typeface="+mn-cs"/>
+              </a:rPr>
+              <a:t>coverage</a:t>
+            </a:r>
+            <a:r>
+              <a:rPr lang="de-DE" sz="1200" b="0" i="0" kern="1200" dirty="0">
+                <a:solidFill>
+                  <a:schemeClr val="tx1"/>
+                </a:solidFill>
+                <a:effectLst/>
+                <a:latin typeface="+mn-lt"/>
+                <a:ea typeface="+mn-ea"/>
+                <a:cs typeface="+mn-cs"/>
+              </a:rPr>
+              <a:t> </a:t>
+            </a:r>
+            <a:r>
+              <a:rPr lang="de-DE" sz="1200" b="0" i="0" kern="1200" dirty="0" err="1">
+                <a:solidFill>
+                  <a:schemeClr val="tx1"/>
+                </a:solidFill>
+                <a:effectLst/>
+                <a:latin typeface="+mn-lt"/>
+                <a:ea typeface="+mn-ea"/>
+                <a:cs typeface="+mn-cs"/>
+              </a:rPr>
+              <a:t>of</a:t>
+            </a:r>
+            <a:r>
+              <a:rPr lang="de-DE" sz="1200" b="0" i="0" kern="1200" dirty="0">
+                <a:solidFill>
+                  <a:schemeClr val="tx1"/>
+                </a:solidFill>
+                <a:effectLst/>
+                <a:latin typeface="+mn-lt"/>
+                <a:ea typeface="+mn-ea"/>
+                <a:cs typeface="+mn-cs"/>
+              </a:rPr>
+              <a:t> all alternative </a:t>
+            </a:r>
+            <a:r>
+              <a:rPr lang="de-DE" sz="1200" b="0" i="0" kern="1200" dirty="0" err="1">
+                <a:solidFill>
+                  <a:schemeClr val="tx1"/>
+                </a:solidFill>
+                <a:effectLst/>
+                <a:latin typeface="+mn-lt"/>
+                <a:ea typeface="+mn-ea"/>
+                <a:cs typeface="+mn-cs"/>
+              </a:rPr>
+              <a:t>flows</a:t>
+            </a:r>
+            <a:r>
+              <a:rPr lang="de-DE" sz="1200" b="0" i="0" kern="1200" dirty="0">
+                <a:solidFill>
+                  <a:schemeClr val="tx1"/>
+                </a:solidFill>
+                <a:effectLst/>
+                <a:latin typeface="+mn-lt"/>
+                <a:ea typeface="+mn-ea"/>
+                <a:cs typeface="+mn-cs"/>
+              </a:rPr>
+              <a:t> in IOD</a:t>
+            </a:r>
           </a:p>
         </p:txBody>
       </p:sp>
@@ -6398,7 +9557,7 @@
     </p:spTree>
     <p:extLst>
       <p:ext uri="{BB962C8B-B14F-4D97-AF65-F5344CB8AC3E}">
-        <p14:creationId xmlns:p14="http://schemas.microsoft.com/office/powerpoint/2010/main" val="1221521544"/>
+        <p14:creationId xmlns:p14="http://schemas.microsoft.com/office/powerpoint/2010/main" val="120232773"/>
       </p:ext>
     </p:extLst>
   </p:cSld>
@@ -6544,7 +9703,36 @@
               <a:buFont typeface="Arial" panose="020B0604020202020204" pitchFamily="34" charset="0"/>
               <a:buChar char="•"/>
             </a:pPr>
-            <a:endParaRPr lang="en-US" sz="1200" b="0" i="0" kern="1200" dirty="0">
+            <a:r>
+              <a:rPr lang="en-US" sz="1200" b="0" i="0" u="none" strike="noStrike" kern="1200" baseline="0" dirty="0">
+                <a:solidFill>
+                  <a:schemeClr val="tx1"/>
+                </a:solidFill>
+                <a:latin typeface="+mn-lt"/>
+                <a:ea typeface="+mn-ea"/>
+                <a:cs typeface="+mn-cs"/>
+              </a:rPr>
+              <a:t>AE / transition coverage criterion and AV / state coverage criterion in common</a:t>
+            </a:r>
+          </a:p>
+          <a:p>
+            <a:pPr marL="171450" indent="-171450">
+              <a:buFont typeface="Arial" panose="020B0604020202020204" pitchFamily="34" charset="0"/>
+              <a:buChar char="•"/>
+            </a:pPr>
+            <a:r>
+              <a:rPr lang="en-US" sz="1200" b="0" i="0" u="none" strike="noStrike" kern="1200" baseline="0" dirty="0">
+                <a:solidFill>
+                  <a:schemeClr val="tx1"/>
+                </a:solidFill>
+                <a:effectLst/>
+                <a:latin typeface="+mn-lt"/>
+                <a:ea typeface="+mn-ea"/>
+                <a:cs typeface="+mn-cs"/>
+              </a:rPr>
+              <a:t>Brings testing and requirement engineering process closer together</a:t>
+            </a:r>
+            <a:endParaRPr lang="de-DE" sz="1200" b="0" i="0" kern="1200" dirty="0">
               <a:solidFill>
                 <a:schemeClr val="tx1"/>
               </a:solidFill>
@@ -6574,6 +9762,485 @@
             <a:fld id="{B87AF698-3150-4C28-A8F1-2631AC4C254A}" type="slidenum">
               <a:rPr lang="en-US" smtClean="0"/>
               <a:t>20</a:t>
+            </a:fld>
+            <a:endParaRPr lang="en-US"/>
+          </a:p>
+        </p:txBody>
+      </p:sp>
+    </p:spTree>
+    <p:extLst>
+      <p:ext uri="{BB962C8B-B14F-4D97-AF65-F5344CB8AC3E}">
+        <p14:creationId xmlns:p14="http://schemas.microsoft.com/office/powerpoint/2010/main" val="3687764071"/>
+      </p:ext>
+    </p:extLst>
+  </p:cSld>
+  <p:clrMapOvr>
+    <a:masterClrMapping/>
+  </p:clrMapOvr>
+</p:notes>
+</file>
+
+<file path=ppt/notesSlides/notesSlide21.xml><?xml version="1.0" encoding="utf-8"?>
+<p:notes xmlns:a="http://schemas.openxmlformats.org/drawingml/2006/main" xmlns:r="http://schemas.openxmlformats.org/officeDocument/2006/relationships" xmlns:p="http://schemas.openxmlformats.org/presentationml/2006/main">
+  <p:cSld>
+    <p:spTree>
+      <p:nvGrpSpPr>
+        <p:cNvPr id="1" name=""/>
+        <p:cNvGrpSpPr/>
+        <p:nvPr/>
+      </p:nvGrpSpPr>
+      <p:grpSpPr>
+        <a:xfrm>
+          <a:off x="0" y="0"/>
+          <a:ext cx="0" cy="0"/>
+          <a:chOff x="0" y="0"/>
+          <a:chExt cx="0" cy="0"/>
+        </a:xfrm>
+      </p:grpSpPr>
+      <p:sp>
+        <p:nvSpPr>
+          <p:cNvPr id="2" name="Slide Image Placeholder 1"/>
+          <p:cNvSpPr>
+            <a:spLocks noGrp="1" noRot="1" noChangeAspect="1"/>
+          </p:cNvSpPr>
+          <p:nvPr>
+            <p:ph type="sldImg"/>
+          </p:nvPr>
+        </p:nvSpPr>
+        <p:spPr/>
+      </p:sp>
+      <p:sp>
+        <p:nvSpPr>
+          <p:cNvPr id="3" name="Notes Placeholder 2"/>
+          <p:cNvSpPr>
+            <a:spLocks noGrp="1"/>
+          </p:cNvSpPr>
+          <p:nvPr>
+            <p:ph type="body" idx="1"/>
+          </p:nvPr>
+        </p:nvSpPr>
+        <p:spPr/>
+        <p:txBody>
+          <a:bodyPr/>
+          <a:lstStyle/>
+          <a:p>
+            <a:pPr marL="171450" indent="-171450">
+              <a:buFont typeface="Arial" panose="020B0604020202020204" pitchFamily="34" charset="0"/>
+              <a:buChar char="•"/>
+            </a:pPr>
+            <a:endParaRPr lang="de-DE" sz="1200" b="0" i="0" kern="1200" dirty="0">
+              <a:solidFill>
+                <a:schemeClr val="tx1"/>
+              </a:solidFill>
+              <a:effectLst/>
+              <a:latin typeface="+mn-lt"/>
+              <a:ea typeface="+mn-ea"/>
+              <a:cs typeface="+mn-cs"/>
+            </a:endParaRPr>
+          </a:p>
+        </p:txBody>
+      </p:sp>
+      <p:sp>
+        <p:nvSpPr>
+          <p:cNvPr id="4" name="Slide Number Placeholder 3"/>
+          <p:cNvSpPr>
+            <a:spLocks noGrp="1"/>
+          </p:cNvSpPr>
+          <p:nvPr>
+            <p:ph type="sldNum" sz="quarter" idx="5"/>
+          </p:nvPr>
+        </p:nvSpPr>
+        <p:spPr/>
+        <p:txBody>
+          <a:bodyPr/>
+          <a:lstStyle/>
+          <a:p>
+            <a:fld id="{B87AF698-3150-4C28-A8F1-2631AC4C254A}" type="slidenum">
+              <a:rPr lang="en-US" smtClean="0"/>
+              <a:t>21</a:t>
+            </a:fld>
+            <a:endParaRPr lang="en-US"/>
+          </a:p>
+        </p:txBody>
+      </p:sp>
+    </p:spTree>
+    <p:extLst>
+      <p:ext uri="{BB962C8B-B14F-4D97-AF65-F5344CB8AC3E}">
+        <p14:creationId xmlns:p14="http://schemas.microsoft.com/office/powerpoint/2010/main" val="2430894871"/>
+      </p:ext>
+    </p:extLst>
+  </p:cSld>
+  <p:clrMapOvr>
+    <a:masterClrMapping/>
+  </p:clrMapOvr>
+</p:notes>
+</file>
+
+<file path=ppt/notesSlides/notesSlide22.xml><?xml version="1.0" encoding="utf-8"?>
+<p:notes xmlns:a="http://schemas.openxmlformats.org/drawingml/2006/main" xmlns:r="http://schemas.openxmlformats.org/officeDocument/2006/relationships" xmlns:p="http://schemas.openxmlformats.org/presentationml/2006/main">
+  <p:cSld>
+    <p:spTree>
+      <p:nvGrpSpPr>
+        <p:cNvPr id="1" name=""/>
+        <p:cNvGrpSpPr/>
+        <p:nvPr/>
+      </p:nvGrpSpPr>
+      <p:grpSpPr>
+        <a:xfrm>
+          <a:off x="0" y="0"/>
+          <a:ext cx="0" cy="0"/>
+          <a:chOff x="0" y="0"/>
+          <a:chExt cx="0" cy="0"/>
+        </a:xfrm>
+      </p:grpSpPr>
+      <p:sp>
+        <p:nvSpPr>
+          <p:cNvPr id="2" name="Slide Image Placeholder 1"/>
+          <p:cNvSpPr>
+            <a:spLocks noGrp="1" noRot="1" noChangeAspect="1"/>
+          </p:cNvSpPr>
+          <p:nvPr>
+            <p:ph type="sldImg"/>
+          </p:nvPr>
+        </p:nvSpPr>
+        <p:spPr/>
+      </p:sp>
+      <p:sp>
+        <p:nvSpPr>
+          <p:cNvPr id="3" name="Notes Placeholder 2"/>
+          <p:cNvSpPr>
+            <a:spLocks noGrp="1"/>
+          </p:cNvSpPr>
+          <p:nvPr>
+            <p:ph type="body" idx="1"/>
+          </p:nvPr>
+        </p:nvSpPr>
+        <p:spPr/>
+        <p:txBody>
+          <a:bodyPr/>
+          <a:lstStyle/>
+          <a:p>
+            <a:pPr marL="171450" indent="-171450">
+              <a:buFont typeface="Arial" panose="020B0604020202020204" pitchFamily="34" charset="0"/>
+              <a:buChar char="•"/>
+            </a:pPr>
+            <a:r>
+              <a:rPr lang="en-US" sz="1200" b="0" i="0" u="none" strike="noStrike" kern="1200" baseline="0" dirty="0">
+                <a:solidFill>
+                  <a:schemeClr val="tx1"/>
+                </a:solidFill>
+                <a:latin typeface="+mn-lt"/>
+                <a:ea typeface="+mn-ea"/>
+                <a:cs typeface="+mn-cs"/>
+              </a:rPr>
+              <a:t>Both approaches only rely on contract violations and do not sufficiently cover data variations as test path generation is only based on one initial state chosen by the test creator.</a:t>
+            </a:r>
+            <a:endParaRPr lang="en-US" sz="1200" b="0" i="0" kern="1200" dirty="0">
+              <a:solidFill>
+                <a:schemeClr val="tx1"/>
+              </a:solidFill>
+              <a:effectLst/>
+              <a:latin typeface="+mn-lt"/>
+              <a:ea typeface="+mn-ea"/>
+              <a:cs typeface="+mn-cs"/>
+            </a:endParaRPr>
+          </a:p>
+        </p:txBody>
+      </p:sp>
+      <p:sp>
+        <p:nvSpPr>
+          <p:cNvPr id="4" name="Slide Number Placeholder 3"/>
+          <p:cNvSpPr>
+            <a:spLocks noGrp="1"/>
+          </p:cNvSpPr>
+          <p:nvPr>
+            <p:ph type="sldNum" sz="quarter" idx="5"/>
+          </p:nvPr>
+        </p:nvSpPr>
+        <p:spPr/>
+        <p:txBody>
+          <a:bodyPr/>
+          <a:lstStyle/>
+          <a:p>
+            <a:fld id="{B87AF698-3150-4C28-A8F1-2631AC4C254A}" type="slidenum">
+              <a:rPr lang="en-US" smtClean="0"/>
+              <a:t>22</a:t>
+            </a:fld>
+            <a:endParaRPr lang="en-US"/>
+          </a:p>
+        </p:txBody>
+      </p:sp>
+    </p:spTree>
+    <p:extLst>
+      <p:ext uri="{BB962C8B-B14F-4D97-AF65-F5344CB8AC3E}">
+        <p14:creationId xmlns:p14="http://schemas.microsoft.com/office/powerpoint/2010/main" val="2918655691"/>
+      </p:ext>
+    </p:extLst>
+  </p:cSld>
+  <p:clrMapOvr>
+    <a:masterClrMapping/>
+  </p:clrMapOvr>
+</p:notes>
+</file>
+
+<file path=ppt/notesSlides/notesSlide23.xml><?xml version="1.0" encoding="utf-8"?>
+<p:notes xmlns:a="http://schemas.openxmlformats.org/drawingml/2006/main" xmlns:r="http://schemas.openxmlformats.org/officeDocument/2006/relationships" xmlns:p="http://schemas.openxmlformats.org/presentationml/2006/main">
+  <p:cSld>
+    <p:spTree>
+      <p:nvGrpSpPr>
+        <p:cNvPr id="1" name=""/>
+        <p:cNvGrpSpPr/>
+        <p:nvPr/>
+      </p:nvGrpSpPr>
+      <p:grpSpPr>
+        <a:xfrm>
+          <a:off x="0" y="0"/>
+          <a:ext cx="0" cy="0"/>
+          <a:chOff x="0" y="0"/>
+          <a:chExt cx="0" cy="0"/>
+        </a:xfrm>
+      </p:grpSpPr>
+      <p:sp>
+        <p:nvSpPr>
+          <p:cNvPr id="2" name="Slide Image Placeholder 1"/>
+          <p:cNvSpPr>
+            <a:spLocks noGrp="1" noRot="1" noChangeAspect="1"/>
+          </p:cNvSpPr>
+          <p:nvPr>
+            <p:ph type="sldImg"/>
+          </p:nvPr>
+        </p:nvSpPr>
+        <p:spPr/>
+      </p:sp>
+      <p:sp>
+        <p:nvSpPr>
+          <p:cNvPr id="3" name="Notes Placeholder 2"/>
+          <p:cNvSpPr>
+            <a:spLocks noGrp="1"/>
+          </p:cNvSpPr>
+          <p:nvPr>
+            <p:ph type="body" idx="1"/>
+          </p:nvPr>
+        </p:nvSpPr>
+        <p:spPr/>
+        <p:txBody>
+          <a:bodyPr/>
+          <a:lstStyle/>
+          <a:p>
+            <a:endParaRPr lang="en-US" dirty="0"/>
+          </a:p>
+        </p:txBody>
+      </p:sp>
+      <p:sp>
+        <p:nvSpPr>
+          <p:cNvPr id="4" name="Slide Number Placeholder 3"/>
+          <p:cNvSpPr>
+            <a:spLocks noGrp="1"/>
+          </p:cNvSpPr>
+          <p:nvPr>
+            <p:ph type="sldNum" sz="quarter" idx="5"/>
+          </p:nvPr>
+        </p:nvSpPr>
+        <p:spPr/>
+        <p:txBody>
+          <a:bodyPr/>
+          <a:lstStyle/>
+          <a:p>
+            <a:fld id="{B87AF698-3150-4C28-A8F1-2631AC4C254A}" type="slidenum">
+              <a:rPr lang="en-US" smtClean="0"/>
+              <a:t>23</a:t>
+            </a:fld>
+            <a:endParaRPr lang="en-US"/>
+          </a:p>
+        </p:txBody>
+      </p:sp>
+    </p:spTree>
+    <p:extLst>
+      <p:ext uri="{BB962C8B-B14F-4D97-AF65-F5344CB8AC3E}">
+        <p14:creationId xmlns:p14="http://schemas.microsoft.com/office/powerpoint/2010/main" val="2553314863"/>
+      </p:ext>
+    </p:extLst>
+  </p:cSld>
+  <p:clrMapOvr>
+    <a:masterClrMapping/>
+  </p:clrMapOvr>
+</p:notes>
+</file>
+
+<file path=ppt/notesSlides/notesSlide24.xml><?xml version="1.0" encoding="utf-8"?>
+<p:notes xmlns:a="http://schemas.openxmlformats.org/drawingml/2006/main" xmlns:r="http://schemas.openxmlformats.org/officeDocument/2006/relationships" xmlns:p="http://schemas.openxmlformats.org/presentationml/2006/main">
+  <p:cSld>
+    <p:spTree>
+      <p:nvGrpSpPr>
+        <p:cNvPr id="1" name=""/>
+        <p:cNvGrpSpPr/>
+        <p:nvPr/>
+      </p:nvGrpSpPr>
+      <p:grpSpPr>
+        <a:xfrm>
+          <a:off x="0" y="0"/>
+          <a:ext cx="0" cy="0"/>
+          <a:chOff x="0" y="0"/>
+          <a:chExt cx="0" cy="0"/>
+        </a:xfrm>
+      </p:grpSpPr>
+      <p:sp>
+        <p:nvSpPr>
+          <p:cNvPr id="2" name="Slide Image Placeholder 1"/>
+          <p:cNvSpPr>
+            <a:spLocks noGrp="1" noRot="1" noChangeAspect="1"/>
+          </p:cNvSpPr>
+          <p:nvPr>
+            <p:ph type="sldImg"/>
+          </p:nvPr>
+        </p:nvSpPr>
+        <p:spPr/>
+      </p:sp>
+      <p:sp>
+        <p:nvSpPr>
+          <p:cNvPr id="3" name="Notes Placeholder 2"/>
+          <p:cNvSpPr>
+            <a:spLocks noGrp="1"/>
+          </p:cNvSpPr>
+          <p:nvPr>
+            <p:ph type="body" idx="1"/>
+          </p:nvPr>
+        </p:nvSpPr>
+        <p:spPr/>
+        <p:txBody>
+          <a:bodyPr/>
+          <a:lstStyle/>
+          <a:p>
+            <a:pPr marL="171450" indent="-171450">
+              <a:buFont typeface="Arial" panose="020B0604020202020204" pitchFamily="34" charset="0"/>
+              <a:buChar char="•"/>
+            </a:pPr>
+            <a:endParaRPr lang="en-US" sz="1200" b="0" i="0" kern="1200" dirty="0">
+              <a:solidFill>
+                <a:schemeClr val="tx1"/>
+              </a:solidFill>
+              <a:effectLst/>
+              <a:latin typeface="+mn-lt"/>
+              <a:ea typeface="+mn-ea"/>
+              <a:cs typeface="+mn-cs"/>
+            </a:endParaRPr>
+          </a:p>
+        </p:txBody>
+      </p:sp>
+      <p:sp>
+        <p:nvSpPr>
+          <p:cNvPr id="4" name="Slide Number Placeholder 3"/>
+          <p:cNvSpPr>
+            <a:spLocks noGrp="1"/>
+          </p:cNvSpPr>
+          <p:nvPr>
+            <p:ph type="sldNum" sz="quarter" idx="5"/>
+          </p:nvPr>
+        </p:nvSpPr>
+        <p:spPr/>
+        <p:txBody>
+          <a:bodyPr/>
+          <a:lstStyle/>
+          <a:p>
+            <a:fld id="{B87AF698-3150-4C28-A8F1-2631AC4C254A}" type="slidenum">
+              <a:rPr lang="en-US" smtClean="0"/>
+              <a:t>24</a:t>
+            </a:fld>
+            <a:endParaRPr lang="en-US"/>
+          </a:p>
+        </p:txBody>
+      </p:sp>
+    </p:spTree>
+    <p:extLst>
+      <p:ext uri="{BB962C8B-B14F-4D97-AF65-F5344CB8AC3E}">
+        <p14:creationId xmlns:p14="http://schemas.microsoft.com/office/powerpoint/2010/main" val="1221521544"/>
+      </p:ext>
+    </p:extLst>
+  </p:cSld>
+  <p:clrMapOvr>
+    <a:masterClrMapping/>
+  </p:clrMapOvr>
+</p:notes>
+</file>
+
+<file path=ppt/notesSlides/notesSlide25.xml><?xml version="1.0" encoding="utf-8"?>
+<p:notes xmlns:a="http://schemas.openxmlformats.org/drawingml/2006/main" xmlns:r="http://schemas.openxmlformats.org/officeDocument/2006/relationships" xmlns:p="http://schemas.openxmlformats.org/presentationml/2006/main">
+  <p:cSld>
+    <p:spTree>
+      <p:nvGrpSpPr>
+        <p:cNvPr id="1" name=""/>
+        <p:cNvGrpSpPr/>
+        <p:nvPr/>
+      </p:nvGrpSpPr>
+      <p:grpSpPr>
+        <a:xfrm>
+          <a:off x="0" y="0"/>
+          <a:ext cx="0" cy="0"/>
+          <a:chOff x="0" y="0"/>
+          <a:chExt cx="0" cy="0"/>
+        </a:xfrm>
+      </p:grpSpPr>
+      <p:sp>
+        <p:nvSpPr>
+          <p:cNvPr id="2" name="Slide Image Placeholder 1"/>
+          <p:cNvSpPr>
+            <a:spLocks noGrp="1" noRot="1" noChangeAspect="1"/>
+          </p:cNvSpPr>
+          <p:nvPr>
+            <p:ph type="sldImg"/>
+          </p:nvPr>
+        </p:nvSpPr>
+        <p:spPr/>
+      </p:sp>
+      <p:sp>
+        <p:nvSpPr>
+          <p:cNvPr id="3" name="Notes Placeholder 2"/>
+          <p:cNvSpPr>
+            <a:spLocks noGrp="1"/>
+          </p:cNvSpPr>
+          <p:nvPr>
+            <p:ph type="body" idx="1"/>
+          </p:nvPr>
+        </p:nvSpPr>
+        <p:spPr/>
+        <p:txBody>
+          <a:bodyPr/>
+          <a:lstStyle/>
+          <a:p>
+            <a:pPr marL="171450" indent="-171450">
+              <a:buFont typeface="Arial" panose="020B0604020202020204" pitchFamily="34" charset="0"/>
+              <a:buChar char="•"/>
+            </a:pPr>
+            <a:endParaRPr lang="en-US" sz="1200" b="0" i="0" kern="1200" dirty="0">
+              <a:solidFill>
+                <a:schemeClr val="tx1"/>
+              </a:solidFill>
+              <a:effectLst/>
+              <a:latin typeface="+mn-lt"/>
+              <a:ea typeface="+mn-ea"/>
+              <a:cs typeface="+mn-cs"/>
+            </a:endParaRPr>
+          </a:p>
+        </p:txBody>
+      </p:sp>
+      <p:sp>
+        <p:nvSpPr>
+          <p:cNvPr id="4" name="Slide Number Placeholder 3"/>
+          <p:cNvSpPr>
+            <a:spLocks noGrp="1"/>
+          </p:cNvSpPr>
+          <p:nvPr>
+            <p:ph type="sldNum" sz="quarter" idx="5"/>
+          </p:nvPr>
+        </p:nvSpPr>
+        <p:spPr/>
+        <p:txBody>
+          <a:bodyPr/>
+          <a:lstStyle/>
+          <a:p>
+            <a:fld id="{B87AF698-3150-4C28-A8F1-2631AC4C254A}" type="slidenum">
+              <a:rPr lang="en-US" smtClean="0"/>
+              <a:t>25</a:t>
             </a:fld>
             <a:endParaRPr lang="en-US"/>
           </a:p>
@@ -6640,6 +10307,129 @@
               <a:buFont typeface="Arial" panose="020B0604020202020204" pitchFamily="34" charset="0"/>
               <a:buChar char="•"/>
             </a:pPr>
+            <a:r>
+              <a:rPr lang="en-US" sz="1200" b="0" i="0" u="none" strike="noStrike" kern="1200" baseline="0" dirty="0">
+                <a:solidFill>
+                  <a:schemeClr val="tx1"/>
+                </a:solidFill>
+                <a:latin typeface="+mn-lt"/>
+                <a:ea typeface="+mn-ea"/>
+                <a:cs typeface="+mn-cs"/>
+              </a:rPr>
+              <a:t>Which requirements could be covered in which tests and therefore which requirements got implemented?</a:t>
+            </a:r>
+          </a:p>
+          <a:p>
+            <a:pPr marL="171450" indent="-171450">
+              <a:buFont typeface="Arial" panose="020B0604020202020204" pitchFamily="34" charset="0"/>
+              <a:buChar char="•"/>
+            </a:pPr>
+            <a:r>
+              <a:rPr lang="en-US" sz="1200" b="0" i="0" u="none" strike="noStrike" kern="1200" baseline="0" dirty="0">
+                <a:solidFill>
+                  <a:schemeClr val="tx1"/>
+                </a:solidFill>
+                <a:latin typeface="+mn-lt"/>
+                <a:ea typeface="+mn-ea"/>
+                <a:cs typeface="+mn-cs"/>
+              </a:rPr>
+              <a:t>The process of formal </a:t>
+            </a:r>
+            <a:r>
+              <a:rPr lang="en-US" sz="1200" b="0" i="0" u="none" strike="noStrike" kern="1200" baseline="0" dirty="0" err="1">
+                <a:solidFill>
+                  <a:schemeClr val="tx1"/>
+                </a:solidFill>
+                <a:latin typeface="+mn-lt"/>
+                <a:ea typeface="+mn-ea"/>
+                <a:cs typeface="+mn-cs"/>
+              </a:rPr>
+              <a:t>denition</a:t>
+            </a:r>
+            <a:r>
+              <a:rPr lang="en-US" sz="1200" b="0" i="0" u="none" strike="noStrike" kern="1200" baseline="0" dirty="0">
+                <a:solidFill>
+                  <a:schemeClr val="tx1"/>
+                </a:solidFill>
+                <a:latin typeface="+mn-lt"/>
+                <a:ea typeface="+mn-ea"/>
+                <a:cs typeface="+mn-cs"/>
+              </a:rPr>
+              <a:t> of requirements and matching system tests must be brought closer together</a:t>
+            </a:r>
+          </a:p>
+          <a:p>
+            <a:pPr marL="171450" indent="-171450">
+              <a:buFont typeface="Arial" panose="020B0604020202020204" pitchFamily="34" charset="0"/>
+              <a:buChar char="•"/>
+            </a:pPr>
+            <a:r>
+              <a:rPr lang="en-US" sz="1200" b="0" i="0" u="none" strike="noStrike" kern="1200" baseline="0" dirty="0">
+                <a:solidFill>
+                  <a:schemeClr val="tx1"/>
+                </a:solidFill>
+                <a:latin typeface="+mn-lt"/>
+                <a:ea typeface="+mn-ea"/>
+                <a:cs typeface="+mn-cs"/>
+              </a:rPr>
+              <a:t>To automatically derive test scenarios from means of the </a:t>
+            </a:r>
+            <a:r>
+              <a:rPr lang="en-US" sz="1200" b="0" i="0" u="none" strike="noStrike" kern="1200" baseline="0" dirty="0" err="1">
+                <a:solidFill>
+                  <a:schemeClr val="tx1"/>
+                </a:solidFill>
+                <a:latin typeface="+mn-lt"/>
+                <a:ea typeface="+mn-ea"/>
+                <a:cs typeface="+mn-cs"/>
+              </a:rPr>
+              <a:t>specication</a:t>
+            </a:r>
+            <a:r>
+              <a:rPr lang="en-US" sz="1200" b="0" i="0" u="none" strike="noStrike" kern="1200" baseline="0" dirty="0">
+                <a:solidFill>
+                  <a:schemeClr val="tx1"/>
+                </a:solidFill>
+                <a:latin typeface="+mn-lt"/>
+                <a:ea typeface="+mn-ea"/>
+                <a:cs typeface="+mn-cs"/>
+              </a:rPr>
+              <a:t> area transition systems are used. </a:t>
+            </a:r>
+          </a:p>
+          <a:p>
+            <a:pPr marL="171450" indent="-171450">
+              <a:buFont typeface="Arial" panose="020B0604020202020204" pitchFamily="34" charset="0"/>
+              <a:buChar char="•"/>
+            </a:pPr>
+            <a:r>
+              <a:rPr lang="en-US" sz="1200" b="0" i="0" u="none" strike="noStrike" kern="1200" baseline="0" dirty="0">
+                <a:solidFill>
+                  <a:schemeClr val="tx1"/>
+                </a:solidFill>
+                <a:latin typeface="+mn-lt"/>
+                <a:ea typeface="+mn-ea"/>
+                <a:cs typeface="+mn-cs"/>
+              </a:rPr>
+              <a:t>They help to generate test paths through possible combinations of ne-grained functional requirements. </a:t>
+            </a:r>
+          </a:p>
+          <a:p>
+            <a:pPr marL="171450" indent="-171450">
+              <a:buFont typeface="Arial" panose="020B0604020202020204" pitchFamily="34" charset="0"/>
+              <a:buChar char="•"/>
+            </a:pPr>
+            <a:r>
+              <a:rPr lang="en-US" sz="1200" b="0" i="0" u="none" strike="noStrike" kern="1200" baseline="0" dirty="0">
+                <a:solidFill>
+                  <a:schemeClr val="tx1"/>
+                </a:solidFill>
+                <a:latin typeface="+mn-lt"/>
+                <a:ea typeface="+mn-ea"/>
+                <a:cs typeface="+mn-cs"/>
+              </a:rPr>
+              <a:t>An equivalent approach can be used to derive robustness tests as well. In this process requirements can furthermore be tested on their consistency, correctness and integration and eventually can be refined further</a:t>
+            </a:r>
             <a:endParaRPr lang="en-US" dirty="0"/>
           </a:p>
         </p:txBody>
@@ -10153,7 +13943,7 @@
           <a:p>
             <a:fld id="{798AD293-F6AF-41D5-B787-47ADE1906942}" type="datetimeFigureOut">
               <a:rPr lang="en-US" smtClean="0"/>
-              <a:t>12/29/2020</a:t>
+              <a:t>1/2/2021</a:t>
             </a:fld>
             <a:endParaRPr lang="en-US"/>
           </a:p>
@@ -10375,7 +14165,7 @@
           <a:p>
             <a:fld id="{798AD293-F6AF-41D5-B787-47ADE1906942}" type="datetimeFigureOut">
               <a:rPr lang="en-US" smtClean="0"/>
-              <a:t>12/29/2020</a:t>
+              <a:t>1/2/2021</a:t>
             </a:fld>
             <a:endParaRPr lang="en-US"/>
           </a:p>
@@ -10607,7 +14397,7 @@
           <a:p>
             <a:fld id="{798AD293-F6AF-41D5-B787-47ADE1906942}" type="datetimeFigureOut">
               <a:rPr lang="en-US" smtClean="0"/>
-              <a:t>12/29/2020</a:t>
+              <a:t>1/2/2021</a:t>
             </a:fld>
             <a:endParaRPr lang="en-US"/>
           </a:p>
@@ -10832,7 +14622,7 @@
           <a:p>
             <a:fld id="{798AD293-F6AF-41D5-B787-47ADE1906942}" type="datetimeFigureOut">
               <a:rPr lang="en-US" smtClean="0"/>
-              <a:t>12/29/2020</a:t>
+              <a:t>1/2/2021</a:t>
             </a:fld>
             <a:endParaRPr lang="en-US" dirty="0"/>
           </a:p>
@@ -11131,7 +14921,7 @@
           <a:p>
             <a:fld id="{798AD293-F6AF-41D5-B787-47ADE1906942}" type="datetimeFigureOut">
               <a:rPr lang="en-US" smtClean="0"/>
-              <a:t>12/29/2020</a:t>
+              <a:t>1/2/2021</a:t>
             </a:fld>
             <a:endParaRPr lang="en-US"/>
           </a:p>
@@ -11420,7 +15210,7 @@
           <a:p>
             <a:fld id="{798AD293-F6AF-41D5-B787-47ADE1906942}" type="datetimeFigureOut">
               <a:rPr lang="en-US" smtClean="0"/>
-              <a:t>12/29/2020</a:t>
+              <a:t>1/2/2021</a:t>
             </a:fld>
             <a:endParaRPr lang="en-US"/>
           </a:p>
@@ -11856,7 +15646,7 @@
           <a:p>
             <a:fld id="{798AD293-F6AF-41D5-B787-47ADE1906942}" type="datetimeFigureOut">
               <a:rPr lang="en-US" smtClean="0"/>
-              <a:t>12/29/2020</a:t>
+              <a:t>1/2/2021</a:t>
             </a:fld>
             <a:endParaRPr lang="en-US"/>
           </a:p>
@@ -12021,7 +15811,7 @@
           <a:p>
             <a:fld id="{798AD293-F6AF-41D5-B787-47ADE1906942}" type="datetimeFigureOut">
               <a:rPr lang="en-US" smtClean="0"/>
-              <a:t>12/29/2020</a:t>
+              <a:t>1/2/2021</a:t>
             </a:fld>
             <a:endParaRPr lang="en-US"/>
           </a:p>
@@ -12158,7 +15948,7 @@
           <a:p>
             <a:fld id="{798AD293-F6AF-41D5-B787-47ADE1906942}" type="datetimeFigureOut">
               <a:rPr lang="en-US" smtClean="0"/>
-              <a:t>12/29/2020</a:t>
+              <a:t>1/2/2021</a:t>
             </a:fld>
             <a:endParaRPr lang="en-US"/>
           </a:p>
@@ -12493,7 +16283,7 @@
           <a:p>
             <a:fld id="{798AD293-F6AF-41D5-B787-47ADE1906942}" type="datetimeFigureOut">
               <a:rPr lang="en-US" smtClean="0"/>
-              <a:t>12/29/2020</a:t>
+              <a:t>1/2/2021</a:t>
             </a:fld>
             <a:endParaRPr lang="en-US"/>
           </a:p>
@@ -12805,7 +16595,7 @@
           <a:p>
             <a:fld id="{798AD293-F6AF-41D5-B787-47ADE1906942}" type="datetimeFigureOut">
               <a:rPr lang="en-US" smtClean="0"/>
-              <a:t>12/29/2020</a:t>
+              <a:t>1/2/2021</a:t>
             </a:fld>
             <a:endParaRPr lang="en-US"/>
           </a:p>
@@ -14411,7 +18201,7 @@
           <a:p>
             <a:pPr algn="ctr"/>
             <a:r>
-              <a:rPr lang="en-US" sz="3600" dirty="0"/>
+              <a:rPr lang="en-US" sz="3600" b="1" dirty="0"/>
               <a:t>An Automated Approach to System Testing based on Scenarios and Operations Contracts</a:t>
             </a:r>
           </a:p>
@@ -14465,19 +18255,27 @@
             </a:r>
             <a:r>
               <a:rPr lang="de-DE" dirty="0"/>
-              <a:t> UML Interaction </a:t>
-            </a:r>
-            <a:r>
-              <a:rPr lang="de-DE" dirty="0" err="1"/>
-              <a:t>Overview</a:t>
-            </a:r>
-            <a:r>
-              <a:rPr lang="de-DE" dirty="0"/>
-              <a:t> </a:t>
-            </a:r>
-            <a:r>
-              <a:rPr lang="de-DE" dirty="0" err="1"/>
-              <a:t>Diagram</a:t>
+              <a:t> UML </a:t>
+            </a:r>
+            <a:r>
+              <a:rPr lang="de-DE" dirty="0" err="1"/>
+              <a:t>interaction</a:t>
+            </a:r>
+            <a:r>
+              <a:rPr lang="de-DE" dirty="0"/>
+              <a:t> </a:t>
+            </a:r>
+            <a:r>
+              <a:rPr lang="de-DE" dirty="0" err="1"/>
+              <a:t>overview</a:t>
+            </a:r>
+            <a:r>
+              <a:rPr lang="de-DE" dirty="0"/>
+              <a:t> </a:t>
+            </a:r>
+            <a:r>
+              <a:rPr lang="de-DE" dirty="0" err="1"/>
+              <a:t>diagram</a:t>
             </a:r>
             <a:r>
               <a:rPr lang="de-DE" dirty="0"/>
@@ -14492,193 +18290,12 @@
           </a:p>
         </p:txBody>
       </p:sp>
-      <p:graphicFrame>
-        <p:nvGraphicFramePr>
-          <p:cNvPr id="9" name="Table 8">
+      <p:pic>
+        <p:nvPicPr>
+          <p:cNvPr id="13" name="Picture 12">
             <a:extLst>
               <a:ext uri="{FF2B5EF4-FFF2-40B4-BE49-F238E27FC236}">
-                <a16:creationId xmlns:a16="http://schemas.microsoft.com/office/drawing/2014/main" id="{83B45FD4-355C-4F84-B7E6-B421984999BC}"/>
-              </a:ext>
-            </a:extLst>
-          </p:cNvPr>
-          <p:cNvGraphicFramePr>
-            <a:graphicFrameLocks noGrp="1"/>
-          </p:cNvGraphicFramePr>
-          <p:nvPr>
-            <p:extLst>
-              <p:ext uri="{D42A27DB-BD31-4B8C-83A1-F6EECF244321}">
-                <p14:modId xmlns:p14="http://schemas.microsoft.com/office/powerpoint/2010/main" val="4128402009"/>
-              </p:ext>
-            </p:extLst>
-          </p:nvPr>
-        </p:nvGraphicFramePr>
-        <p:xfrm>
-          <a:off x="1940102" y="6393156"/>
-          <a:ext cx="8311795" cy="274320"/>
-        </p:xfrm>
-        <a:graphic>
-          <a:graphicData uri="http://schemas.openxmlformats.org/drawingml/2006/table">
-            <a:tbl>
-              <a:tblPr firstRow="1" bandRow="1">
-                <a:tableStyleId>{5C22544A-7EE6-4342-B048-85BDC9FD1C3A}</a:tableStyleId>
-              </a:tblPr>
-              <a:tblGrid>
-                <a:gridCol w="1662359">
-                  <a:extLst>
-                    <a:ext uri="{9D8B030D-6E8A-4147-A177-3AD203B41FA5}">
-                      <a16:colId xmlns:a16="http://schemas.microsoft.com/office/drawing/2014/main" val="1963997025"/>
-                    </a:ext>
-                  </a:extLst>
-                </a:gridCol>
-                <a:gridCol w="1662359">
-                  <a:extLst>
-                    <a:ext uri="{9D8B030D-6E8A-4147-A177-3AD203B41FA5}">
-                      <a16:colId xmlns:a16="http://schemas.microsoft.com/office/drawing/2014/main" val="1212033678"/>
-                    </a:ext>
-                  </a:extLst>
-                </a:gridCol>
-                <a:gridCol w="1662359">
-                  <a:extLst>
-                    <a:ext uri="{9D8B030D-6E8A-4147-A177-3AD203B41FA5}">
-                      <a16:colId xmlns:a16="http://schemas.microsoft.com/office/drawing/2014/main" val="180734021"/>
-                    </a:ext>
-                  </a:extLst>
-                </a:gridCol>
-                <a:gridCol w="1662359">
-                  <a:extLst>
-                    <a:ext uri="{9D8B030D-6E8A-4147-A177-3AD203B41FA5}">
-                      <a16:colId xmlns:a16="http://schemas.microsoft.com/office/drawing/2014/main" val="1432259564"/>
-                    </a:ext>
-                  </a:extLst>
-                </a:gridCol>
-                <a:gridCol w="1662359">
-                  <a:extLst>
-                    <a:ext uri="{9D8B030D-6E8A-4147-A177-3AD203B41FA5}">
-                      <a16:colId xmlns:a16="http://schemas.microsoft.com/office/drawing/2014/main" val="142904687"/>
-                    </a:ext>
-                  </a:extLst>
-                </a:gridCol>
-              </a:tblGrid>
-              <a:tr h="254301">
-                <a:tc>
-                  <a:txBody>
-                    <a:bodyPr/>
-                    <a:lstStyle/>
-                    <a:p>
-                      <a:pPr algn="ctr"/>
-                      <a:r>
-                        <a:rPr lang="de-DE" sz="1200" dirty="0" err="1"/>
-                        <a:t>Introduction</a:t>
-                      </a:r>
-                      <a:endParaRPr lang="en-US" sz="1200" dirty="0"/>
-                    </a:p>
-                  </a:txBody>
-                  <a:tcPr>
-                    <a:solidFill>
-                      <a:srgbClr val="427CAC"/>
-                    </a:solidFill>
-                  </a:tcPr>
-                </a:tc>
-                <a:tc>
-                  <a:txBody>
-                    <a:bodyPr/>
-                    <a:lstStyle/>
-                    <a:p>
-                      <a:pPr algn="ctr"/>
-                      <a:r>
-                        <a:rPr lang="de-DE" sz="1200" dirty="0"/>
-                        <a:t>Main </a:t>
-                      </a:r>
-                      <a:r>
-                        <a:rPr lang="de-DE" sz="1200" dirty="0" err="1"/>
-                        <a:t>Article</a:t>
-                      </a:r>
-                      <a:endParaRPr lang="en-US" sz="1200" dirty="0"/>
-                    </a:p>
-                  </a:txBody>
-                  <a:tcPr>
-                    <a:solidFill>
-                      <a:srgbClr val="427CAC"/>
-                    </a:solidFill>
-                  </a:tcPr>
-                </a:tc>
-                <a:tc>
-                  <a:txBody>
-                    <a:bodyPr/>
-                    <a:lstStyle/>
-                    <a:p>
-                      <a:pPr algn="ctr"/>
-                      <a:r>
-                        <a:rPr lang="de-DE" sz="1200" dirty="0"/>
-                        <a:t>Research</a:t>
-                      </a:r>
-                      <a:endParaRPr lang="en-US" sz="1200" dirty="0"/>
-                    </a:p>
-                  </a:txBody>
-                  <a:tcPr>
-                    <a:solidFill>
-                      <a:srgbClr val="427CAC"/>
-                    </a:solidFill>
-                  </a:tcPr>
-                </a:tc>
-                <a:tc>
-                  <a:txBody>
-                    <a:bodyPr/>
-                    <a:lstStyle/>
-                    <a:p>
-                      <a:pPr algn="ctr"/>
-                      <a:r>
-                        <a:rPr lang="de-DE" sz="1200" dirty="0"/>
-                        <a:t>Side </a:t>
-                      </a:r>
-                      <a:r>
-                        <a:rPr lang="de-DE" sz="1200" dirty="0" err="1"/>
-                        <a:t>Article</a:t>
-                      </a:r>
-                      <a:endParaRPr lang="en-US" sz="1200" dirty="0"/>
-                    </a:p>
-                  </a:txBody>
-                  <a:tcPr>
-                    <a:solidFill>
-                      <a:srgbClr val="91C8F6"/>
-                    </a:solidFill>
-                  </a:tcPr>
-                </a:tc>
-                <a:tc>
-                  <a:txBody>
-                    <a:bodyPr/>
-                    <a:lstStyle/>
-                    <a:p>
-                      <a:pPr algn="ctr"/>
-                      <a:r>
-                        <a:rPr lang="de-DE" sz="1200" dirty="0" err="1"/>
-                        <a:t>Questions</a:t>
-                      </a:r>
-                      <a:endParaRPr lang="en-US" sz="1200" dirty="0"/>
-                    </a:p>
-                  </a:txBody>
-                  <a:tcPr>
-                    <a:solidFill>
-                      <a:srgbClr val="427CAC"/>
-                    </a:solidFill>
-                  </a:tcPr>
-                </a:tc>
-                <a:extLst>
-                  <a:ext uri="{0D108BD9-81ED-4DB2-BD59-A6C34878D82A}">
-                    <a16:rowId xmlns:a16="http://schemas.microsoft.com/office/drawing/2014/main" val="393468701"/>
-                  </a:ext>
-                </a:extLst>
-              </a:tr>
-            </a:tbl>
-          </a:graphicData>
-        </a:graphic>
-      </p:graphicFrame>
-      <p:pic>
-        <p:nvPicPr>
-          <p:cNvPr id="11" name="Picture 10">
-            <a:extLst>
-              <a:ext uri="{FF2B5EF4-FFF2-40B4-BE49-F238E27FC236}">
-                <a16:creationId xmlns:a16="http://schemas.microsoft.com/office/drawing/2014/main" id="{4A757445-2E23-4D84-A9BE-BCA2935274CC}"/>
+                <a16:creationId xmlns:a16="http://schemas.microsoft.com/office/drawing/2014/main" id="{AE5E4BF1-A76C-4D83-A8A7-2B6957655743}"/>
               </a:ext>
             </a:extLst>
           </p:cNvPr>
@@ -14695,273 +18312,14 @@
         </p:blipFill>
         <p:spPr>
           <a:xfrm>
-            <a:off x="3331327" y="2488912"/>
-            <a:ext cx="5529344" cy="3688051"/>
+            <a:off x="3145495" y="2380890"/>
+            <a:ext cx="5901010" cy="4111985"/>
           </a:xfrm>
           <a:prstGeom prst="rect">
             <a:avLst/>
           </a:prstGeom>
         </p:spPr>
       </p:pic>
-      <p:graphicFrame>
-        <p:nvGraphicFramePr>
-          <p:cNvPr id="6" name="Table 5">
-            <a:extLst>
-              <a:ext uri="{FF2B5EF4-FFF2-40B4-BE49-F238E27FC236}">
-                <a16:creationId xmlns:a16="http://schemas.microsoft.com/office/drawing/2014/main" id="{189CD99F-29E4-43C1-8B88-F9D698C84F12}"/>
-              </a:ext>
-            </a:extLst>
-          </p:cNvPr>
-          <p:cNvGraphicFramePr>
-            <a:graphicFrameLocks noGrp="1"/>
-          </p:cNvGraphicFramePr>
-          <p:nvPr>
-            <p:extLst>
-              <p:ext uri="{D42A27DB-BD31-4B8C-83A1-F6EECF244321}">
-                <p14:modId xmlns:p14="http://schemas.microsoft.com/office/powerpoint/2010/main" val="1815912406"/>
-              </p:ext>
-            </p:extLst>
-          </p:nvPr>
-        </p:nvGraphicFramePr>
-        <p:xfrm>
-          <a:off x="1940102" y="6355715"/>
-          <a:ext cx="8311794" cy="274320"/>
-        </p:xfrm>
-        <a:graphic>
-          <a:graphicData uri="http://schemas.openxmlformats.org/drawingml/2006/table">
-            <a:tbl>
-              <a:tblPr firstRow="1" bandRow="1">
-                <a:tableStyleId>{5C22544A-7EE6-4342-B048-85BDC9FD1C3A}</a:tableStyleId>
-              </a:tblPr>
-              <a:tblGrid>
-                <a:gridCol w="1385299">
-                  <a:extLst>
-                    <a:ext uri="{9D8B030D-6E8A-4147-A177-3AD203B41FA5}">
-                      <a16:colId xmlns:a16="http://schemas.microsoft.com/office/drawing/2014/main" val="1963997025"/>
-                    </a:ext>
-                  </a:extLst>
-                </a:gridCol>
-                <a:gridCol w="1385299">
-                  <a:extLst>
-                    <a:ext uri="{9D8B030D-6E8A-4147-A177-3AD203B41FA5}">
-                      <a16:colId xmlns:a16="http://schemas.microsoft.com/office/drawing/2014/main" val="1212033678"/>
-                    </a:ext>
-                  </a:extLst>
-                </a:gridCol>
-                <a:gridCol w="1385299">
-                  <a:extLst>
-                    <a:ext uri="{9D8B030D-6E8A-4147-A177-3AD203B41FA5}">
-                      <a16:colId xmlns:a16="http://schemas.microsoft.com/office/drawing/2014/main" val="180734021"/>
-                    </a:ext>
-                  </a:extLst>
-                </a:gridCol>
-                <a:gridCol w="1385299">
-                  <a:extLst>
-                    <a:ext uri="{9D8B030D-6E8A-4147-A177-3AD203B41FA5}">
-                      <a16:colId xmlns:a16="http://schemas.microsoft.com/office/drawing/2014/main" val="1432259564"/>
-                    </a:ext>
-                  </a:extLst>
-                </a:gridCol>
-                <a:gridCol w="1385299">
-                  <a:extLst>
-                    <a:ext uri="{9D8B030D-6E8A-4147-A177-3AD203B41FA5}">
-                      <a16:colId xmlns:a16="http://schemas.microsoft.com/office/drawing/2014/main" val="142904687"/>
-                    </a:ext>
-                  </a:extLst>
-                </a:gridCol>
-                <a:gridCol w="1385299">
-                  <a:extLst>
-                    <a:ext uri="{9D8B030D-6E8A-4147-A177-3AD203B41FA5}">
-                      <a16:colId xmlns:a16="http://schemas.microsoft.com/office/drawing/2014/main" val="1677630447"/>
-                    </a:ext>
-                  </a:extLst>
-                </a:gridCol>
-              </a:tblGrid>
-              <a:tr h="254301">
-                <a:tc>
-                  <a:txBody>
-                    <a:bodyPr/>
-                    <a:lstStyle/>
-                    <a:p>
-                      <a:pPr algn="ctr"/>
-                      <a:r>
-                        <a:rPr lang="de-DE" sz="1200" dirty="0" err="1"/>
-                        <a:t>Introduction</a:t>
-                      </a:r>
-                      <a:endParaRPr lang="en-US" sz="1200" dirty="0"/>
-                    </a:p>
-                  </a:txBody>
-                  <a:tcPr>
-                    <a:solidFill>
-                      <a:srgbClr val="427CAC"/>
-                    </a:solidFill>
-                  </a:tcPr>
-                </a:tc>
-                <a:tc>
-                  <a:txBody>
-                    <a:bodyPr/>
-                    <a:lstStyle/>
-                    <a:p>
-                      <a:pPr algn="ctr"/>
-                      <a:r>
-                        <a:rPr lang="de-DE" sz="1200" dirty="0"/>
-                        <a:t>Main </a:t>
-                      </a:r>
-                      <a:r>
-                        <a:rPr lang="de-DE" sz="1200" dirty="0" err="1"/>
-                        <a:t>Article</a:t>
-                      </a:r>
-                      <a:endParaRPr lang="en-US" sz="1200" dirty="0"/>
-                    </a:p>
-                  </a:txBody>
-                  <a:tcPr>
-                    <a:solidFill>
-                      <a:srgbClr val="427CAC"/>
-                    </a:solidFill>
-                  </a:tcPr>
-                </a:tc>
-                <a:tc>
-                  <a:txBody>
-                    <a:bodyPr/>
-                    <a:lstStyle/>
-                    <a:p>
-                      <a:pPr algn="ctr"/>
-                      <a:r>
-                        <a:rPr lang="de-DE" sz="1200" dirty="0"/>
-                        <a:t>Research</a:t>
-                      </a:r>
-                      <a:endParaRPr lang="en-US" sz="1200" dirty="0"/>
-                    </a:p>
-                  </a:txBody>
-                  <a:tcPr>
-                    <a:solidFill>
-                      <a:srgbClr val="427CAC"/>
-                    </a:solidFill>
-                  </a:tcPr>
-                </a:tc>
-                <a:tc>
-                  <a:txBody>
-                    <a:bodyPr/>
-                    <a:lstStyle/>
-                    <a:p>
-                      <a:pPr algn="ctr"/>
-                      <a:r>
-                        <a:rPr lang="de-DE" sz="1200" dirty="0"/>
-                        <a:t>Side </a:t>
-                      </a:r>
-                      <a:r>
-                        <a:rPr lang="de-DE" sz="1200" dirty="0" err="1"/>
-                        <a:t>Article</a:t>
-                      </a:r>
-                      <a:endParaRPr lang="en-US" sz="1200" dirty="0"/>
-                    </a:p>
-                  </a:txBody>
-                  <a:tcPr>
-                    <a:solidFill>
-                      <a:srgbClr val="91C8F6"/>
-                    </a:solidFill>
-                  </a:tcPr>
-                </a:tc>
-                <a:tc>
-                  <a:txBody>
-                    <a:bodyPr/>
-                    <a:lstStyle/>
-                    <a:p>
-                      <a:pPr algn="ctr"/>
-                      <a:r>
-                        <a:rPr lang="de-DE" sz="1200" dirty="0" err="1"/>
-                        <a:t>Conclusion</a:t>
-                      </a:r>
-                      <a:endParaRPr lang="en-US" sz="1200" dirty="0"/>
-                    </a:p>
-                  </a:txBody>
-                  <a:tcPr>
-                    <a:solidFill>
-                      <a:srgbClr val="427CAC"/>
-                    </a:solidFill>
-                  </a:tcPr>
-                </a:tc>
-                <a:tc>
-                  <a:txBody>
-                    <a:bodyPr/>
-                    <a:lstStyle/>
-                    <a:p>
-                      <a:pPr marL="0" marR="0" lvl="0" indent="0" algn="ctr" defTabSz="914400" rtl="0" eaLnBrk="1" fontAlgn="auto" latinLnBrk="0" hangingPunct="1">
-                        <a:lnSpc>
-                          <a:spcPct val="100000"/>
-                        </a:lnSpc>
-                        <a:spcBef>
-                          <a:spcPts val="0"/>
-                        </a:spcBef>
-                        <a:spcAft>
-                          <a:spcPts val="0"/>
-                        </a:spcAft>
-                        <a:buClrTx/>
-                        <a:buSzTx/>
-                        <a:buFontTx/>
-                        <a:buNone/>
-                        <a:tabLst/>
-                        <a:defRPr/>
-                      </a:pPr>
-                      <a:r>
-                        <a:rPr lang="de-DE" sz="1200" dirty="0" err="1"/>
-                        <a:t>Questions</a:t>
-                      </a:r>
-                      <a:endParaRPr lang="en-US" sz="1200" dirty="0"/>
-                    </a:p>
-                  </a:txBody>
-                  <a:tcPr>
-                    <a:solidFill>
-                      <a:srgbClr val="427CAC"/>
-                    </a:solidFill>
-                  </a:tcPr>
-                </a:tc>
-                <a:extLst>
-                  <a:ext uri="{0D108BD9-81ED-4DB2-BD59-A6C34878D82A}">
-                    <a16:rowId xmlns:a16="http://schemas.microsoft.com/office/drawing/2014/main" val="393468701"/>
-                  </a:ext>
-                </a:extLst>
-              </a:tr>
-            </a:tbl>
-          </a:graphicData>
-        </a:graphic>
-      </p:graphicFrame>
-      <p:sp>
-        <p:nvSpPr>
-          <p:cNvPr id="7" name="TextBox 6">
-            <a:extLst>
-              <a:ext uri="{FF2B5EF4-FFF2-40B4-BE49-F238E27FC236}">
-                <a16:creationId xmlns:a16="http://schemas.microsoft.com/office/drawing/2014/main" id="{AB1B7395-2FDC-4188-9887-0216525A19CE}"/>
-              </a:ext>
-            </a:extLst>
-          </p:cNvPr>
-          <p:cNvSpPr txBox="1"/>
-          <p:nvPr/>
-        </p:nvSpPr>
-        <p:spPr>
-          <a:xfrm>
-            <a:off x="8860671" y="5899964"/>
-            <a:ext cx="360218" cy="276999"/>
-          </a:xfrm>
-          <a:prstGeom prst="rect">
-            <a:avLst/>
-          </a:prstGeom>
-          <a:noFill/>
-        </p:spPr>
-        <p:txBody>
-          <a:bodyPr wrap="square" rtlCol="0">
-            <a:spAutoFit/>
-          </a:bodyPr>
-          <a:lstStyle/>
-          <a:p>
-            <a:r>
-              <a:rPr lang="de-DE" sz="1200" dirty="0"/>
-              <a:t>[2]</a:t>
-            </a:r>
-            <a:endParaRPr lang="en-US" sz="1200" dirty="0"/>
-          </a:p>
-        </p:txBody>
-      </p:sp>
     </p:spTree>
     <p:extLst>
       <p:ext uri="{BB962C8B-B14F-4D97-AF65-F5344CB8AC3E}">
@@ -15022,7 +18380,7 @@
           <a:p>
             <a:pPr algn="ctr"/>
             <a:r>
-              <a:rPr lang="en-US" sz="3600" dirty="0"/>
+              <a:rPr lang="en-US" sz="3600" b="1" dirty="0"/>
               <a:t>An Automated Approach to System Testing based on Scenarios and Operations Contracts</a:t>
             </a:r>
           </a:p>
@@ -15155,10 +18513,10 @@
       </p:sp>
       <p:pic>
         <p:nvPicPr>
-          <p:cNvPr id="4" name="Picture 3">
+          <p:cNvPr id="2" name="Picture 1">
             <a:extLst>
               <a:ext uri="{FF2B5EF4-FFF2-40B4-BE49-F238E27FC236}">
-                <a16:creationId xmlns:a16="http://schemas.microsoft.com/office/drawing/2014/main" id="{B87329F3-EC98-4BA7-99AB-BCD629991A4C}"/>
+                <a16:creationId xmlns:a16="http://schemas.microsoft.com/office/drawing/2014/main" id="{D9836C5F-E914-4FE4-B287-1ED26B4591DC}"/>
               </a:ext>
             </a:extLst>
           </p:cNvPr>
@@ -15175,273 +18533,14 @@
         </p:blipFill>
         <p:spPr>
           <a:xfrm>
-            <a:off x="3592612" y="2933280"/>
-            <a:ext cx="5006774" cy="3086367"/>
+            <a:off x="998680" y="3035187"/>
+            <a:ext cx="10355120" cy="3010320"/>
           </a:xfrm>
           <a:prstGeom prst="rect">
             <a:avLst/>
           </a:prstGeom>
         </p:spPr>
       </p:pic>
-      <p:graphicFrame>
-        <p:nvGraphicFramePr>
-          <p:cNvPr id="6" name="Table 5">
-            <a:extLst>
-              <a:ext uri="{FF2B5EF4-FFF2-40B4-BE49-F238E27FC236}">
-                <a16:creationId xmlns:a16="http://schemas.microsoft.com/office/drawing/2014/main" id="{3C50CC52-51C1-4EE8-91D2-4DA0AF529348}"/>
-              </a:ext>
-            </a:extLst>
-          </p:cNvPr>
-          <p:cNvGraphicFramePr>
-            <a:graphicFrameLocks noGrp="1"/>
-          </p:cNvGraphicFramePr>
-          <p:nvPr>
-            <p:extLst>
-              <p:ext uri="{D42A27DB-BD31-4B8C-83A1-F6EECF244321}">
-                <p14:modId xmlns:p14="http://schemas.microsoft.com/office/powerpoint/2010/main" val="1379451775"/>
-              </p:ext>
-            </p:extLst>
-          </p:nvPr>
-        </p:nvGraphicFramePr>
-        <p:xfrm>
-          <a:off x="1940102" y="6355715"/>
-          <a:ext cx="8311794" cy="274320"/>
-        </p:xfrm>
-        <a:graphic>
-          <a:graphicData uri="http://schemas.openxmlformats.org/drawingml/2006/table">
-            <a:tbl>
-              <a:tblPr firstRow="1" bandRow="1">
-                <a:tableStyleId>{5C22544A-7EE6-4342-B048-85BDC9FD1C3A}</a:tableStyleId>
-              </a:tblPr>
-              <a:tblGrid>
-                <a:gridCol w="1385299">
-                  <a:extLst>
-                    <a:ext uri="{9D8B030D-6E8A-4147-A177-3AD203B41FA5}">
-                      <a16:colId xmlns:a16="http://schemas.microsoft.com/office/drawing/2014/main" val="1963997025"/>
-                    </a:ext>
-                  </a:extLst>
-                </a:gridCol>
-                <a:gridCol w="1385299">
-                  <a:extLst>
-                    <a:ext uri="{9D8B030D-6E8A-4147-A177-3AD203B41FA5}">
-                      <a16:colId xmlns:a16="http://schemas.microsoft.com/office/drawing/2014/main" val="1212033678"/>
-                    </a:ext>
-                  </a:extLst>
-                </a:gridCol>
-                <a:gridCol w="1385299">
-                  <a:extLst>
-                    <a:ext uri="{9D8B030D-6E8A-4147-A177-3AD203B41FA5}">
-                      <a16:colId xmlns:a16="http://schemas.microsoft.com/office/drawing/2014/main" val="180734021"/>
-                    </a:ext>
-                  </a:extLst>
-                </a:gridCol>
-                <a:gridCol w="1385299">
-                  <a:extLst>
-                    <a:ext uri="{9D8B030D-6E8A-4147-A177-3AD203B41FA5}">
-                      <a16:colId xmlns:a16="http://schemas.microsoft.com/office/drawing/2014/main" val="1432259564"/>
-                    </a:ext>
-                  </a:extLst>
-                </a:gridCol>
-                <a:gridCol w="1385299">
-                  <a:extLst>
-                    <a:ext uri="{9D8B030D-6E8A-4147-A177-3AD203B41FA5}">
-                      <a16:colId xmlns:a16="http://schemas.microsoft.com/office/drawing/2014/main" val="142904687"/>
-                    </a:ext>
-                  </a:extLst>
-                </a:gridCol>
-                <a:gridCol w="1385299">
-                  <a:extLst>
-                    <a:ext uri="{9D8B030D-6E8A-4147-A177-3AD203B41FA5}">
-                      <a16:colId xmlns:a16="http://schemas.microsoft.com/office/drawing/2014/main" val="1677630447"/>
-                    </a:ext>
-                  </a:extLst>
-                </a:gridCol>
-              </a:tblGrid>
-              <a:tr h="254301">
-                <a:tc>
-                  <a:txBody>
-                    <a:bodyPr/>
-                    <a:lstStyle/>
-                    <a:p>
-                      <a:pPr algn="ctr"/>
-                      <a:r>
-                        <a:rPr lang="de-DE" sz="1200" dirty="0" err="1"/>
-                        <a:t>Introduction</a:t>
-                      </a:r>
-                      <a:endParaRPr lang="en-US" sz="1200" dirty="0"/>
-                    </a:p>
-                  </a:txBody>
-                  <a:tcPr>
-                    <a:solidFill>
-                      <a:srgbClr val="427CAC"/>
-                    </a:solidFill>
-                  </a:tcPr>
-                </a:tc>
-                <a:tc>
-                  <a:txBody>
-                    <a:bodyPr/>
-                    <a:lstStyle/>
-                    <a:p>
-                      <a:pPr algn="ctr"/>
-                      <a:r>
-                        <a:rPr lang="de-DE" sz="1200" dirty="0"/>
-                        <a:t>Main </a:t>
-                      </a:r>
-                      <a:r>
-                        <a:rPr lang="de-DE" sz="1200" dirty="0" err="1"/>
-                        <a:t>Article</a:t>
-                      </a:r>
-                      <a:endParaRPr lang="en-US" sz="1200" dirty="0"/>
-                    </a:p>
-                  </a:txBody>
-                  <a:tcPr>
-                    <a:solidFill>
-                      <a:srgbClr val="427CAC"/>
-                    </a:solidFill>
-                  </a:tcPr>
-                </a:tc>
-                <a:tc>
-                  <a:txBody>
-                    <a:bodyPr/>
-                    <a:lstStyle/>
-                    <a:p>
-                      <a:pPr algn="ctr"/>
-                      <a:r>
-                        <a:rPr lang="de-DE" sz="1200" dirty="0"/>
-                        <a:t>Research</a:t>
-                      </a:r>
-                      <a:endParaRPr lang="en-US" sz="1200" dirty="0"/>
-                    </a:p>
-                  </a:txBody>
-                  <a:tcPr>
-                    <a:solidFill>
-                      <a:srgbClr val="427CAC"/>
-                    </a:solidFill>
-                  </a:tcPr>
-                </a:tc>
-                <a:tc>
-                  <a:txBody>
-                    <a:bodyPr/>
-                    <a:lstStyle/>
-                    <a:p>
-                      <a:pPr algn="ctr"/>
-                      <a:r>
-                        <a:rPr lang="de-DE" sz="1200" dirty="0"/>
-                        <a:t>Side </a:t>
-                      </a:r>
-                      <a:r>
-                        <a:rPr lang="de-DE" sz="1200" dirty="0" err="1"/>
-                        <a:t>Article</a:t>
-                      </a:r>
-                      <a:endParaRPr lang="en-US" sz="1200" dirty="0"/>
-                    </a:p>
-                  </a:txBody>
-                  <a:tcPr>
-                    <a:solidFill>
-                      <a:srgbClr val="91C8F6"/>
-                    </a:solidFill>
-                  </a:tcPr>
-                </a:tc>
-                <a:tc>
-                  <a:txBody>
-                    <a:bodyPr/>
-                    <a:lstStyle/>
-                    <a:p>
-                      <a:pPr algn="ctr"/>
-                      <a:r>
-                        <a:rPr lang="de-DE" sz="1200" dirty="0" err="1"/>
-                        <a:t>Conclusion</a:t>
-                      </a:r>
-                      <a:endParaRPr lang="en-US" sz="1200" dirty="0"/>
-                    </a:p>
-                  </a:txBody>
-                  <a:tcPr>
-                    <a:solidFill>
-                      <a:srgbClr val="427CAC"/>
-                    </a:solidFill>
-                  </a:tcPr>
-                </a:tc>
-                <a:tc>
-                  <a:txBody>
-                    <a:bodyPr/>
-                    <a:lstStyle/>
-                    <a:p>
-                      <a:pPr marL="0" marR="0" lvl="0" indent="0" algn="ctr" defTabSz="914400" rtl="0" eaLnBrk="1" fontAlgn="auto" latinLnBrk="0" hangingPunct="1">
-                        <a:lnSpc>
-                          <a:spcPct val="100000"/>
-                        </a:lnSpc>
-                        <a:spcBef>
-                          <a:spcPts val="0"/>
-                        </a:spcBef>
-                        <a:spcAft>
-                          <a:spcPts val="0"/>
-                        </a:spcAft>
-                        <a:buClrTx/>
-                        <a:buSzTx/>
-                        <a:buFontTx/>
-                        <a:buNone/>
-                        <a:tabLst/>
-                        <a:defRPr/>
-                      </a:pPr>
-                      <a:r>
-                        <a:rPr lang="de-DE" sz="1200" dirty="0" err="1"/>
-                        <a:t>Questions</a:t>
-                      </a:r>
-                      <a:endParaRPr lang="en-US" sz="1200" dirty="0"/>
-                    </a:p>
-                  </a:txBody>
-                  <a:tcPr>
-                    <a:solidFill>
-                      <a:srgbClr val="427CAC"/>
-                    </a:solidFill>
-                  </a:tcPr>
-                </a:tc>
-                <a:extLst>
-                  <a:ext uri="{0D108BD9-81ED-4DB2-BD59-A6C34878D82A}">
-                    <a16:rowId xmlns:a16="http://schemas.microsoft.com/office/drawing/2014/main" val="393468701"/>
-                  </a:ext>
-                </a:extLst>
-              </a:tr>
-            </a:tbl>
-          </a:graphicData>
-        </a:graphic>
-      </p:graphicFrame>
-      <p:sp>
-        <p:nvSpPr>
-          <p:cNvPr id="7" name="TextBox 6">
-            <a:extLst>
-              <a:ext uri="{FF2B5EF4-FFF2-40B4-BE49-F238E27FC236}">
-                <a16:creationId xmlns:a16="http://schemas.microsoft.com/office/drawing/2014/main" id="{AA1712C5-B969-4B75-B767-C6F61406B43F}"/>
-              </a:ext>
-            </a:extLst>
-          </p:cNvPr>
-          <p:cNvSpPr txBox="1"/>
-          <p:nvPr/>
-        </p:nvSpPr>
-        <p:spPr>
-          <a:xfrm>
-            <a:off x="8599386" y="5742648"/>
-            <a:ext cx="360218" cy="276999"/>
-          </a:xfrm>
-          <a:prstGeom prst="rect">
-            <a:avLst/>
-          </a:prstGeom>
-          <a:noFill/>
-        </p:spPr>
-        <p:txBody>
-          <a:bodyPr wrap="square" rtlCol="0">
-            <a:spAutoFit/>
-          </a:bodyPr>
-          <a:lstStyle/>
-          <a:p>
-            <a:r>
-              <a:rPr lang="de-DE" sz="1200" dirty="0"/>
-              <a:t>[2]</a:t>
-            </a:r>
-            <a:endParaRPr lang="en-US" sz="1200" dirty="0"/>
-          </a:p>
-        </p:txBody>
-      </p:sp>
     </p:spTree>
     <p:extLst>
       <p:ext uri="{BB962C8B-B14F-4D97-AF65-F5344CB8AC3E}">
@@ -15502,7 +18601,7 @@
           <a:p>
             <a:pPr algn="ctr"/>
             <a:r>
-              <a:rPr lang="en-US" sz="3600" dirty="0"/>
+              <a:rPr lang="en-US" sz="3600" b="1" dirty="0"/>
               <a:t>An Automated Approach to System Testing based on Scenarios and Operations Contracts</a:t>
             </a:r>
           </a:p>
@@ -15536,15 +18635,133 @@
           <a:p>
             <a:r>
               <a:rPr lang="de-DE" dirty="0"/>
-              <a:t>Test </a:t>
-            </a:r>
-            <a:r>
-              <a:rPr lang="de-DE" dirty="0" err="1"/>
-              <a:t>paths</a:t>
-            </a:r>
-            <a:r>
-              <a:rPr lang="de-DE" dirty="0"/>
-              <a:t> </a:t>
+              <a:t>Input:</a:t>
+            </a:r>
+          </a:p>
+          <a:p>
+            <a:pPr lvl="1"/>
+            <a:r>
+              <a:rPr lang="de-DE" dirty="0"/>
+              <a:t>XML </a:t>
+            </a:r>
+            <a:r>
+              <a:rPr lang="de-DE" dirty="0" err="1"/>
+              <a:t>Metadata</a:t>
+            </a:r>
+            <a:r>
+              <a:rPr lang="de-DE" dirty="0"/>
+              <a:t> Interchange (XMI) </a:t>
+            </a:r>
+            <a:r>
+              <a:rPr lang="de-DE" dirty="0" err="1"/>
+              <a:t>file</a:t>
+            </a:r>
+            <a:r>
+              <a:rPr lang="de-DE" dirty="0"/>
+              <a:t> </a:t>
+            </a:r>
+            <a:r>
+              <a:rPr lang="de-DE" dirty="0" err="1"/>
+              <a:t>for</a:t>
+            </a:r>
+            <a:r>
+              <a:rPr lang="de-DE" dirty="0"/>
+              <a:t> </a:t>
+            </a:r>
+            <a:r>
+              <a:rPr lang="de-DE" dirty="0" err="1"/>
+              <a:t>the</a:t>
+            </a:r>
+            <a:r>
+              <a:rPr lang="de-DE" dirty="0"/>
+              <a:t> IOD </a:t>
+            </a:r>
+            <a:r>
+              <a:rPr lang="de-DE" dirty="0" err="1"/>
+              <a:t>generated</a:t>
+            </a:r>
+            <a:endParaRPr lang="de-DE" dirty="0"/>
+          </a:p>
+          <a:p>
+            <a:pPr lvl="1"/>
+            <a:r>
+              <a:rPr lang="de-DE" dirty="0"/>
+              <a:t>Operation </a:t>
+            </a:r>
+            <a:r>
+              <a:rPr lang="de-DE" dirty="0" err="1"/>
+              <a:t>contracts</a:t>
+            </a:r>
+            <a:r>
+              <a:rPr lang="de-DE" dirty="0"/>
+              <a:t> in </a:t>
+            </a:r>
+            <a:r>
+              <a:rPr lang="de-DE" dirty="0" err="1"/>
+              <a:t>Object</a:t>
+            </a:r>
+            <a:r>
+              <a:rPr lang="de-DE" dirty="0"/>
+              <a:t> </a:t>
+            </a:r>
+            <a:r>
+              <a:rPr lang="de-DE" dirty="0" err="1"/>
+              <a:t>Constraint</a:t>
+            </a:r>
+            <a:r>
+              <a:rPr lang="de-DE" dirty="0"/>
+              <a:t> Language (OCL)</a:t>
+            </a:r>
+          </a:p>
+          <a:p>
+            <a:pPr lvl="2"/>
+            <a:r>
+              <a:rPr lang="de-DE" dirty="0"/>
+              <a:t>List </a:t>
+            </a:r>
+            <a:r>
+              <a:rPr lang="de-DE" dirty="0" err="1"/>
+              <a:t>of</a:t>
+            </a:r>
+            <a:r>
+              <a:rPr lang="de-DE" dirty="0"/>
+              <a:t> </a:t>
+            </a:r>
+            <a:r>
+              <a:rPr lang="de-DE" dirty="0" err="1"/>
+              <a:t>operations</a:t>
+            </a:r>
+            <a:r>
+              <a:rPr lang="de-DE" dirty="0"/>
+              <a:t> </a:t>
+            </a:r>
+            <a:r>
+              <a:rPr lang="de-DE" dirty="0" err="1"/>
+              <a:t>retrieved</a:t>
+            </a:r>
+            <a:r>
+              <a:rPr lang="de-DE" dirty="0"/>
+              <a:t> </a:t>
+            </a:r>
+            <a:r>
+              <a:rPr lang="de-DE" dirty="0" err="1"/>
+              <a:t>from</a:t>
+            </a:r>
+            <a:r>
+              <a:rPr lang="de-DE" dirty="0"/>
+              <a:t> XMI </a:t>
+            </a:r>
+            <a:r>
+              <a:rPr lang="de-DE" dirty="0" err="1"/>
+              <a:t>file</a:t>
+            </a:r>
+            <a:endParaRPr lang="de-DE" dirty="0"/>
+          </a:p>
+          <a:p>
+            <a:pPr marL="171450" indent="-171450"/>
+            <a:r>
+              <a:rPr lang="de-DE" dirty="0"/>
+              <a:t>States </a:t>
             </a:r>
             <a:r>
               <a:rPr lang="de-DE" dirty="0" err="1"/>
@@ -15556,7 +18773,103 @@
             </a:r>
             <a:r>
               <a:rPr lang="de-DE" dirty="0" err="1"/>
-              <a:t>derived</a:t>
+              <a:t>created</a:t>
+            </a:r>
+            <a:r>
+              <a:rPr lang="de-DE" dirty="0"/>
+              <a:t> </a:t>
+            </a:r>
+            <a:r>
+              <a:rPr lang="de-DE" dirty="0" err="1"/>
+              <a:t>against</a:t>
+            </a:r>
+            <a:r>
+              <a:rPr lang="de-DE" dirty="0"/>
+              <a:t> </a:t>
+            </a:r>
+            <a:r>
+              <a:rPr lang="de-DE" dirty="0" err="1"/>
+              <a:t>each</a:t>
+            </a:r>
+            <a:r>
+              <a:rPr lang="de-DE" dirty="0"/>
+              <a:t> </a:t>
+            </a:r>
+            <a:r>
+              <a:rPr lang="de-DE" dirty="0" err="1"/>
+              <a:t>precondition</a:t>
+            </a:r>
+            <a:r>
+              <a:rPr lang="de-DE" dirty="0"/>
+              <a:t> and </a:t>
+            </a:r>
+            <a:r>
+              <a:rPr lang="de-DE" dirty="0" err="1"/>
+              <a:t>each</a:t>
+            </a:r>
+            <a:r>
+              <a:rPr lang="de-DE" dirty="0"/>
+              <a:t> </a:t>
+            </a:r>
+            <a:r>
+              <a:rPr lang="de-DE" dirty="0" err="1"/>
+              <a:t>postcondition</a:t>
+            </a:r>
+            <a:r>
+              <a:rPr lang="de-DE" dirty="0"/>
+              <a:t> </a:t>
+            </a:r>
+            <a:r>
+              <a:rPr lang="de-DE" dirty="0" err="1"/>
+              <a:t>of</a:t>
+            </a:r>
+            <a:r>
+              <a:rPr lang="de-DE" dirty="0"/>
+              <a:t> a </a:t>
+            </a:r>
+            <a:r>
+              <a:rPr lang="de-DE" dirty="0" err="1"/>
+              <a:t>contract</a:t>
+            </a:r>
+            <a:r>
+              <a:rPr lang="de-DE" dirty="0"/>
+              <a:t> </a:t>
+            </a:r>
+            <a:r>
+              <a:rPr lang="de-DE" dirty="0" err="1"/>
+              <a:t>for</a:t>
+            </a:r>
+            <a:r>
+              <a:rPr lang="de-DE" dirty="0"/>
+              <a:t> an </a:t>
+            </a:r>
+            <a:r>
+              <a:rPr lang="de-DE" dirty="0" err="1"/>
+              <a:t>operation</a:t>
+            </a:r>
+            <a:endParaRPr lang="de-DE" dirty="0"/>
+          </a:p>
+          <a:p>
+            <a:pPr marL="171450" indent="-171450"/>
+            <a:r>
+              <a:rPr lang="de-DE" dirty="0" err="1"/>
+              <a:t>Transitions</a:t>
+            </a:r>
+            <a:r>
+              <a:rPr lang="de-DE" dirty="0"/>
+              <a:t> </a:t>
+            </a:r>
+            <a:r>
+              <a:rPr lang="de-DE" dirty="0" err="1"/>
+              <a:t>are</a:t>
+            </a:r>
+            <a:r>
+              <a:rPr lang="de-DE" dirty="0"/>
+              <a:t> </a:t>
+            </a:r>
+            <a:r>
+              <a:rPr lang="de-DE" dirty="0" err="1"/>
+              <a:t>provided</a:t>
             </a:r>
             <a:r>
               <a:rPr lang="de-DE" dirty="0"/>
@@ -15572,30 +18885,6 @@
             </a:r>
             <a:r>
               <a:rPr lang="de-DE" dirty="0" err="1"/>
-              <a:t>path</a:t>
-            </a:r>
-            <a:r>
-              <a:rPr lang="de-DE" dirty="0"/>
-              <a:t> </a:t>
-            </a:r>
-            <a:r>
-              <a:rPr lang="de-DE" dirty="0" err="1"/>
-              <a:t>traversals</a:t>
-            </a:r>
-            <a:r>
-              <a:rPr lang="de-DE" dirty="0"/>
-              <a:t> </a:t>
-            </a:r>
-            <a:r>
-              <a:rPr lang="de-DE" dirty="0" err="1"/>
-              <a:t>from</a:t>
-            </a:r>
-            <a:r>
-              <a:rPr lang="de-DE" dirty="0"/>
-              <a:t> </a:t>
-            </a:r>
-            <a:r>
-              <a:rPr lang="de-DE" dirty="0" err="1"/>
               <a:t>the</a:t>
             </a:r>
             <a:r>
@@ -15604,27 +18893,19 @@
             </a:r>
             <a:r>
               <a:rPr lang="de-DE" dirty="0" err="1"/>
-              <a:t>inital</a:t>
-            </a:r>
-            <a:r>
-              <a:rPr lang="de-DE" dirty="0"/>
-              <a:t> </a:t>
-            </a:r>
-            <a:r>
-              <a:rPr lang="de-DE" dirty="0" err="1"/>
-              <a:t>node</a:t>
-            </a:r>
-            <a:r>
-              <a:rPr lang="de-DE" dirty="0"/>
-              <a:t> </a:t>
-            </a:r>
-            <a:r>
-              <a:rPr lang="de-DE" dirty="0" err="1"/>
-              <a:t>to</a:t>
-            </a:r>
-            <a:r>
-              <a:rPr lang="de-DE" dirty="0"/>
-              <a:t> </a:t>
+              <a:t>operations</a:t>
+            </a:r>
+            <a:r>
+              <a:rPr lang="de-DE" dirty="0"/>
+              <a:t> (</a:t>
+            </a:r>
+            <a:r>
+              <a:rPr lang="de-DE" dirty="0" err="1"/>
+              <a:t>nodes</a:t>
+            </a:r>
+            <a:r>
+              <a:rPr lang="de-DE" dirty="0"/>
+              <a:t>) in </a:t>
             </a:r>
             <a:r>
               <a:rPr lang="de-DE" dirty="0" err="1"/>
@@ -15632,442 +18913,102 @@
             </a:r>
             <a:r>
               <a:rPr lang="de-DE" dirty="0"/>
-              <a:t> final </a:t>
-            </a:r>
-            <a:r>
-              <a:rPr lang="de-DE" dirty="0" err="1"/>
-              <a:t>node</a:t>
-            </a:r>
-            <a:r>
-              <a:rPr lang="de-DE" dirty="0"/>
-              <a:t> and </a:t>
-            </a:r>
-            <a:r>
-              <a:rPr lang="de-DE" dirty="0" err="1"/>
-              <a:t>by</a:t>
-            </a:r>
-            <a:r>
-              <a:rPr lang="de-DE" dirty="0"/>
-              <a:t> </a:t>
-            </a:r>
-            <a:r>
-              <a:rPr lang="de-DE" dirty="0" err="1"/>
-              <a:t>taking</a:t>
-            </a:r>
-            <a:r>
-              <a:rPr lang="de-DE" dirty="0"/>
-              <a:t> </a:t>
-            </a:r>
-            <a:r>
-              <a:rPr lang="de-DE" dirty="0" err="1"/>
-              <a:t>into</a:t>
-            </a:r>
-            <a:r>
-              <a:rPr lang="de-DE" dirty="0"/>
-              <a:t> </a:t>
-            </a:r>
-            <a:r>
-              <a:rPr lang="de-DE" dirty="0" err="1"/>
-              <a:t>account</a:t>
-            </a:r>
-            <a:r>
-              <a:rPr lang="de-DE" dirty="0"/>
-              <a:t> a </a:t>
-            </a:r>
-            <a:r>
-              <a:rPr lang="de-DE" dirty="0" err="1"/>
-              <a:t>specific</a:t>
-            </a:r>
-            <a:r>
-              <a:rPr lang="de-DE" dirty="0"/>
-              <a:t> </a:t>
-            </a:r>
-            <a:r>
-              <a:rPr lang="de-DE" dirty="0" err="1"/>
-              <a:t>coverage</a:t>
-            </a:r>
-            <a:r>
-              <a:rPr lang="de-DE" dirty="0"/>
-              <a:t> </a:t>
-            </a:r>
-            <a:r>
-              <a:rPr lang="de-DE" dirty="0" err="1"/>
-              <a:t>criterion</a:t>
-            </a:r>
-            <a:endParaRPr lang="de-DE" dirty="0"/>
-          </a:p>
-          <a:p>
-            <a:pPr lvl="1"/>
-            <a:r>
-              <a:rPr lang="de-DE" dirty="0"/>
-              <a:t>Transition </a:t>
-            </a:r>
-            <a:r>
-              <a:rPr lang="de-DE" dirty="0" err="1"/>
-              <a:t>coverage</a:t>
-            </a:r>
-            <a:endParaRPr lang="de-DE" dirty="0"/>
-          </a:p>
-          <a:p>
-            <a:pPr lvl="1"/>
-            <a:r>
-              <a:rPr lang="de-DE" dirty="0"/>
-              <a:t>State </a:t>
-            </a:r>
-            <a:r>
-              <a:rPr lang="de-DE" dirty="0" err="1"/>
-              <a:t>coverage</a:t>
-            </a:r>
-            <a:endParaRPr lang="de-DE" dirty="0"/>
-          </a:p>
-          <a:p>
-            <a:pPr lvl="1"/>
-            <a:r>
-              <a:rPr lang="de-DE" dirty="0"/>
-              <a:t>Transition pair </a:t>
-            </a:r>
-            <a:r>
-              <a:rPr lang="de-DE" dirty="0" err="1"/>
-              <a:t>coverage</a:t>
-            </a:r>
-            <a:endParaRPr lang="de-DE" dirty="0"/>
-          </a:p>
-          <a:p>
-            <a:r>
-              <a:rPr lang="de-DE" dirty="0"/>
-              <a:t>The original </a:t>
-            </a:r>
-            <a:r>
-              <a:rPr lang="de-DE" dirty="0" err="1"/>
-              <a:t>paper</a:t>
-            </a:r>
-            <a:r>
-              <a:rPr lang="de-DE" dirty="0"/>
-              <a:t> </a:t>
-            </a:r>
-            <a:r>
-              <a:rPr lang="de-DE" dirty="0" err="1"/>
-              <a:t>differs</a:t>
-            </a:r>
-            <a:r>
-              <a:rPr lang="de-DE" dirty="0"/>
-              <a:t> </a:t>
-            </a:r>
-            <a:r>
-              <a:rPr lang="de-DE" dirty="0" err="1"/>
-              <a:t>as</a:t>
-            </a:r>
-            <a:r>
-              <a:rPr lang="de-DE" dirty="0"/>
-              <a:t> </a:t>
-            </a:r>
-            <a:r>
-              <a:rPr lang="de-DE" dirty="0" err="1"/>
-              <a:t>the</a:t>
-            </a:r>
-            <a:r>
-              <a:rPr lang="de-DE" dirty="0"/>
-              <a:t> </a:t>
-            </a:r>
-            <a:r>
-              <a:rPr lang="de-DE" dirty="0" err="1"/>
-              <a:t>transition</a:t>
-            </a:r>
-            <a:r>
-              <a:rPr lang="de-DE" dirty="0"/>
-              <a:t> </a:t>
-            </a:r>
-            <a:r>
-              <a:rPr lang="de-DE" dirty="0" err="1"/>
-              <a:t>system</a:t>
-            </a:r>
-            <a:r>
-              <a:rPr lang="de-DE" dirty="0"/>
-              <a:t> </a:t>
-            </a:r>
-            <a:r>
-              <a:rPr lang="de-DE" dirty="0" err="1"/>
-              <a:t>is</a:t>
-            </a:r>
-            <a:r>
-              <a:rPr lang="de-DE" dirty="0"/>
-              <a:t> </a:t>
-            </a:r>
-            <a:r>
-              <a:rPr lang="de-DE" dirty="0" err="1"/>
-              <a:t>generated</a:t>
-            </a:r>
-            <a:r>
-              <a:rPr lang="de-DE" dirty="0"/>
-              <a:t> on </a:t>
-            </a:r>
-            <a:r>
-              <a:rPr lang="de-DE" dirty="0" err="1"/>
-              <a:t>system</a:t>
-            </a:r>
-            <a:r>
-              <a:rPr lang="de-DE" dirty="0"/>
-              <a:t> </a:t>
-            </a:r>
-            <a:r>
-              <a:rPr lang="de-DE" dirty="0" err="1"/>
-              <a:t>level</a:t>
-            </a:r>
-            <a:r>
-              <a:rPr lang="de-DE" dirty="0"/>
-              <a:t> and not on a </a:t>
-            </a:r>
-            <a:r>
-              <a:rPr lang="de-DE" dirty="0" err="1"/>
-              <a:t>concrete</a:t>
-            </a:r>
-            <a:r>
-              <a:rPr lang="de-DE" dirty="0"/>
-              <a:t> </a:t>
-            </a:r>
-            <a:r>
-              <a:rPr lang="de-DE" dirty="0" err="1"/>
-              <a:t>scenario</a:t>
-            </a:r>
-            <a:r>
-              <a:rPr lang="de-DE" dirty="0"/>
-              <a:t> </a:t>
-            </a:r>
-            <a:r>
-              <a:rPr lang="de-DE" dirty="0" err="1"/>
-              <a:t>level</a:t>
+              <a:t> IOD</a:t>
             </a:r>
             <a:endParaRPr lang="en-US" dirty="0"/>
           </a:p>
         </p:txBody>
       </p:sp>
-      <p:graphicFrame>
-        <p:nvGraphicFramePr>
-          <p:cNvPr id="6" name="Table 5">
+      <p:sp>
+        <p:nvSpPr>
+          <p:cNvPr id="2" name="Arrow: Down 1">
             <a:extLst>
               <a:ext uri="{FF2B5EF4-FFF2-40B4-BE49-F238E27FC236}">
-                <a16:creationId xmlns:a16="http://schemas.microsoft.com/office/drawing/2014/main" id="{97E09900-87C2-4189-AA86-8DBD6666BB42}"/>
+                <a16:creationId xmlns:a16="http://schemas.microsoft.com/office/drawing/2014/main" id="{1D1CE45E-08AE-43F9-9DF9-2D9BD0B32DB0}"/>
               </a:ext>
             </a:extLst>
           </p:cNvPr>
-          <p:cNvGraphicFramePr>
-            <a:graphicFrameLocks noGrp="1"/>
-          </p:cNvGraphicFramePr>
-          <p:nvPr>
-            <p:extLst>
-              <p:ext uri="{D42A27DB-BD31-4B8C-83A1-F6EECF244321}">
-                <p14:modId xmlns:p14="http://schemas.microsoft.com/office/powerpoint/2010/main" val="1379451775"/>
-              </p:ext>
-            </p:extLst>
-          </p:nvPr>
-        </p:nvGraphicFramePr>
-        <p:xfrm>
-          <a:off x="1940102" y="6355715"/>
-          <a:ext cx="8311794" cy="274320"/>
-        </p:xfrm>
-        <a:graphic>
-          <a:graphicData uri="http://schemas.openxmlformats.org/drawingml/2006/table">
-            <a:tbl>
-              <a:tblPr firstRow="1" bandRow="1">
-                <a:tableStyleId>{5C22544A-7EE6-4342-B048-85BDC9FD1C3A}</a:tableStyleId>
-              </a:tblPr>
-              <a:tblGrid>
-                <a:gridCol w="1385299">
-                  <a:extLst>
-                    <a:ext uri="{9D8B030D-6E8A-4147-A177-3AD203B41FA5}">
-                      <a16:colId xmlns:a16="http://schemas.microsoft.com/office/drawing/2014/main" val="1963997025"/>
-                    </a:ext>
-                  </a:extLst>
-                </a:gridCol>
-                <a:gridCol w="1385299">
-                  <a:extLst>
-                    <a:ext uri="{9D8B030D-6E8A-4147-A177-3AD203B41FA5}">
-                      <a16:colId xmlns:a16="http://schemas.microsoft.com/office/drawing/2014/main" val="1212033678"/>
-                    </a:ext>
-                  </a:extLst>
-                </a:gridCol>
-                <a:gridCol w="1385299">
-                  <a:extLst>
-                    <a:ext uri="{9D8B030D-6E8A-4147-A177-3AD203B41FA5}">
-                      <a16:colId xmlns:a16="http://schemas.microsoft.com/office/drawing/2014/main" val="180734021"/>
-                    </a:ext>
-                  </a:extLst>
-                </a:gridCol>
-                <a:gridCol w="1385299">
-                  <a:extLst>
-                    <a:ext uri="{9D8B030D-6E8A-4147-A177-3AD203B41FA5}">
-                      <a16:colId xmlns:a16="http://schemas.microsoft.com/office/drawing/2014/main" val="1432259564"/>
-                    </a:ext>
-                  </a:extLst>
-                </a:gridCol>
-                <a:gridCol w="1385299">
-                  <a:extLst>
-                    <a:ext uri="{9D8B030D-6E8A-4147-A177-3AD203B41FA5}">
-                      <a16:colId xmlns:a16="http://schemas.microsoft.com/office/drawing/2014/main" val="142904687"/>
-                    </a:ext>
-                  </a:extLst>
-                </a:gridCol>
-                <a:gridCol w="1385299">
-                  <a:extLst>
-                    <a:ext uri="{9D8B030D-6E8A-4147-A177-3AD203B41FA5}">
-                      <a16:colId xmlns:a16="http://schemas.microsoft.com/office/drawing/2014/main" val="1677630447"/>
-                    </a:ext>
-                  </a:extLst>
-                </a:gridCol>
-              </a:tblGrid>
-              <a:tr h="254301">
-                <a:tc>
-                  <a:txBody>
-                    <a:bodyPr/>
-                    <a:lstStyle/>
-                    <a:p>
-                      <a:pPr algn="ctr"/>
-                      <a:r>
-                        <a:rPr lang="de-DE" sz="1200" dirty="0" err="1"/>
-                        <a:t>Introduction</a:t>
-                      </a:r>
-                      <a:endParaRPr lang="en-US" sz="1200" dirty="0"/>
-                    </a:p>
-                  </a:txBody>
-                  <a:tcPr>
-                    <a:solidFill>
-                      <a:srgbClr val="427CAC"/>
-                    </a:solidFill>
-                  </a:tcPr>
-                </a:tc>
-                <a:tc>
-                  <a:txBody>
-                    <a:bodyPr/>
-                    <a:lstStyle/>
-                    <a:p>
-                      <a:pPr algn="ctr"/>
-                      <a:r>
-                        <a:rPr lang="de-DE" sz="1200" dirty="0"/>
-                        <a:t>Main </a:t>
-                      </a:r>
-                      <a:r>
-                        <a:rPr lang="de-DE" sz="1200" dirty="0" err="1"/>
-                        <a:t>Article</a:t>
-                      </a:r>
-                      <a:endParaRPr lang="en-US" sz="1200" dirty="0"/>
-                    </a:p>
-                  </a:txBody>
-                  <a:tcPr>
-                    <a:solidFill>
-                      <a:srgbClr val="427CAC"/>
-                    </a:solidFill>
-                  </a:tcPr>
-                </a:tc>
-                <a:tc>
-                  <a:txBody>
-                    <a:bodyPr/>
-                    <a:lstStyle/>
-                    <a:p>
-                      <a:pPr algn="ctr"/>
-                      <a:r>
-                        <a:rPr lang="de-DE" sz="1200" dirty="0"/>
-                        <a:t>Research</a:t>
-                      </a:r>
-                      <a:endParaRPr lang="en-US" sz="1200" dirty="0"/>
-                    </a:p>
-                  </a:txBody>
-                  <a:tcPr>
-                    <a:solidFill>
-                      <a:srgbClr val="427CAC"/>
-                    </a:solidFill>
-                  </a:tcPr>
-                </a:tc>
-                <a:tc>
-                  <a:txBody>
-                    <a:bodyPr/>
-                    <a:lstStyle/>
-                    <a:p>
-                      <a:pPr algn="ctr"/>
-                      <a:r>
-                        <a:rPr lang="de-DE" sz="1200" dirty="0"/>
-                        <a:t>Side </a:t>
-                      </a:r>
-                      <a:r>
-                        <a:rPr lang="de-DE" sz="1200" dirty="0" err="1"/>
-                        <a:t>Article</a:t>
-                      </a:r>
-                      <a:endParaRPr lang="en-US" sz="1200" dirty="0"/>
-                    </a:p>
-                  </a:txBody>
-                  <a:tcPr>
-                    <a:solidFill>
-                      <a:srgbClr val="91C8F6"/>
-                    </a:solidFill>
-                  </a:tcPr>
-                </a:tc>
-                <a:tc>
-                  <a:txBody>
-                    <a:bodyPr/>
-                    <a:lstStyle/>
-                    <a:p>
-                      <a:pPr algn="ctr"/>
-                      <a:r>
-                        <a:rPr lang="de-DE" sz="1200" dirty="0" err="1"/>
-                        <a:t>Conclusion</a:t>
-                      </a:r>
-                      <a:endParaRPr lang="en-US" sz="1200" dirty="0"/>
-                    </a:p>
-                  </a:txBody>
-                  <a:tcPr>
-                    <a:solidFill>
-                      <a:srgbClr val="427CAC"/>
-                    </a:solidFill>
-                  </a:tcPr>
-                </a:tc>
-                <a:tc>
-                  <a:txBody>
-                    <a:bodyPr/>
-                    <a:lstStyle/>
-                    <a:p>
-                      <a:pPr marL="0" marR="0" lvl="0" indent="0" algn="ctr" defTabSz="914400" rtl="0" eaLnBrk="1" fontAlgn="auto" latinLnBrk="0" hangingPunct="1">
-                        <a:lnSpc>
-                          <a:spcPct val="100000"/>
-                        </a:lnSpc>
-                        <a:spcBef>
-                          <a:spcPts val="0"/>
-                        </a:spcBef>
-                        <a:spcAft>
-                          <a:spcPts val="0"/>
-                        </a:spcAft>
-                        <a:buClrTx/>
-                        <a:buSzTx/>
-                        <a:buFontTx/>
-                        <a:buNone/>
-                        <a:tabLst/>
-                        <a:defRPr/>
-                      </a:pPr>
-                      <a:r>
-                        <a:rPr lang="de-DE" sz="1200" dirty="0" err="1"/>
-                        <a:t>Questions</a:t>
-                      </a:r>
-                      <a:endParaRPr lang="en-US" sz="1200" dirty="0"/>
-                    </a:p>
-                  </a:txBody>
-                  <a:tcPr>
-                    <a:solidFill>
-                      <a:srgbClr val="427CAC"/>
-                    </a:solidFill>
-                  </a:tcPr>
-                </a:tc>
-                <a:extLst>
-                  <a:ext uri="{0D108BD9-81ED-4DB2-BD59-A6C34878D82A}">
-                    <a16:rowId xmlns:a16="http://schemas.microsoft.com/office/drawing/2014/main" val="393468701"/>
-                  </a:ext>
-                </a:extLst>
-              </a:tr>
-            </a:tbl>
-          </a:graphicData>
-        </a:graphic>
-      </p:graphicFrame>
+          <p:cNvSpPr/>
+          <p:nvPr/>
+        </p:nvSpPr>
+        <p:spPr>
+          <a:xfrm>
+            <a:off x="5892018" y="4951828"/>
+            <a:ext cx="407963" cy="492369"/>
+          </a:xfrm>
+          <a:prstGeom prst="downArrow">
+            <a:avLst/>
+          </a:prstGeom>
+        </p:spPr>
+        <p:style>
+          <a:lnRef idx="2">
+            <a:schemeClr val="accent1">
+              <a:shade val="50000"/>
+            </a:schemeClr>
+          </a:lnRef>
+          <a:fillRef idx="1">
+            <a:schemeClr val="accent1"/>
+          </a:fillRef>
+          <a:effectRef idx="0">
+            <a:schemeClr val="accent1"/>
+          </a:effectRef>
+          <a:fontRef idx="minor">
+            <a:schemeClr val="lt1"/>
+          </a:fontRef>
+        </p:style>
+        <p:txBody>
+          <a:bodyPr rtlCol="0" anchor="ctr"/>
+          <a:lstStyle/>
+          <a:p>
+            <a:pPr algn="ctr"/>
+            <a:endParaRPr lang="en-US"/>
+          </a:p>
+        </p:txBody>
+      </p:sp>
+      <p:sp>
+        <p:nvSpPr>
+          <p:cNvPr id="4" name="TextBox 3">
+            <a:extLst>
+              <a:ext uri="{FF2B5EF4-FFF2-40B4-BE49-F238E27FC236}">
+                <a16:creationId xmlns:a16="http://schemas.microsoft.com/office/drawing/2014/main" id="{62CA7903-4AA4-4BAA-830C-D517373914CA}"/>
+              </a:ext>
+            </a:extLst>
+          </p:cNvPr>
+          <p:cNvSpPr txBox="1"/>
+          <p:nvPr/>
+        </p:nvSpPr>
+        <p:spPr>
+          <a:xfrm>
+            <a:off x="4021456" y="5548970"/>
+            <a:ext cx="4149085" cy="523220"/>
+          </a:xfrm>
+          <a:prstGeom prst="rect">
+            <a:avLst/>
+          </a:prstGeom>
+          <a:noFill/>
+        </p:spPr>
+        <p:txBody>
+          <a:bodyPr wrap="none" rtlCol="0">
+            <a:spAutoFit/>
+          </a:bodyPr>
+          <a:lstStyle/>
+          <a:p>
+            <a:r>
+              <a:rPr lang="de-DE" sz="2800" dirty="0" err="1"/>
+              <a:t>Contract</a:t>
+            </a:r>
+            <a:r>
+              <a:rPr lang="de-DE" sz="2800" dirty="0"/>
+              <a:t> Transition System</a:t>
+            </a:r>
+            <a:endParaRPr lang="en-US" sz="2800" dirty="0"/>
+          </a:p>
+        </p:txBody>
+      </p:sp>
     </p:spTree>
     <p:extLst>
       <p:ext uri="{BB962C8B-B14F-4D97-AF65-F5344CB8AC3E}">
-        <p14:creationId xmlns:p14="http://schemas.microsoft.com/office/powerpoint/2010/main" val="858637980"/>
+        <p14:creationId xmlns:p14="http://schemas.microsoft.com/office/powerpoint/2010/main" val="421164093"/>
       </p:ext>
     </p:extLst>
   </p:cSld>
@@ -16122,9 +19063,266 @@
           </a:bodyPr>
           <a:lstStyle/>
           <a:p>
-            <a:r>
-              <a:rPr lang="en-US" sz="3600" dirty="0"/>
-              <a:t>Conclusion</a:t>
+            <a:pPr algn="ctr"/>
+            <a:r>
+              <a:rPr lang="en-US" sz="3600" b="1" dirty="0"/>
+              <a:t>An Automated Approach to System Testing based on Scenarios and Operations Contracts</a:t>
+            </a:r>
+          </a:p>
+        </p:txBody>
+      </p:sp>
+      <p:pic>
+        <p:nvPicPr>
+          <p:cNvPr id="2" name="Content Placeholder 1">
+            <a:extLst>
+              <a:ext uri="{FF2B5EF4-FFF2-40B4-BE49-F238E27FC236}">
+                <a16:creationId xmlns:a16="http://schemas.microsoft.com/office/drawing/2014/main" id="{3E51E8C4-3685-4CFD-B798-6B968833DEDE}"/>
+              </a:ext>
+            </a:extLst>
+          </p:cNvPr>
+          <p:cNvPicPr>
+            <a:picLocks noGrp="1" noChangeAspect="1"/>
+          </p:cNvPicPr>
+          <p:nvPr>
+            <p:ph idx="1"/>
+          </p:nvPr>
+        </p:nvPicPr>
+        <p:blipFill>
+          <a:blip r:embed="rId3"/>
+          <a:stretch>
+            <a:fillRect/>
+          </a:stretch>
+        </p:blipFill>
+        <p:spPr>
+          <a:xfrm>
+            <a:off x="5184661" y="1905370"/>
+            <a:ext cx="6830378" cy="1705213"/>
+          </a:xfrm>
+          <a:prstGeom prst="rect">
+            <a:avLst/>
+          </a:prstGeom>
+        </p:spPr>
+      </p:pic>
+      <p:pic>
+        <p:nvPicPr>
+          <p:cNvPr id="7" name="Picture 6">
+            <a:extLst>
+              <a:ext uri="{FF2B5EF4-FFF2-40B4-BE49-F238E27FC236}">
+                <a16:creationId xmlns:a16="http://schemas.microsoft.com/office/drawing/2014/main" id="{B82907E7-8FFA-406A-8CCF-77BBD2C52DF7}"/>
+              </a:ext>
+            </a:extLst>
+          </p:cNvPr>
+          <p:cNvPicPr>
+            <a:picLocks noChangeAspect="1"/>
+          </p:cNvPicPr>
+          <p:nvPr/>
+        </p:nvPicPr>
+        <p:blipFill>
+          <a:blip r:embed="rId4"/>
+          <a:stretch>
+            <a:fillRect/>
+          </a:stretch>
+        </p:blipFill>
+        <p:spPr>
+          <a:xfrm>
+            <a:off x="176961" y="1905370"/>
+            <a:ext cx="6830378" cy="4762918"/>
+          </a:xfrm>
+          <a:prstGeom prst="rect">
+            <a:avLst/>
+          </a:prstGeom>
+        </p:spPr>
+      </p:pic>
+    </p:spTree>
+    <p:extLst>
+      <p:ext uri="{BB962C8B-B14F-4D97-AF65-F5344CB8AC3E}">
+        <p14:creationId xmlns:p14="http://schemas.microsoft.com/office/powerpoint/2010/main" val="1442141624"/>
+      </p:ext>
+    </p:extLst>
+  </p:cSld>
+  <p:clrMapOvr>
+    <a:masterClrMapping/>
+  </p:clrMapOvr>
+</p:sld>
+</file>
+
+<file path=ppt/slides/slide18.xml><?xml version="1.0" encoding="utf-8"?>
+<p:sld xmlns:a="http://schemas.openxmlformats.org/drawingml/2006/main" xmlns:r="http://schemas.openxmlformats.org/officeDocument/2006/relationships" xmlns:p="http://schemas.openxmlformats.org/presentationml/2006/main">
+  <p:cSld>
+    <p:spTree>
+      <p:nvGrpSpPr>
+        <p:cNvPr id="1" name=""/>
+        <p:cNvGrpSpPr/>
+        <p:nvPr/>
+      </p:nvGrpSpPr>
+      <p:grpSpPr>
+        <a:xfrm>
+          <a:off x="0" y="0"/>
+          <a:ext cx="0" cy="0"/>
+          <a:chOff x="0" y="0"/>
+          <a:chExt cx="0" cy="0"/>
+        </a:xfrm>
+      </p:grpSpPr>
+      <p:sp>
+        <p:nvSpPr>
+          <p:cNvPr id="5" name="Title 1">
+            <a:extLst>
+              <a:ext uri="{FF2B5EF4-FFF2-40B4-BE49-F238E27FC236}">
+                <a16:creationId xmlns:a16="http://schemas.microsoft.com/office/drawing/2014/main" id="{0092A598-7249-4421-AACA-B13E17C8138B}"/>
+              </a:ext>
+            </a:extLst>
+          </p:cNvPr>
+          <p:cNvSpPr>
+            <a:spLocks noGrp="1"/>
+          </p:cNvSpPr>
+          <p:nvPr>
+            <p:ph type="title"/>
+          </p:nvPr>
+        </p:nvSpPr>
+        <p:spPr>
+          <a:xfrm>
+            <a:off x="838200" y="365125"/>
+            <a:ext cx="10515600" cy="1325563"/>
+          </a:xfrm>
+        </p:spPr>
+        <p:txBody>
+          <a:bodyPr>
+            <a:normAutofit/>
+          </a:bodyPr>
+          <a:lstStyle/>
+          <a:p>
+            <a:pPr algn="ctr"/>
+            <a:r>
+              <a:rPr lang="en-US" sz="3600" b="1" dirty="0"/>
+              <a:t>An Automated Approach to System Testing based on Scenarios and Operations Contracts</a:t>
+            </a:r>
+          </a:p>
+        </p:txBody>
+      </p:sp>
+      <p:pic>
+        <p:nvPicPr>
+          <p:cNvPr id="2" name="Content Placeholder 1">
+            <a:extLst>
+              <a:ext uri="{FF2B5EF4-FFF2-40B4-BE49-F238E27FC236}">
+                <a16:creationId xmlns:a16="http://schemas.microsoft.com/office/drawing/2014/main" id="{3E51E8C4-3685-4CFD-B798-6B968833DEDE}"/>
+              </a:ext>
+            </a:extLst>
+          </p:cNvPr>
+          <p:cNvPicPr>
+            <a:picLocks noGrp="1" noChangeAspect="1"/>
+          </p:cNvPicPr>
+          <p:nvPr>
+            <p:ph idx="1"/>
+          </p:nvPr>
+        </p:nvPicPr>
+        <p:blipFill>
+          <a:blip r:embed="rId3"/>
+          <a:stretch>
+            <a:fillRect/>
+          </a:stretch>
+        </p:blipFill>
+        <p:spPr>
+          <a:xfrm>
+            <a:off x="2680810" y="2134472"/>
+            <a:ext cx="6830378" cy="1705213"/>
+          </a:xfrm>
+          <a:prstGeom prst="rect">
+            <a:avLst/>
+          </a:prstGeom>
+        </p:spPr>
+      </p:pic>
+      <p:pic>
+        <p:nvPicPr>
+          <p:cNvPr id="4" name="Picture 3">
+            <a:extLst>
+              <a:ext uri="{FF2B5EF4-FFF2-40B4-BE49-F238E27FC236}">
+                <a16:creationId xmlns:a16="http://schemas.microsoft.com/office/drawing/2014/main" id="{933DFA1B-A5F2-48C8-BE79-BFC573A312A7}"/>
+              </a:ext>
+            </a:extLst>
+          </p:cNvPr>
+          <p:cNvPicPr>
+            <a:picLocks noChangeAspect="1"/>
+          </p:cNvPicPr>
+          <p:nvPr/>
+        </p:nvPicPr>
+        <p:blipFill>
+          <a:blip r:embed="rId4"/>
+          <a:stretch>
+            <a:fillRect/>
+          </a:stretch>
+        </p:blipFill>
+        <p:spPr>
+          <a:xfrm>
+            <a:off x="631117" y="4526775"/>
+            <a:ext cx="10929765" cy="1948518"/>
+          </a:xfrm>
+          <a:prstGeom prst="rect">
+            <a:avLst/>
+          </a:prstGeom>
+        </p:spPr>
+      </p:pic>
+    </p:spTree>
+    <p:extLst>
+      <p:ext uri="{BB962C8B-B14F-4D97-AF65-F5344CB8AC3E}">
+        <p14:creationId xmlns:p14="http://schemas.microsoft.com/office/powerpoint/2010/main" val="2656547388"/>
+      </p:ext>
+    </p:extLst>
+  </p:cSld>
+  <p:clrMapOvr>
+    <a:masterClrMapping/>
+  </p:clrMapOvr>
+</p:sld>
+</file>
+
+<file path=ppt/slides/slide19.xml><?xml version="1.0" encoding="utf-8"?>
+<p:sld xmlns:a="http://schemas.openxmlformats.org/drawingml/2006/main" xmlns:r="http://schemas.openxmlformats.org/officeDocument/2006/relationships" xmlns:p="http://schemas.openxmlformats.org/presentationml/2006/main">
+  <p:cSld>
+    <p:spTree>
+      <p:nvGrpSpPr>
+        <p:cNvPr id="1" name=""/>
+        <p:cNvGrpSpPr/>
+        <p:nvPr/>
+      </p:nvGrpSpPr>
+      <p:grpSpPr>
+        <a:xfrm>
+          <a:off x="0" y="0"/>
+          <a:ext cx="0" cy="0"/>
+          <a:chOff x="0" y="0"/>
+          <a:chExt cx="0" cy="0"/>
+        </a:xfrm>
+      </p:grpSpPr>
+      <p:sp>
+        <p:nvSpPr>
+          <p:cNvPr id="5" name="Title 1">
+            <a:extLst>
+              <a:ext uri="{FF2B5EF4-FFF2-40B4-BE49-F238E27FC236}">
+                <a16:creationId xmlns:a16="http://schemas.microsoft.com/office/drawing/2014/main" id="{0092A598-7249-4421-AACA-B13E17C8138B}"/>
+              </a:ext>
+            </a:extLst>
+          </p:cNvPr>
+          <p:cNvSpPr>
+            <a:spLocks noGrp="1"/>
+          </p:cNvSpPr>
+          <p:nvPr>
+            <p:ph type="title"/>
+          </p:nvPr>
+        </p:nvSpPr>
+        <p:spPr>
+          <a:xfrm>
+            <a:off x="838200" y="365125"/>
+            <a:ext cx="10515600" cy="1325563"/>
+          </a:xfrm>
+        </p:spPr>
+        <p:txBody>
+          <a:bodyPr>
+            <a:normAutofit/>
+          </a:bodyPr>
+          <a:lstStyle/>
+          <a:p>
+            <a:pPr algn="ctr"/>
+            <a:r>
+              <a:rPr lang="en-US" sz="3600" b="1" dirty="0"/>
+              <a:t>An Automated Approach to System Testing based on Scenarios and Operations Contracts</a:t>
             </a:r>
           </a:p>
         </p:txBody>
@@ -16152,32 +19350,779 @@
           </a:xfrm>
         </p:spPr>
         <p:txBody>
+          <a:bodyPr>
+            <a:normAutofit fontScale="92500"/>
+          </a:bodyPr>
+          <a:lstStyle/>
+          <a:p>
+            <a:r>
+              <a:rPr lang="de-DE" dirty="0"/>
+              <a:t>Test </a:t>
+            </a:r>
+            <a:r>
+              <a:rPr lang="de-DE" dirty="0" err="1"/>
+              <a:t>paths</a:t>
+            </a:r>
+            <a:r>
+              <a:rPr lang="de-DE" dirty="0"/>
+              <a:t> </a:t>
+            </a:r>
+            <a:r>
+              <a:rPr lang="de-DE" dirty="0" err="1"/>
+              <a:t>are</a:t>
+            </a:r>
+            <a:r>
+              <a:rPr lang="de-DE" dirty="0"/>
+              <a:t> </a:t>
+            </a:r>
+            <a:r>
+              <a:rPr lang="de-DE" dirty="0" err="1"/>
+              <a:t>derived</a:t>
+            </a:r>
+            <a:r>
+              <a:rPr lang="de-DE" dirty="0"/>
+              <a:t> </a:t>
+            </a:r>
+            <a:r>
+              <a:rPr lang="de-DE" dirty="0" err="1"/>
+              <a:t>by</a:t>
+            </a:r>
+            <a:r>
+              <a:rPr lang="de-DE" dirty="0"/>
+              <a:t> </a:t>
+            </a:r>
+            <a:r>
+              <a:rPr lang="de-DE" dirty="0" err="1"/>
+              <a:t>path</a:t>
+            </a:r>
+            <a:r>
+              <a:rPr lang="de-DE" dirty="0"/>
+              <a:t> </a:t>
+            </a:r>
+            <a:r>
+              <a:rPr lang="de-DE" dirty="0" err="1"/>
+              <a:t>traversals</a:t>
+            </a:r>
+            <a:r>
+              <a:rPr lang="de-DE" dirty="0"/>
+              <a:t> </a:t>
+            </a:r>
+            <a:r>
+              <a:rPr lang="de-DE" dirty="0" err="1"/>
+              <a:t>from</a:t>
+            </a:r>
+            <a:r>
+              <a:rPr lang="de-DE" dirty="0"/>
+              <a:t> </a:t>
+            </a:r>
+            <a:r>
+              <a:rPr lang="de-DE" dirty="0" err="1"/>
+              <a:t>the</a:t>
+            </a:r>
+            <a:r>
+              <a:rPr lang="de-DE" dirty="0"/>
+              <a:t> </a:t>
+            </a:r>
+            <a:r>
+              <a:rPr lang="de-DE" dirty="0" err="1"/>
+              <a:t>inital</a:t>
+            </a:r>
+            <a:r>
+              <a:rPr lang="de-DE" dirty="0"/>
+              <a:t> </a:t>
+            </a:r>
+            <a:r>
+              <a:rPr lang="de-DE" dirty="0" err="1"/>
+              <a:t>node</a:t>
+            </a:r>
+            <a:r>
+              <a:rPr lang="de-DE" dirty="0"/>
+              <a:t> </a:t>
+            </a:r>
+            <a:r>
+              <a:rPr lang="de-DE" dirty="0" err="1"/>
+              <a:t>to</a:t>
+            </a:r>
+            <a:r>
+              <a:rPr lang="de-DE" dirty="0"/>
+              <a:t> </a:t>
+            </a:r>
+            <a:r>
+              <a:rPr lang="de-DE" dirty="0" err="1"/>
+              <a:t>the</a:t>
+            </a:r>
+            <a:r>
+              <a:rPr lang="de-DE" dirty="0"/>
+              <a:t> final </a:t>
+            </a:r>
+            <a:r>
+              <a:rPr lang="de-DE" dirty="0" err="1"/>
+              <a:t>node</a:t>
+            </a:r>
+            <a:r>
+              <a:rPr lang="de-DE" dirty="0"/>
+              <a:t> and </a:t>
+            </a:r>
+            <a:r>
+              <a:rPr lang="de-DE" dirty="0" err="1"/>
+              <a:t>by</a:t>
+            </a:r>
+            <a:r>
+              <a:rPr lang="de-DE" dirty="0"/>
+              <a:t> </a:t>
+            </a:r>
+            <a:r>
+              <a:rPr lang="de-DE" dirty="0" err="1"/>
+              <a:t>taking</a:t>
+            </a:r>
+            <a:r>
+              <a:rPr lang="de-DE" dirty="0"/>
+              <a:t> </a:t>
+            </a:r>
+            <a:r>
+              <a:rPr lang="de-DE" dirty="0" err="1"/>
+              <a:t>into</a:t>
+            </a:r>
+            <a:r>
+              <a:rPr lang="de-DE" dirty="0"/>
+              <a:t> </a:t>
+            </a:r>
+            <a:r>
+              <a:rPr lang="de-DE" dirty="0" err="1"/>
+              <a:t>account</a:t>
+            </a:r>
+            <a:r>
+              <a:rPr lang="de-DE" dirty="0"/>
+              <a:t> a </a:t>
+            </a:r>
+            <a:r>
+              <a:rPr lang="de-DE" dirty="0" err="1"/>
+              <a:t>specific</a:t>
+            </a:r>
+            <a:r>
+              <a:rPr lang="de-DE" dirty="0"/>
+              <a:t> </a:t>
+            </a:r>
+            <a:r>
+              <a:rPr lang="de-DE" dirty="0" err="1"/>
+              <a:t>coverage</a:t>
+            </a:r>
+            <a:r>
+              <a:rPr lang="de-DE" dirty="0"/>
+              <a:t> </a:t>
+            </a:r>
+            <a:r>
+              <a:rPr lang="de-DE" dirty="0" err="1"/>
+              <a:t>criterion</a:t>
+            </a:r>
+            <a:endParaRPr lang="de-DE" dirty="0"/>
+          </a:p>
+          <a:p>
+            <a:pPr lvl="1"/>
+            <a:r>
+              <a:rPr lang="de-DE" dirty="0"/>
+              <a:t>Transition </a:t>
+            </a:r>
+            <a:r>
+              <a:rPr lang="de-DE" dirty="0" err="1"/>
+              <a:t>coverage</a:t>
+            </a:r>
+            <a:endParaRPr lang="de-DE" dirty="0"/>
+          </a:p>
+          <a:p>
+            <a:pPr lvl="1"/>
+            <a:r>
+              <a:rPr lang="de-DE" dirty="0"/>
+              <a:t>State </a:t>
+            </a:r>
+            <a:r>
+              <a:rPr lang="de-DE" dirty="0" err="1"/>
+              <a:t>coverage</a:t>
+            </a:r>
+            <a:endParaRPr lang="de-DE" dirty="0"/>
+          </a:p>
+          <a:p>
+            <a:pPr lvl="1"/>
+            <a:r>
+              <a:rPr lang="de-DE" dirty="0"/>
+              <a:t>Transition pair </a:t>
+            </a:r>
+            <a:r>
+              <a:rPr lang="de-DE" dirty="0" err="1"/>
+              <a:t>coverage</a:t>
+            </a:r>
+            <a:endParaRPr lang="de-DE" dirty="0"/>
+          </a:p>
+          <a:p>
+            <a:pPr marL="0" indent="0">
+              <a:buNone/>
+            </a:pPr>
+            <a:r>
+              <a:rPr lang="de-DE" b="1" u="sng" dirty="0"/>
+              <a:t>Evaluation</a:t>
+            </a:r>
+          </a:p>
+          <a:p>
+            <a:r>
+              <a:rPr lang="de-DE" dirty="0"/>
+              <a:t>State </a:t>
+            </a:r>
+            <a:r>
+              <a:rPr lang="de-DE" dirty="0" err="1"/>
+              <a:t>coverage</a:t>
+            </a:r>
+            <a:r>
+              <a:rPr lang="de-DE" dirty="0"/>
+              <a:t> </a:t>
+            </a:r>
+            <a:r>
+              <a:rPr lang="de-DE" dirty="0" err="1"/>
+              <a:t>criterion</a:t>
+            </a:r>
+            <a:r>
+              <a:rPr lang="de-DE" dirty="0"/>
+              <a:t>: all </a:t>
+            </a:r>
+            <a:r>
+              <a:rPr lang="de-DE" dirty="0" err="1"/>
+              <a:t>success</a:t>
+            </a:r>
+            <a:r>
+              <a:rPr lang="de-DE" dirty="0"/>
+              <a:t> </a:t>
+            </a:r>
+            <a:r>
+              <a:rPr lang="de-DE" dirty="0" err="1"/>
+              <a:t>scenarios</a:t>
+            </a:r>
+            <a:r>
+              <a:rPr lang="de-DE" dirty="0"/>
+              <a:t> </a:t>
+            </a:r>
+            <a:r>
+              <a:rPr lang="de-DE" dirty="0" err="1"/>
+              <a:t>get</a:t>
+            </a:r>
+            <a:r>
+              <a:rPr lang="de-DE" dirty="0"/>
+              <a:t> </a:t>
+            </a:r>
+            <a:r>
+              <a:rPr lang="de-DE" dirty="0" err="1"/>
+              <a:t>captured</a:t>
+            </a:r>
+            <a:endParaRPr lang="de-DE" dirty="0"/>
+          </a:p>
+          <a:p>
+            <a:r>
+              <a:rPr lang="de-DE" dirty="0"/>
+              <a:t>Transition </a:t>
+            </a:r>
+            <a:r>
+              <a:rPr lang="de-DE" dirty="0" err="1"/>
+              <a:t>coverage</a:t>
+            </a:r>
+            <a:r>
+              <a:rPr lang="de-DE" dirty="0"/>
+              <a:t> </a:t>
+            </a:r>
+            <a:r>
+              <a:rPr lang="de-DE" dirty="0" err="1"/>
+              <a:t>criterion</a:t>
+            </a:r>
+            <a:r>
+              <a:rPr lang="de-DE" dirty="0"/>
+              <a:t>: </a:t>
+            </a:r>
+            <a:r>
+              <a:rPr lang="de-DE" dirty="0" err="1"/>
+              <a:t>reasonable</a:t>
+            </a:r>
+            <a:r>
+              <a:rPr lang="de-DE" dirty="0"/>
+              <a:t> #</a:t>
+            </a:r>
+            <a:r>
+              <a:rPr lang="de-DE" dirty="0" err="1"/>
+              <a:t>test</a:t>
+            </a:r>
+            <a:r>
+              <a:rPr lang="de-DE" dirty="0"/>
+              <a:t> </a:t>
+            </a:r>
+            <a:r>
+              <a:rPr lang="de-DE" dirty="0" err="1"/>
+              <a:t>paths</a:t>
+            </a:r>
+            <a:r>
+              <a:rPr lang="de-DE" dirty="0"/>
+              <a:t>, but not </a:t>
+            </a:r>
+            <a:r>
+              <a:rPr lang="de-DE" dirty="0" err="1"/>
+              <a:t>suitable</a:t>
+            </a:r>
+            <a:r>
+              <a:rPr lang="de-DE" dirty="0"/>
+              <a:t> </a:t>
+            </a:r>
+            <a:r>
+              <a:rPr lang="de-DE" dirty="0" err="1"/>
+              <a:t>for</a:t>
+            </a:r>
+            <a:r>
+              <a:rPr lang="de-DE" dirty="0"/>
+              <a:t> fault </a:t>
+            </a:r>
+            <a:r>
+              <a:rPr lang="de-DE" dirty="0" err="1"/>
+              <a:t>detection</a:t>
+            </a:r>
+            <a:r>
+              <a:rPr lang="de-DE" dirty="0"/>
+              <a:t> </a:t>
+            </a:r>
+            <a:r>
+              <a:rPr lang="de-DE" dirty="0" err="1"/>
+              <a:t>every</a:t>
+            </a:r>
+            <a:r>
+              <a:rPr lang="de-DE" dirty="0"/>
+              <a:t> time</a:t>
+            </a:r>
+          </a:p>
+          <a:p>
+            <a:r>
+              <a:rPr lang="de-DE" dirty="0"/>
+              <a:t>Transition pair </a:t>
+            </a:r>
+            <a:r>
+              <a:rPr lang="de-DE" dirty="0" err="1"/>
+              <a:t>coverage</a:t>
+            </a:r>
+            <a:r>
+              <a:rPr lang="de-DE" dirty="0"/>
+              <a:t> </a:t>
+            </a:r>
+            <a:r>
+              <a:rPr lang="de-DE" dirty="0" err="1"/>
+              <a:t>criterion</a:t>
+            </a:r>
+            <a:r>
+              <a:rPr lang="de-DE" dirty="0"/>
+              <a:t> </a:t>
+            </a:r>
+            <a:r>
+              <a:rPr lang="de-DE" dirty="0" err="1"/>
+              <a:t>guarantees</a:t>
+            </a:r>
+            <a:r>
+              <a:rPr lang="de-DE" dirty="0"/>
+              <a:t> </a:t>
+            </a:r>
+            <a:r>
+              <a:rPr lang="de-DE" dirty="0" err="1"/>
+              <a:t>maximum</a:t>
+            </a:r>
+            <a:r>
+              <a:rPr lang="de-DE" dirty="0"/>
+              <a:t> fault </a:t>
+            </a:r>
+            <a:r>
+              <a:rPr lang="de-DE" dirty="0" err="1"/>
+              <a:t>detection</a:t>
+            </a:r>
+            <a:endParaRPr lang="en-US" dirty="0"/>
+          </a:p>
+        </p:txBody>
+      </p:sp>
+    </p:spTree>
+    <p:extLst>
+      <p:ext uri="{BB962C8B-B14F-4D97-AF65-F5344CB8AC3E}">
+        <p14:creationId xmlns:p14="http://schemas.microsoft.com/office/powerpoint/2010/main" val="858637980"/>
+      </p:ext>
+    </p:extLst>
+  </p:cSld>
+  <p:clrMapOvr>
+    <a:masterClrMapping/>
+  </p:clrMapOvr>
+</p:sld>
+</file>
+
+<file path=ppt/slides/slide2.xml><?xml version="1.0" encoding="utf-8"?>
+<p:sld xmlns:a="http://schemas.openxmlformats.org/drawingml/2006/main" xmlns:r="http://schemas.openxmlformats.org/officeDocument/2006/relationships" xmlns:p="http://schemas.openxmlformats.org/presentationml/2006/main">
+  <p:cSld>
+    <p:spTree>
+      <p:nvGrpSpPr>
+        <p:cNvPr id="1" name=""/>
+        <p:cNvGrpSpPr/>
+        <p:nvPr/>
+      </p:nvGrpSpPr>
+      <p:grpSpPr>
+        <a:xfrm>
+          <a:off x="0" y="0"/>
+          <a:ext cx="0" cy="0"/>
+          <a:chOff x="0" y="0"/>
+          <a:chExt cx="0" cy="0"/>
+        </a:xfrm>
+      </p:grpSpPr>
+      <p:sp>
+        <p:nvSpPr>
+          <p:cNvPr id="5" name="Title 1">
+            <a:extLst>
+              <a:ext uri="{FF2B5EF4-FFF2-40B4-BE49-F238E27FC236}">
+                <a16:creationId xmlns:a16="http://schemas.microsoft.com/office/drawing/2014/main" id="{132BA01D-8926-40FC-B935-BA45B821F624}"/>
+              </a:ext>
+            </a:extLst>
+          </p:cNvPr>
+          <p:cNvSpPr>
+            <a:spLocks noGrp="1"/>
+          </p:cNvSpPr>
+          <p:nvPr>
+            <p:ph type="title"/>
+          </p:nvPr>
+        </p:nvSpPr>
+        <p:spPr/>
+        <p:txBody>
+          <a:bodyPr>
+            <a:normAutofit/>
+          </a:bodyPr>
+          <a:lstStyle/>
+          <a:p>
+            <a:r>
+              <a:rPr lang="de-DE" sz="3600" b="1" dirty="0"/>
+              <a:t>Agenda</a:t>
+            </a:r>
+            <a:endParaRPr lang="en-US" sz="3600" b="1" dirty="0"/>
+          </a:p>
+        </p:txBody>
+      </p:sp>
+      <p:sp>
+        <p:nvSpPr>
+          <p:cNvPr id="2" name="Content Placeholder 1">
+            <a:extLst>
+              <a:ext uri="{FF2B5EF4-FFF2-40B4-BE49-F238E27FC236}">
+                <a16:creationId xmlns:a16="http://schemas.microsoft.com/office/drawing/2014/main" id="{1A7EA08D-592D-4C6A-A705-8B4BEA4CBCE4}"/>
+              </a:ext>
+            </a:extLst>
+          </p:cNvPr>
+          <p:cNvSpPr>
+            <a:spLocks noGrp="1"/>
+          </p:cNvSpPr>
+          <p:nvPr>
+            <p:ph idx="1"/>
+          </p:nvPr>
+        </p:nvSpPr>
+        <p:spPr/>
+        <p:txBody>
           <a:bodyPr/>
           <a:lstStyle/>
           <a:p>
-            <a:r>
-              <a:rPr lang="de-DE" dirty="0" err="1"/>
-              <a:t>Both</a:t>
-            </a:r>
-            <a:r>
-              <a:rPr lang="de-DE" dirty="0"/>
-              <a:t> </a:t>
-            </a:r>
-            <a:r>
-              <a:rPr lang="de-DE" dirty="0" err="1"/>
-              <a:t>papers</a:t>
-            </a:r>
-            <a:r>
-              <a:rPr lang="de-DE" dirty="0"/>
-              <a:t> </a:t>
-            </a:r>
-            <a:r>
-              <a:rPr lang="de-DE" dirty="0" err="1"/>
-              <a:t>address</a:t>
-            </a:r>
-            <a:r>
-              <a:rPr lang="de-DE" dirty="0"/>
-              <a:t> </a:t>
+            <a:pPr marL="514350" indent="-514350">
+              <a:buFont typeface="+mj-lt"/>
+              <a:buAutoNum type="arabicPeriod"/>
+            </a:pPr>
+            <a:r>
+              <a:rPr lang="de-DE" dirty="0"/>
+              <a:t>The Problem</a:t>
+            </a:r>
+          </a:p>
+          <a:p>
+            <a:pPr marL="514350" indent="-514350">
+              <a:buFont typeface="+mj-lt"/>
+              <a:buAutoNum type="arabicPeriod"/>
+            </a:pPr>
+            <a:r>
+              <a:rPr lang="de-DE" dirty="0" err="1"/>
+              <a:t>Automatic</a:t>
+            </a:r>
+            <a:r>
+              <a:rPr lang="de-DE" dirty="0"/>
+              <a:t> Test Generation: A Use Case </a:t>
+            </a:r>
+            <a:r>
+              <a:rPr lang="de-DE" dirty="0" err="1"/>
+              <a:t>Driven</a:t>
+            </a:r>
+            <a:r>
+              <a:rPr lang="de-DE" dirty="0"/>
+              <a:t> Approach [1]</a:t>
+            </a:r>
+          </a:p>
+          <a:p>
+            <a:pPr marL="514350" indent="-514350">
+              <a:buFont typeface="+mj-lt"/>
+              <a:buAutoNum type="arabicPeriod"/>
+            </a:pPr>
+            <a:r>
+              <a:rPr lang="de-DE" dirty="0"/>
+              <a:t>An </a:t>
+            </a:r>
+            <a:r>
+              <a:rPr lang="de-DE" dirty="0" err="1"/>
+              <a:t>Automatic</a:t>
+            </a:r>
+            <a:r>
+              <a:rPr lang="de-DE" dirty="0"/>
+              <a:t> Approach </a:t>
+            </a:r>
+            <a:r>
+              <a:rPr lang="de-DE" dirty="0" err="1"/>
+              <a:t>to</a:t>
+            </a:r>
+            <a:r>
+              <a:rPr lang="de-DE" dirty="0"/>
+              <a:t> System </a:t>
+            </a:r>
+            <a:r>
+              <a:rPr lang="de-DE" dirty="0" err="1"/>
+              <a:t>Testing</a:t>
+            </a:r>
+            <a:r>
+              <a:rPr lang="de-DE" dirty="0"/>
+              <a:t> </a:t>
+            </a:r>
+            <a:r>
+              <a:rPr lang="de-DE" dirty="0" err="1"/>
+              <a:t>based</a:t>
+            </a:r>
+            <a:r>
+              <a:rPr lang="de-DE" dirty="0"/>
+              <a:t> on Scenarios and </a:t>
+            </a:r>
+            <a:r>
+              <a:rPr lang="de-DE" dirty="0" err="1"/>
+              <a:t>Operations</a:t>
+            </a:r>
+            <a:r>
+              <a:rPr lang="de-DE" dirty="0"/>
+              <a:t> </a:t>
+            </a:r>
+            <a:r>
+              <a:rPr lang="de-DE" dirty="0" err="1"/>
+              <a:t>Contracts</a:t>
+            </a:r>
+            <a:r>
+              <a:rPr lang="de-DE" dirty="0"/>
+              <a:t> [2]</a:t>
+            </a:r>
+          </a:p>
+          <a:p>
+            <a:pPr marL="514350" indent="-514350">
+              <a:buFont typeface="+mj-lt"/>
+              <a:buAutoNum type="arabicPeriod"/>
+            </a:pPr>
+            <a:r>
+              <a:rPr lang="de-DE" dirty="0" err="1"/>
+              <a:t>Comparison</a:t>
+            </a:r>
+            <a:endParaRPr lang="de-DE" dirty="0"/>
+          </a:p>
+          <a:p>
+            <a:pPr marL="514350" indent="-514350">
+              <a:buFont typeface="+mj-lt"/>
+              <a:buAutoNum type="arabicPeriod"/>
+            </a:pPr>
+            <a:r>
+              <a:rPr lang="de-DE" dirty="0" err="1"/>
+              <a:t>Conclusion</a:t>
+            </a:r>
+            <a:endParaRPr lang="de-DE" dirty="0"/>
+          </a:p>
+          <a:p>
+            <a:pPr marL="514350" indent="-514350">
+              <a:buFont typeface="+mj-lt"/>
+              <a:buAutoNum type="arabicPeriod"/>
+            </a:pPr>
+            <a:r>
+              <a:rPr lang="de-DE" dirty="0" err="1"/>
+              <a:t>Discussion</a:t>
+            </a:r>
+            <a:r>
+              <a:rPr lang="de-DE" dirty="0"/>
+              <a:t> (Interactive)</a:t>
+            </a:r>
+          </a:p>
+        </p:txBody>
+      </p:sp>
+    </p:spTree>
+    <p:extLst>
+      <p:ext uri="{BB962C8B-B14F-4D97-AF65-F5344CB8AC3E}">
+        <p14:creationId xmlns:p14="http://schemas.microsoft.com/office/powerpoint/2010/main" val="3775758835"/>
+      </p:ext>
+    </p:extLst>
+  </p:cSld>
+  <p:clrMapOvr>
+    <a:masterClrMapping/>
+  </p:clrMapOvr>
+</p:sld>
+</file>
+
+<file path=ppt/slides/slide20.xml><?xml version="1.0" encoding="utf-8"?>
+<p:sld xmlns:a="http://schemas.openxmlformats.org/drawingml/2006/main" xmlns:r="http://schemas.openxmlformats.org/officeDocument/2006/relationships" xmlns:p="http://schemas.openxmlformats.org/presentationml/2006/main">
+  <p:cSld>
+    <p:spTree>
+      <p:nvGrpSpPr>
+        <p:cNvPr id="1" name=""/>
+        <p:cNvGrpSpPr/>
+        <p:nvPr/>
+      </p:nvGrpSpPr>
+      <p:grpSpPr>
+        <a:xfrm>
+          <a:off x="0" y="0"/>
+          <a:ext cx="0" cy="0"/>
+          <a:chOff x="0" y="0"/>
+          <a:chExt cx="0" cy="0"/>
+        </a:xfrm>
+      </p:grpSpPr>
+      <p:sp>
+        <p:nvSpPr>
+          <p:cNvPr id="5" name="Title 1">
+            <a:extLst>
+              <a:ext uri="{FF2B5EF4-FFF2-40B4-BE49-F238E27FC236}">
+                <a16:creationId xmlns:a16="http://schemas.microsoft.com/office/drawing/2014/main" id="{0092A598-7249-4421-AACA-B13E17C8138B}"/>
+              </a:ext>
+            </a:extLst>
+          </p:cNvPr>
+          <p:cNvSpPr>
+            <a:spLocks noGrp="1"/>
+          </p:cNvSpPr>
+          <p:nvPr>
+            <p:ph type="title"/>
+          </p:nvPr>
+        </p:nvSpPr>
+        <p:spPr>
+          <a:xfrm>
+            <a:off x="838200" y="365125"/>
+            <a:ext cx="10515600" cy="1325563"/>
+          </a:xfrm>
+        </p:spPr>
+        <p:txBody>
+          <a:bodyPr>
+            <a:normAutofit/>
+          </a:bodyPr>
+          <a:lstStyle/>
+          <a:p>
+            <a:pPr algn="ctr"/>
+            <a:r>
+              <a:rPr lang="en-US" sz="3600" b="1" dirty="0"/>
+              <a:t>Comparison</a:t>
+            </a:r>
+          </a:p>
+        </p:txBody>
+      </p:sp>
+      <p:sp>
+        <p:nvSpPr>
+          <p:cNvPr id="3" name="Content Placeholder 2">
+            <a:extLst>
+              <a:ext uri="{FF2B5EF4-FFF2-40B4-BE49-F238E27FC236}">
+                <a16:creationId xmlns:a16="http://schemas.microsoft.com/office/drawing/2014/main" id="{A20A1EAB-DEE8-4A3A-909C-F348B99BABE0}"/>
+              </a:ext>
+            </a:extLst>
+          </p:cNvPr>
+          <p:cNvSpPr>
+            <a:spLocks noGrp="1"/>
+          </p:cNvSpPr>
+          <p:nvPr>
+            <p:ph idx="1"/>
+          </p:nvPr>
+        </p:nvSpPr>
+        <p:spPr>
+          <a:xfrm>
+            <a:off x="838200" y="1825625"/>
+            <a:ext cx="10515600" cy="4351338"/>
+          </a:xfrm>
+        </p:spPr>
+        <p:txBody>
+          <a:bodyPr>
+            <a:normAutofit lnSpcReduction="10000"/>
+          </a:bodyPr>
+          <a:lstStyle/>
+          <a:p>
+            <a:pPr marL="0" indent="0">
+              <a:buNone/>
+            </a:pPr>
+            <a:r>
+              <a:rPr lang="de-DE" sz="3200" b="1" u="sng" dirty="0" err="1"/>
+              <a:t>Similarities</a:t>
+            </a:r>
+            <a:endParaRPr lang="de-DE" b="1" u="sng" dirty="0"/>
+          </a:p>
+          <a:p>
+            <a:r>
+              <a:rPr lang="de-DE" b="1" dirty="0"/>
+              <a:t>Transition </a:t>
+            </a:r>
+            <a:r>
+              <a:rPr lang="de-DE" b="1" dirty="0" err="1"/>
+              <a:t>system</a:t>
+            </a:r>
+            <a:r>
+              <a:rPr lang="de-DE" dirty="0"/>
+              <a:t> </a:t>
+            </a:r>
+            <a:r>
+              <a:rPr lang="de-DE" dirty="0" err="1"/>
+              <a:t>as</a:t>
+            </a:r>
+            <a:r>
+              <a:rPr lang="de-DE" dirty="0"/>
+              <a:t> a </a:t>
+            </a:r>
+            <a:r>
+              <a:rPr lang="de-DE" dirty="0" err="1"/>
+              <a:t>core</a:t>
+            </a:r>
+            <a:r>
+              <a:rPr lang="de-DE" dirty="0"/>
+              <a:t> </a:t>
+            </a:r>
+            <a:r>
+              <a:rPr lang="de-DE" dirty="0" err="1"/>
+              <a:t>component</a:t>
+            </a:r>
+            <a:endParaRPr lang="de-DE" dirty="0"/>
+          </a:p>
+          <a:p>
+            <a:r>
+              <a:rPr lang="de-DE" b="1" dirty="0" err="1"/>
+              <a:t>Contracts</a:t>
+            </a:r>
+            <a:r>
+              <a:rPr lang="de-DE" dirty="0"/>
+              <a:t> </a:t>
+            </a:r>
+            <a:r>
+              <a:rPr lang="de-DE" dirty="0" err="1"/>
+              <a:t>used</a:t>
+            </a:r>
+            <a:r>
+              <a:rPr lang="de-DE" dirty="0"/>
+              <a:t> </a:t>
+            </a:r>
+            <a:r>
+              <a:rPr lang="de-DE" dirty="0" err="1"/>
+              <a:t>to</a:t>
+            </a:r>
+            <a:r>
+              <a:rPr lang="de-DE" dirty="0"/>
+              <a:t> </a:t>
+            </a:r>
+            <a:r>
+              <a:rPr lang="de-DE" dirty="0" err="1"/>
+              <a:t>define</a:t>
+            </a:r>
+            <a:r>
+              <a:rPr lang="de-DE" dirty="0"/>
+              <a:t> </a:t>
+            </a:r>
+            <a:r>
+              <a:rPr lang="de-DE" b="1" dirty="0" err="1"/>
+              <a:t>states</a:t>
+            </a:r>
+            <a:r>
+              <a:rPr lang="de-DE" dirty="0"/>
+              <a:t> in </a:t>
             </a:r>
             <a:r>
               <a:rPr lang="de-DE" dirty="0" err="1"/>
@@ -16189,166 +20134,46 @@
             </a:r>
             <a:r>
               <a:rPr lang="de-DE" dirty="0" err="1"/>
-              <a:t>traceability</a:t>
-            </a:r>
-            <a:r>
-              <a:rPr lang="de-DE" dirty="0"/>
-              <a:t> </a:t>
-            </a:r>
-            <a:r>
-              <a:rPr lang="de-DE" dirty="0" err="1"/>
-              <a:t>problems</a:t>
-            </a:r>
-            <a:r>
-              <a:rPr lang="de-DE" dirty="0"/>
-              <a:t> </a:t>
-            </a:r>
-            <a:r>
-              <a:rPr lang="de-DE" dirty="0" err="1"/>
-              <a:t>between</a:t>
-            </a:r>
-            <a:r>
-              <a:rPr lang="de-DE" dirty="0"/>
-              <a:t> high-level </a:t>
-            </a:r>
-            <a:r>
-              <a:rPr lang="de-DE" dirty="0" err="1"/>
-              <a:t>views</a:t>
-            </a:r>
-            <a:r>
-              <a:rPr lang="de-DE" dirty="0"/>
-              <a:t> and </a:t>
-            </a:r>
-            <a:r>
-              <a:rPr lang="de-DE" dirty="0" err="1"/>
-              <a:t>concrete</a:t>
-            </a:r>
-            <a:r>
-              <a:rPr lang="de-DE" dirty="0"/>
-              <a:t> test </a:t>
-            </a:r>
-            <a:r>
-              <a:rPr lang="de-DE" dirty="0" err="1"/>
-              <a:t>case</a:t>
-            </a:r>
-            <a:r>
-              <a:rPr lang="de-DE" dirty="0"/>
-              <a:t> </a:t>
-            </a:r>
-            <a:r>
-              <a:rPr lang="de-DE" dirty="0" err="1"/>
-              <a:t>execution</a:t>
+              <a:t>transition</a:t>
+            </a:r>
+            <a:r>
+              <a:rPr lang="de-DE" dirty="0"/>
+              <a:t> </a:t>
+            </a:r>
+            <a:r>
+              <a:rPr lang="de-DE" dirty="0" err="1"/>
+              <a:t>system</a:t>
             </a:r>
             <a:endParaRPr lang="de-DE" dirty="0"/>
           </a:p>
           <a:p>
             <a:r>
-              <a:rPr lang="de-DE" dirty="0" err="1"/>
-              <a:t>Using</a:t>
-            </a:r>
-            <a:r>
-              <a:rPr lang="de-DE" dirty="0"/>
-              <a:t> </a:t>
-            </a:r>
-            <a:r>
-              <a:rPr lang="de-DE" dirty="0" err="1"/>
-              <a:t>only</a:t>
-            </a:r>
-            <a:r>
-              <a:rPr lang="de-DE" dirty="0"/>
-              <a:t> </a:t>
-            </a:r>
-            <a:r>
-              <a:rPr lang="de-DE" dirty="0" err="1"/>
-              <a:t>means</a:t>
-            </a:r>
-            <a:r>
-              <a:rPr lang="de-DE" dirty="0"/>
-              <a:t> of </a:t>
-            </a:r>
-            <a:r>
-              <a:rPr lang="de-DE" dirty="0" err="1"/>
-              <a:t>the</a:t>
-            </a:r>
-            <a:r>
-              <a:rPr lang="de-DE" dirty="0"/>
-              <a:t> </a:t>
-            </a:r>
-            <a:r>
-              <a:rPr lang="de-DE" dirty="0" err="1"/>
-              <a:t>specification</a:t>
-            </a:r>
-            <a:r>
-              <a:rPr lang="de-DE" dirty="0"/>
-              <a:t> </a:t>
-            </a:r>
-            <a:r>
-              <a:rPr lang="de-DE" dirty="0" err="1"/>
-              <a:t>level</a:t>
-            </a:r>
-            <a:r>
-              <a:rPr lang="de-DE" dirty="0"/>
-              <a:t> (</a:t>
-            </a:r>
-            <a:r>
-              <a:rPr lang="de-DE" dirty="0" err="1"/>
-              <a:t>use</a:t>
-            </a:r>
-            <a:r>
-              <a:rPr lang="de-DE" dirty="0"/>
-              <a:t> cases, </a:t>
-            </a:r>
-            <a:r>
-              <a:rPr lang="de-DE" dirty="0" err="1"/>
-              <a:t>use</a:t>
-            </a:r>
-            <a:r>
-              <a:rPr lang="de-DE" dirty="0"/>
-              <a:t> </a:t>
-            </a:r>
-            <a:r>
-              <a:rPr lang="de-DE" dirty="0" err="1"/>
-              <a:t>case</a:t>
-            </a:r>
-            <a:r>
-              <a:rPr lang="de-DE" dirty="0"/>
-              <a:t> scenarios and UML Interaction </a:t>
-            </a:r>
-            <a:r>
-              <a:rPr lang="de-DE" dirty="0" err="1"/>
-              <a:t>Overview</a:t>
-            </a:r>
-            <a:r>
-              <a:rPr lang="de-DE" dirty="0"/>
-              <a:t> </a:t>
-            </a:r>
-            <a:r>
-              <a:rPr lang="de-DE" dirty="0" err="1"/>
-              <a:t>Diagrams</a:t>
-            </a:r>
-            <a:r>
-              <a:rPr lang="de-DE" dirty="0"/>
-              <a:t>) </a:t>
-            </a:r>
-            <a:r>
-              <a:rPr lang="de-DE" dirty="0" err="1"/>
-              <a:t>one</a:t>
-            </a:r>
-            <a:r>
-              <a:rPr lang="de-DE" dirty="0"/>
-              <a:t> </a:t>
-            </a:r>
-            <a:r>
-              <a:rPr lang="de-DE" dirty="0" err="1"/>
-              <a:t>can</a:t>
-            </a:r>
-            <a:r>
-              <a:rPr lang="de-DE" dirty="0"/>
-              <a:t> </a:t>
-            </a:r>
-            <a:r>
-              <a:rPr lang="de-DE" dirty="0" err="1"/>
-              <a:t>automatically</a:t>
+              <a:rPr lang="de-DE" b="1" dirty="0" err="1"/>
+              <a:t>Coverage</a:t>
+            </a:r>
+            <a:r>
+              <a:rPr lang="de-DE" b="1" dirty="0"/>
+              <a:t> </a:t>
+            </a:r>
+            <a:r>
+              <a:rPr lang="de-DE" b="1" dirty="0" err="1"/>
+              <a:t>criteria</a:t>
+            </a:r>
+            <a:r>
+              <a:rPr lang="de-DE" b="1" dirty="0"/>
+              <a:t> </a:t>
+            </a:r>
+            <a:r>
+              <a:rPr lang="de-DE" dirty="0" err="1"/>
+              <a:t>used</a:t>
+            </a:r>
+            <a:r>
+              <a:rPr lang="de-DE" dirty="0"/>
+              <a:t> </a:t>
+            </a:r>
+            <a:r>
+              <a:rPr lang="de-DE" dirty="0" err="1"/>
+              <a:t>to</a:t>
             </a:r>
             <a:r>
               <a:rPr lang="de-DE" dirty="0"/>
@@ -16360,50 +20185,277 @@
             </a:r>
             <a:r>
               <a:rPr lang="de-DE" dirty="0"/>
-              <a:t> test cases </a:t>
-            </a:r>
-            <a:r>
-              <a:rPr lang="de-DE" dirty="0" err="1"/>
-              <a:t>using</a:t>
-            </a:r>
-            <a:r>
-              <a:rPr lang="de-DE" dirty="0"/>
               <a:t> a </a:t>
             </a:r>
             <a:r>
               <a:rPr lang="de-DE" dirty="0" err="1"/>
-              <a:t>transition</a:t>
-            </a:r>
-            <a:r>
-              <a:rPr lang="de-DE" dirty="0"/>
-              <a:t> </a:t>
-            </a:r>
-            <a:r>
-              <a:rPr lang="de-DE" dirty="0" err="1"/>
-              <a:t>system</a:t>
+              <a:t>certain</a:t>
+            </a:r>
+            <a:r>
+              <a:rPr lang="de-DE" dirty="0"/>
+              <a:t> </a:t>
+            </a:r>
+            <a:r>
+              <a:rPr lang="de-DE" b="1" dirty="0" err="1"/>
+              <a:t>amount</a:t>
+            </a:r>
+            <a:r>
+              <a:rPr lang="de-DE" b="1" dirty="0"/>
+              <a:t> </a:t>
+            </a:r>
+            <a:r>
+              <a:rPr lang="de-DE" b="1" dirty="0" err="1"/>
+              <a:t>of</a:t>
+            </a:r>
+            <a:r>
+              <a:rPr lang="de-DE" b="1" dirty="0"/>
+              <a:t> </a:t>
+            </a:r>
+            <a:r>
+              <a:rPr lang="de-DE" b="1" dirty="0" err="1"/>
+              <a:t>test</a:t>
+            </a:r>
+            <a:r>
+              <a:rPr lang="de-DE" b="1" dirty="0"/>
+              <a:t> </a:t>
+            </a:r>
+            <a:r>
+              <a:rPr lang="de-DE" b="1" dirty="0" err="1"/>
+              <a:t>cases</a:t>
+            </a:r>
+            <a:endParaRPr lang="de-DE" b="1" dirty="0"/>
+          </a:p>
+          <a:p>
+            <a:r>
+              <a:rPr lang="en-US" dirty="0"/>
+              <a:t>Requirement engineers can </a:t>
+            </a:r>
+            <a:r>
+              <a:rPr lang="en-US" b="1" dirty="0"/>
+              <a:t>validate</a:t>
+            </a:r>
+            <a:r>
+              <a:rPr lang="en-US" dirty="0"/>
+              <a:t> their specified </a:t>
+            </a:r>
+            <a:r>
+              <a:rPr lang="en-US" b="1" dirty="0"/>
+              <a:t>requirements</a:t>
+            </a:r>
+            <a:r>
+              <a:rPr lang="en-US" dirty="0"/>
+              <a:t> during the </a:t>
+            </a:r>
+            <a:r>
+              <a:rPr lang="en-US" b="1" dirty="0"/>
+              <a:t>simulation</a:t>
+            </a:r>
+            <a:r>
+              <a:rPr lang="en-US" dirty="0"/>
+              <a:t> of the transition system</a:t>
             </a:r>
             <a:endParaRPr lang="de-DE" dirty="0"/>
           </a:p>
           <a:p>
             <a:r>
+              <a:rPr lang="de-DE" dirty="0" err="1"/>
+              <a:t>Similar</a:t>
+            </a:r>
+            <a:r>
+              <a:rPr lang="de-DE" dirty="0"/>
+              <a:t> </a:t>
+            </a:r>
+            <a:r>
+              <a:rPr lang="de-DE" dirty="0" err="1"/>
+              <a:t>conclusions</a:t>
+            </a:r>
+            <a:r>
+              <a:rPr lang="de-DE" dirty="0"/>
+              <a:t>: </a:t>
+            </a:r>
+            <a:r>
               <a:rPr lang="en-US" dirty="0"/>
-              <a:t>Contracts are used to infer the correct partial ordering of functionalities that the system should offer</a:t>
-            </a:r>
-          </a:p>
-          <a:p>
+              <a:t>core approach is </a:t>
+            </a:r>
+            <a:r>
+              <a:rPr lang="en-US" b="1" dirty="0"/>
+              <a:t>helpful</a:t>
+            </a:r>
             <a:r>
               <a:rPr lang="en-US" dirty="0"/>
-              <a:t>Coverage criteria define the amount of test cases to be generated</a:t>
-            </a:r>
+              <a:t> to generate </a:t>
+            </a:r>
+            <a:r>
+              <a:rPr lang="en-US" b="1" dirty="0"/>
+              <a:t>functional</a:t>
+            </a:r>
+            <a:r>
+              <a:rPr lang="en-US" dirty="0"/>
+              <a:t> </a:t>
+            </a:r>
+            <a:r>
+              <a:rPr lang="en-US" b="1" dirty="0"/>
+              <a:t>test case scenarios</a:t>
+            </a:r>
+            <a:r>
+              <a:rPr lang="en-US" dirty="0"/>
+              <a:t> for the requirements, nevertheless there is a </a:t>
+            </a:r>
+            <a:r>
+              <a:rPr lang="en-US" b="1" dirty="0"/>
+              <a:t>lack</a:t>
+            </a:r>
+            <a:r>
+              <a:rPr lang="en-US" dirty="0"/>
+              <a:t> to achieve a </a:t>
+            </a:r>
+            <a:r>
+              <a:rPr lang="en-US" b="1" dirty="0"/>
+              <a:t>comparable coverage for robustness code</a:t>
+            </a:r>
+            <a:r>
+              <a:rPr lang="en-US" dirty="0"/>
+              <a:t> for fault detection</a:t>
+            </a:r>
+            <a:endParaRPr lang="de-DE" dirty="0"/>
+          </a:p>
+        </p:txBody>
+      </p:sp>
+    </p:spTree>
+    <p:extLst>
+      <p:ext uri="{BB962C8B-B14F-4D97-AF65-F5344CB8AC3E}">
+        <p14:creationId xmlns:p14="http://schemas.microsoft.com/office/powerpoint/2010/main" val="354060647"/>
+      </p:ext>
+    </p:extLst>
+  </p:cSld>
+  <p:clrMapOvr>
+    <a:masterClrMapping/>
+  </p:clrMapOvr>
+</p:sld>
+</file>
+
+<file path=ppt/slides/slide21.xml><?xml version="1.0" encoding="utf-8"?>
+<p:sld xmlns:a="http://schemas.openxmlformats.org/drawingml/2006/main" xmlns:r="http://schemas.openxmlformats.org/officeDocument/2006/relationships" xmlns:p="http://schemas.openxmlformats.org/presentationml/2006/main">
+  <p:cSld>
+    <p:spTree>
+      <p:nvGrpSpPr>
+        <p:cNvPr id="1" name=""/>
+        <p:cNvGrpSpPr/>
+        <p:nvPr/>
+      </p:nvGrpSpPr>
+      <p:grpSpPr>
+        <a:xfrm>
+          <a:off x="0" y="0"/>
+          <a:ext cx="0" cy="0"/>
+          <a:chOff x="0" y="0"/>
+          <a:chExt cx="0" cy="0"/>
+        </a:xfrm>
+      </p:grpSpPr>
+      <p:sp>
+        <p:nvSpPr>
+          <p:cNvPr id="5" name="Title 1">
+            <a:extLst>
+              <a:ext uri="{FF2B5EF4-FFF2-40B4-BE49-F238E27FC236}">
+                <a16:creationId xmlns:a16="http://schemas.microsoft.com/office/drawing/2014/main" id="{0092A598-7249-4421-AACA-B13E17C8138B}"/>
+              </a:ext>
+            </a:extLst>
+          </p:cNvPr>
+          <p:cNvSpPr>
+            <a:spLocks noGrp="1"/>
+          </p:cNvSpPr>
+          <p:nvPr>
+            <p:ph type="title"/>
+          </p:nvPr>
+        </p:nvSpPr>
+        <p:spPr>
+          <a:xfrm>
+            <a:off x="838200" y="365125"/>
+            <a:ext cx="10515600" cy="1325563"/>
+          </a:xfrm>
+        </p:spPr>
+        <p:txBody>
+          <a:bodyPr>
+            <a:normAutofit/>
+          </a:bodyPr>
+          <a:lstStyle/>
+          <a:p>
+            <a:pPr algn="ctr"/>
+            <a:r>
+              <a:rPr lang="en-US" sz="3600" b="1" dirty="0"/>
+              <a:t>Comparison</a:t>
+            </a:r>
+          </a:p>
+        </p:txBody>
+      </p:sp>
+      <p:sp>
+        <p:nvSpPr>
+          <p:cNvPr id="3" name="Content Placeholder 2">
+            <a:extLst>
+              <a:ext uri="{FF2B5EF4-FFF2-40B4-BE49-F238E27FC236}">
+                <a16:creationId xmlns:a16="http://schemas.microsoft.com/office/drawing/2014/main" id="{A20A1EAB-DEE8-4A3A-909C-F348B99BABE0}"/>
+              </a:ext>
+            </a:extLst>
+          </p:cNvPr>
+          <p:cNvSpPr>
+            <a:spLocks noGrp="1"/>
+          </p:cNvSpPr>
+          <p:nvPr>
+            <p:ph idx="1"/>
+          </p:nvPr>
+        </p:nvSpPr>
+        <p:spPr>
+          <a:xfrm>
+            <a:off x="838200" y="1825625"/>
+            <a:ext cx="10515600" cy="4351338"/>
+          </a:xfrm>
+        </p:spPr>
+        <p:txBody>
+          <a:bodyPr>
+            <a:normAutofit/>
+          </a:bodyPr>
+          <a:lstStyle/>
+          <a:p>
+            <a:pPr marL="0" indent="0">
+              <a:buNone/>
+            </a:pPr>
+            <a:r>
+              <a:rPr lang="de-DE" sz="3200" b="1" u="sng" dirty="0" err="1"/>
+              <a:t>Differences</a:t>
+            </a:r>
+            <a:endParaRPr lang="de-DE" sz="3200" b="1" u="sng" dirty="0"/>
+          </a:p>
+          <a:p>
+            <a:pPr marL="0" indent="0">
+              <a:buNone/>
+            </a:pPr>
+            <a:endParaRPr lang="de-DE" sz="3200" b="1" u="sng" dirty="0"/>
+          </a:p>
+          <a:p>
+            <a:pPr marL="0" indent="0">
+              <a:buNone/>
+            </a:pPr>
+            <a:endParaRPr lang="de-DE" b="1" u="sng" dirty="0"/>
+          </a:p>
+          <a:p>
+            <a:pPr marL="0" indent="0">
+              <a:buNone/>
+            </a:pPr>
+            <a:endParaRPr lang="de-DE" b="1" u="sng" dirty="0"/>
+          </a:p>
+          <a:p>
+            <a:pPr marL="0" indent="0">
+              <a:buNone/>
+            </a:pPr>
+            <a:endParaRPr lang="de-DE" b="1" u="sng" dirty="0"/>
           </a:p>
         </p:txBody>
       </p:sp>
       <p:graphicFrame>
         <p:nvGraphicFramePr>
-          <p:cNvPr id="6" name="Table 5">
+          <p:cNvPr id="2" name="Table 3">
             <a:extLst>
               <a:ext uri="{FF2B5EF4-FFF2-40B4-BE49-F238E27FC236}">
-                <a16:creationId xmlns:a16="http://schemas.microsoft.com/office/drawing/2014/main" id="{97E09900-87C2-4189-AA86-8DBD6666BB42}"/>
+                <a16:creationId xmlns:a16="http://schemas.microsoft.com/office/drawing/2014/main" id="{3101C829-699E-4DC3-BC80-2AA7BC90541E}"/>
               </a:ext>
             </a:extLst>
           </p:cNvPr>
@@ -16413,14 +20465,14 @@
           <p:nvPr>
             <p:extLst>
               <p:ext uri="{D42A27DB-BD31-4B8C-83A1-F6EECF244321}">
-                <p14:modId xmlns:p14="http://schemas.microsoft.com/office/powerpoint/2010/main" val="3752418975"/>
+                <p14:modId xmlns:p14="http://schemas.microsoft.com/office/powerpoint/2010/main" val="1249698262"/>
               </p:ext>
             </p:extLst>
           </p:nvPr>
         </p:nvGraphicFramePr>
         <p:xfrm>
-          <a:off x="1940102" y="6355715"/>
-          <a:ext cx="8311794" cy="274320"/>
+          <a:off x="838200" y="2519363"/>
+          <a:ext cx="10515600" cy="3657600"/>
         </p:xfrm>
         <a:graphic>
           <a:graphicData uri="http://schemas.openxmlformats.org/drawingml/2006/table">
@@ -16429,68 +20481,39 @@
                 <a:tableStyleId>{5C22544A-7EE6-4342-B048-85BDC9FD1C3A}</a:tableStyleId>
               </a:tblPr>
               <a:tblGrid>
-                <a:gridCol w="1385299">
+                <a:gridCol w="3505200">
                   <a:extLst>
                     <a:ext uri="{9D8B030D-6E8A-4147-A177-3AD203B41FA5}">
-                      <a16:colId xmlns:a16="http://schemas.microsoft.com/office/drawing/2014/main" val="1963997025"/>
+                      <a16:colId xmlns:a16="http://schemas.microsoft.com/office/drawing/2014/main" val="2153011086"/>
                     </a:ext>
                   </a:extLst>
                 </a:gridCol>
-                <a:gridCol w="1385299">
+                <a:gridCol w="3505200">
                   <a:extLst>
                     <a:ext uri="{9D8B030D-6E8A-4147-A177-3AD203B41FA5}">
-                      <a16:colId xmlns:a16="http://schemas.microsoft.com/office/drawing/2014/main" val="1212033678"/>
+                      <a16:colId xmlns:a16="http://schemas.microsoft.com/office/drawing/2014/main" val="1308517760"/>
                     </a:ext>
                   </a:extLst>
                 </a:gridCol>
-                <a:gridCol w="1385299">
+                <a:gridCol w="3505200">
                   <a:extLst>
                     <a:ext uri="{9D8B030D-6E8A-4147-A177-3AD203B41FA5}">
-                      <a16:colId xmlns:a16="http://schemas.microsoft.com/office/drawing/2014/main" val="180734021"/>
-                    </a:ext>
-                  </a:extLst>
-                </a:gridCol>
-                <a:gridCol w="1385299">
-                  <a:extLst>
-                    <a:ext uri="{9D8B030D-6E8A-4147-A177-3AD203B41FA5}">
-                      <a16:colId xmlns:a16="http://schemas.microsoft.com/office/drawing/2014/main" val="1432259564"/>
-                    </a:ext>
-                  </a:extLst>
-                </a:gridCol>
-                <a:gridCol w="1385299">
-                  <a:extLst>
-                    <a:ext uri="{9D8B030D-6E8A-4147-A177-3AD203B41FA5}">
-                      <a16:colId xmlns:a16="http://schemas.microsoft.com/office/drawing/2014/main" val="142904687"/>
-                    </a:ext>
-                  </a:extLst>
-                </a:gridCol>
-                <a:gridCol w="1385299">
-                  <a:extLst>
-                    <a:ext uri="{9D8B030D-6E8A-4147-A177-3AD203B41FA5}">
-                      <a16:colId xmlns:a16="http://schemas.microsoft.com/office/drawing/2014/main" val="1677630447"/>
+                      <a16:colId xmlns:a16="http://schemas.microsoft.com/office/drawing/2014/main" val="3485692702"/>
                     </a:ext>
                   </a:extLst>
                 </a:gridCol>
               </a:tblGrid>
-              <a:tr h="254301">
+              <a:tr h="652993">
                 <a:tc>
                   <a:txBody>
                     <a:bodyPr/>
                     <a:lstStyle/>
                     <a:p>
                       <a:pPr algn="ctr"/>
-                      <a:r>
-                        <a:rPr lang="de-DE" sz="1200" dirty="0" err="1"/>
-                        <a:t>Introduction</a:t>
-                      </a:r>
-                      <a:endParaRPr lang="en-US" sz="1200" dirty="0"/>
+                      <a:endParaRPr lang="en-US" dirty="0"/>
                     </a:p>
                   </a:txBody>
-                  <a:tcPr>
-                    <a:solidFill>
-                      <a:srgbClr val="427CAC"/>
-                    </a:solidFill>
-                  </a:tcPr>
+                  <a:tcPr/>
                 </a:tc>
                 <a:tc>
                   <a:txBody>
@@ -16499,21 +20522,33 @@
                     <a:p>
                       <a:pPr algn="ctr"/>
                       <a:r>
-                        <a:rPr lang="de-DE" sz="1200" dirty="0"/>
-                        <a:t>Main </a:t>
+                        <a:rPr lang="de-DE" sz="1800" b="1" dirty="0" err="1"/>
+                        <a:t>Automatic</a:t>
                       </a:r>
                       <a:r>
-                        <a:rPr lang="de-DE" sz="1200" dirty="0" err="1"/>
-                        <a:t>Article</a:t>
+                        <a:rPr lang="de-DE" sz="1800" b="1" dirty="0"/>
+                        <a:t> Test Generation: A </a:t>
                       </a:r>
-                      <a:endParaRPr lang="en-US" sz="1200" dirty="0"/>
+                      <a:r>
+                        <a:rPr lang="de-DE" sz="1800" b="1" dirty="0" err="1"/>
+                        <a:t>Use</a:t>
+                      </a:r>
+                      <a:r>
+                        <a:rPr lang="de-DE" sz="1800" b="1" dirty="0"/>
+                        <a:t> Case </a:t>
+                      </a:r>
+                      <a:r>
+                        <a:rPr lang="de-DE" sz="1800" b="1" dirty="0" err="1"/>
+                        <a:t>Driven</a:t>
+                      </a:r>
+                      <a:r>
+                        <a:rPr lang="de-DE" sz="1800" b="1" dirty="0"/>
+                        <a:t> Approach</a:t>
+                      </a:r>
+                      <a:endParaRPr lang="en-US" dirty="0"/>
                     </a:p>
                   </a:txBody>
-                  <a:tcPr>
-                    <a:solidFill>
-                      <a:srgbClr val="427CAC"/>
-                    </a:solidFill>
-                  </a:tcPr>
+                  <a:tcPr/>
                 </a:tc>
                 <a:tc>
                   <a:txBody>
@@ -16522,17 +20557,47 @@
                     <a:p>
                       <a:pPr algn="ctr"/>
                       <a:r>
-                        <a:rPr lang="de-DE" sz="1200" dirty="0"/>
-                        <a:t>Research</a:t>
+                        <a:rPr lang="en-US" sz="1800" b="1" dirty="0"/>
+                        <a:t>An Automated Approach to System Testing based on Scenarios and Operations Contracts</a:t>
                       </a:r>
-                      <a:endParaRPr lang="en-US" sz="1200" dirty="0"/>
+                      <a:endParaRPr lang="en-US" dirty="0"/>
                     </a:p>
                   </a:txBody>
-                  <a:tcPr>
-                    <a:solidFill>
-                      <a:srgbClr val="427CAC"/>
-                    </a:solidFill>
-                  </a:tcPr>
+                  <a:tcPr/>
+                </a:tc>
+                <a:extLst>
+                  <a:ext uri="{0D108BD9-81ED-4DB2-BD59-A6C34878D82A}">
+                    <a16:rowId xmlns:a16="http://schemas.microsoft.com/office/drawing/2014/main" val="1394370422"/>
+                  </a:ext>
+                </a:extLst>
+              </a:tr>
+              <a:tr h="848891">
+                <a:tc>
+                  <a:txBody>
+                    <a:bodyPr/>
+                    <a:lstStyle/>
+                    <a:p>
+                      <a:pPr algn="ctr"/>
+                      <a:r>
+                        <a:rPr lang="de-DE" b="1" dirty="0"/>
+                        <a:t>Field </a:t>
+                      </a:r>
+                      <a:r>
+                        <a:rPr lang="de-DE" b="1" dirty="0" err="1"/>
+                        <a:t>of</a:t>
+                      </a:r>
+                      <a:r>
+                        <a:rPr lang="de-DE" b="1" dirty="0"/>
+                        <a:t> </a:t>
+                      </a:r>
+                      <a:r>
+                        <a:rPr lang="de-DE" b="1" dirty="0" err="1"/>
+                        <a:t>application</a:t>
+                      </a:r>
+                      <a:endParaRPr lang="en-US" b="1" dirty="0"/>
+                    </a:p>
+                  </a:txBody>
+                  <a:tcPr anchor="ctr"/>
                 </a:tc>
                 <a:tc>
                   <a:txBody>
@@ -16541,21 +20606,77 @@
                     <a:p>
                       <a:pPr algn="ctr"/>
                       <a:r>
-                        <a:rPr lang="de-DE" sz="1200" dirty="0"/>
-                        <a:t>Side </a:t>
+                        <a:rPr lang="de-DE" dirty="0" err="1"/>
+                        <a:t>Uses</a:t>
                       </a:r>
                       <a:r>
-                        <a:rPr lang="de-DE" sz="1200" dirty="0" err="1"/>
-                        <a:t>Article</a:t>
+                        <a:rPr lang="de-DE" dirty="0"/>
+                        <a:t> </a:t>
                       </a:r>
-                      <a:endParaRPr lang="en-US" sz="1200" dirty="0"/>
+                      <a:r>
+                        <a:rPr lang="de-DE" dirty="0" err="1"/>
+                        <a:t>use</a:t>
+                      </a:r>
+                      <a:r>
+                        <a:rPr lang="de-DE" dirty="0"/>
+                        <a:t> </a:t>
+                      </a:r>
+                      <a:r>
+                        <a:rPr lang="de-DE" dirty="0" err="1"/>
+                        <a:t>cases</a:t>
+                      </a:r>
+                      <a:r>
+                        <a:rPr lang="de-DE" dirty="0"/>
+                        <a:t> </a:t>
+                      </a:r>
+                      <a:r>
+                        <a:rPr lang="de-DE" dirty="0" err="1"/>
+                        <a:t>to</a:t>
+                      </a:r>
+                      <a:r>
+                        <a:rPr lang="de-DE" dirty="0"/>
+                        <a:t> </a:t>
+                      </a:r>
+                      <a:r>
+                        <a:rPr lang="de-DE" dirty="0" err="1"/>
+                        <a:t>automatically</a:t>
+                      </a:r>
+                      <a:r>
+                        <a:rPr lang="de-DE" dirty="0"/>
+                        <a:t> </a:t>
+                      </a:r>
+                      <a:r>
+                        <a:rPr lang="de-DE" dirty="0" err="1"/>
+                        <a:t>generate</a:t>
+                      </a:r>
+                      <a:r>
+                        <a:rPr lang="de-DE" dirty="0"/>
+                        <a:t> </a:t>
+                      </a:r>
+                      <a:r>
+                        <a:rPr lang="de-DE" dirty="0" err="1"/>
+                        <a:t>system</a:t>
+                      </a:r>
+                      <a:r>
+                        <a:rPr lang="de-DE" dirty="0"/>
+                        <a:t> </a:t>
+                      </a:r>
+                      <a:r>
+                        <a:rPr lang="de-DE" dirty="0" err="1"/>
+                        <a:t>level</a:t>
+                      </a:r>
+                      <a:r>
+                        <a:rPr lang="de-DE" dirty="0"/>
+                        <a:t> </a:t>
+                      </a:r>
+                      <a:r>
+                        <a:rPr lang="de-DE" dirty="0" err="1"/>
+                        <a:t>tests</a:t>
+                      </a:r>
+                      <a:endParaRPr lang="en-US" dirty="0"/>
                     </a:p>
                   </a:txBody>
-                  <a:tcPr>
-                    <a:solidFill>
-                      <a:srgbClr val="427CAC"/>
-                    </a:solidFill>
-                  </a:tcPr>
+                  <a:tcPr anchor="ctr"/>
                 </a:tc>
                 <a:tc>
                   <a:txBody>
@@ -16564,56 +20685,416 @@
                     <a:p>
                       <a:pPr algn="ctr"/>
                       <a:r>
-                        <a:rPr lang="de-DE" sz="1200" dirty="0" err="1"/>
-                        <a:t>Conclusion</a:t>
+                        <a:rPr lang="de-DE" dirty="0" err="1"/>
+                        <a:t>Restricts</a:t>
                       </a:r>
-                      <a:endParaRPr lang="en-US" sz="1200" dirty="0"/>
+                      <a:r>
+                        <a:rPr lang="de-DE" dirty="0"/>
+                        <a:t> </a:t>
+                      </a:r>
+                      <a:r>
+                        <a:rPr lang="de-DE" dirty="0" err="1"/>
+                        <a:t>to</a:t>
+                      </a:r>
+                      <a:r>
+                        <a:rPr lang="de-DE" dirty="0"/>
+                        <a:t> </a:t>
+                      </a:r>
+                      <a:r>
+                        <a:rPr lang="de-DE" dirty="0" err="1"/>
+                        <a:t>generate</a:t>
+                      </a:r>
+                      <a:r>
+                        <a:rPr lang="de-DE" dirty="0"/>
+                        <a:t> </a:t>
+                      </a:r>
+                      <a:r>
+                        <a:rPr lang="de-DE" dirty="0" err="1"/>
+                        <a:t>test</a:t>
+                      </a:r>
+                      <a:r>
+                        <a:rPr lang="de-DE" dirty="0"/>
+                        <a:t> </a:t>
+                      </a:r>
+                      <a:r>
+                        <a:rPr lang="de-DE" dirty="0" err="1"/>
+                        <a:t>paths</a:t>
+                      </a:r>
+                      <a:r>
+                        <a:rPr lang="de-DE" dirty="0"/>
+                        <a:t> </a:t>
+                      </a:r>
+                      <a:r>
+                        <a:rPr lang="de-DE" dirty="0" err="1"/>
+                        <a:t>for</a:t>
+                      </a:r>
+                      <a:r>
+                        <a:rPr lang="de-DE" dirty="0"/>
+                        <a:t> a </a:t>
+                      </a:r>
+                      <a:r>
+                        <a:rPr lang="de-DE" dirty="0" err="1"/>
+                        <a:t>specific</a:t>
+                      </a:r>
+                      <a:r>
+                        <a:rPr lang="de-DE" dirty="0"/>
+                        <a:t> </a:t>
+                      </a:r>
+                      <a:r>
+                        <a:rPr lang="de-DE" dirty="0" err="1"/>
+                        <a:t>use</a:t>
+                      </a:r>
+                      <a:r>
+                        <a:rPr lang="de-DE" dirty="0"/>
+                        <a:t> </a:t>
+                      </a:r>
+                      <a:r>
+                        <a:rPr lang="de-DE" dirty="0" err="1"/>
+                        <a:t>case</a:t>
+                      </a:r>
+                      <a:endParaRPr lang="de-DE" dirty="0"/>
+                    </a:p>
+                    <a:p>
+                      <a:pPr algn="ctr"/>
+                      <a:r>
+                        <a:rPr lang="de-DE" dirty="0"/>
+                        <a:t>(</a:t>
+                      </a:r>
+                      <a:r>
+                        <a:rPr lang="de-DE" dirty="0" err="1"/>
+                        <a:t>use</a:t>
+                      </a:r>
+                      <a:r>
+                        <a:rPr lang="de-DE" dirty="0"/>
+                        <a:t> </a:t>
+                      </a:r>
+                      <a:r>
+                        <a:rPr lang="de-DE" dirty="0" err="1"/>
+                        <a:t>case</a:t>
+                      </a:r>
+                      <a:r>
+                        <a:rPr lang="de-DE" dirty="0"/>
+                        <a:t> </a:t>
+                      </a:r>
+                      <a:r>
+                        <a:rPr lang="de-DE" dirty="0" err="1"/>
+                        <a:t>scenarios</a:t>
+                      </a:r>
+                      <a:r>
+                        <a:rPr lang="de-DE" dirty="0"/>
+                        <a:t> </a:t>
+                      </a:r>
+                      <a:r>
+                        <a:rPr lang="de-DE" dirty="0" err="1"/>
+                        <a:t>already</a:t>
+                      </a:r>
+                      <a:r>
+                        <a:rPr lang="de-DE" dirty="0"/>
+                        <a:t> </a:t>
+                      </a:r>
+                      <a:r>
+                        <a:rPr lang="de-DE" dirty="0" err="1"/>
+                        <a:t>given</a:t>
+                      </a:r>
+                      <a:r>
+                        <a:rPr lang="de-DE" dirty="0"/>
+                        <a:t> in </a:t>
+                      </a:r>
+                      <a:r>
+                        <a:rPr lang="de-DE" dirty="0" err="1"/>
+                        <a:t>the</a:t>
+                      </a:r>
+                      <a:r>
+                        <a:rPr lang="de-DE" dirty="0"/>
+                        <a:t> IOD)</a:t>
+                      </a:r>
+                      <a:endParaRPr lang="en-US" dirty="0"/>
                     </a:p>
                   </a:txBody>
-                  <a:tcPr>
-                    <a:solidFill>
-                      <a:srgbClr val="91C8F6"/>
-                    </a:solidFill>
-                  </a:tcPr>
+                  <a:tcPr anchor="ctr"/>
+                </a:tc>
+                <a:extLst>
+                  <a:ext uri="{0D108BD9-81ED-4DB2-BD59-A6C34878D82A}">
+                    <a16:rowId xmlns:a16="http://schemas.microsoft.com/office/drawing/2014/main" val="460757946"/>
+                  </a:ext>
+                </a:extLst>
+              </a:tr>
+              <a:tr h="415360">
+                <a:tc>
+                  <a:txBody>
+                    <a:bodyPr/>
+                    <a:lstStyle/>
+                    <a:p>
+                      <a:pPr algn="ctr"/>
+                      <a:r>
+                        <a:rPr lang="de-DE" b="1" dirty="0"/>
+                        <a:t>Input </a:t>
+                      </a:r>
+                      <a:r>
+                        <a:rPr lang="de-DE" b="1" dirty="0" err="1"/>
+                        <a:t>parameters</a:t>
+                      </a:r>
+                      <a:endParaRPr lang="en-US" b="1" dirty="0"/>
+                    </a:p>
+                  </a:txBody>
+                  <a:tcPr anchor="ctr"/>
                 </a:tc>
                 <a:tc>
                   <a:txBody>
                     <a:bodyPr/>
                     <a:lstStyle/>
                     <a:p>
-                      <a:pPr marL="0" marR="0" lvl="0" indent="0" algn="ctr" defTabSz="914400" rtl="0" eaLnBrk="1" fontAlgn="auto" latinLnBrk="0" hangingPunct="1">
-                        <a:lnSpc>
-                          <a:spcPct val="100000"/>
-                        </a:lnSpc>
-                        <a:spcBef>
-                          <a:spcPts val="0"/>
-                        </a:spcBef>
-                        <a:spcAft>
-                          <a:spcPts val="0"/>
-                        </a:spcAft>
-                        <a:buClrTx/>
-                        <a:buSzTx/>
-                        <a:buFontTx/>
-                        <a:buNone/>
-                        <a:tabLst/>
-                        <a:defRPr/>
-                      </a:pPr>
+                      <a:pPr algn="ctr"/>
                       <a:r>
-                        <a:rPr lang="de-DE" sz="1200" dirty="0" err="1"/>
-                        <a:t>Questions</a:t>
+                        <a:rPr lang="de-DE" dirty="0" err="1"/>
+                        <a:t>Requirement</a:t>
                       </a:r>
-                      <a:endParaRPr lang="en-US" sz="1200" dirty="0"/>
+                      <a:r>
+                        <a:rPr lang="de-DE" dirty="0"/>
+                        <a:t>-level </a:t>
+                      </a:r>
+                      <a:r>
+                        <a:rPr lang="de-DE" dirty="0" err="1"/>
+                        <a:t>first</a:t>
+                      </a:r>
+                      <a:r>
+                        <a:rPr lang="de-DE" dirty="0"/>
+                        <a:t> </a:t>
+                      </a:r>
+                      <a:r>
+                        <a:rPr lang="de-DE" dirty="0" err="1"/>
+                        <a:t>order</a:t>
+                      </a:r>
+                      <a:r>
+                        <a:rPr lang="de-DE" dirty="0"/>
+                        <a:t> </a:t>
+                      </a:r>
+                      <a:r>
+                        <a:rPr lang="de-DE" dirty="0" err="1"/>
+                        <a:t>logical</a:t>
+                      </a:r>
+                      <a:r>
+                        <a:rPr lang="de-DE" dirty="0"/>
+                        <a:t> </a:t>
+                      </a:r>
+                      <a:r>
+                        <a:rPr lang="de-DE" dirty="0" err="1"/>
+                        <a:t>expressions</a:t>
+                      </a:r>
+                      <a:r>
+                        <a:rPr lang="de-DE" dirty="0"/>
+                        <a:t> </a:t>
+                      </a:r>
+                    </a:p>
+                    <a:p>
+                      <a:pPr algn="ctr"/>
+                      <a:r>
+                        <a:rPr lang="de-DE" dirty="0"/>
+                        <a:t>(formal </a:t>
+                      </a:r>
+                      <a:r>
+                        <a:rPr lang="de-DE" dirty="0" err="1"/>
+                        <a:t>language</a:t>
+                      </a:r>
+                      <a:r>
+                        <a:rPr lang="de-DE" dirty="0"/>
+                        <a:t>)</a:t>
+                      </a:r>
+                      <a:endParaRPr lang="en-US" dirty="0"/>
                     </a:p>
                   </a:txBody>
-                  <a:tcPr>
-                    <a:solidFill>
-                      <a:srgbClr val="427CAC"/>
-                    </a:solidFill>
-                  </a:tcPr>
+                  <a:tcPr anchor="ctr"/>
+                </a:tc>
+                <a:tc>
+                  <a:txBody>
+                    <a:bodyPr/>
+                    <a:lstStyle/>
+                    <a:p>
+                      <a:pPr algn="ctr"/>
+                      <a:r>
+                        <a:rPr lang="de-DE" dirty="0"/>
+                        <a:t>Interaction </a:t>
+                      </a:r>
+                      <a:r>
+                        <a:rPr lang="de-DE" dirty="0" err="1"/>
+                        <a:t>Overview</a:t>
+                      </a:r>
+                      <a:r>
+                        <a:rPr lang="de-DE" dirty="0"/>
+                        <a:t> </a:t>
+                      </a:r>
+                      <a:r>
+                        <a:rPr lang="de-DE" dirty="0" err="1"/>
+                        <a:t>Diagram</a:t>
+                      </a:r>
+                      <a:r>
+                        <a:rPr lang="de-DE" dirty="0"/>
+                        <a:t> (</a:t>
+                      </a:r>
+                      <a:r>
+                        <a:rPr lang="de-DE" dirty="0" err="1"/>
+                        <a:t>graphical</a:t>
+                      </a:r>
+                      <a:r>
+                        <a:rPr lang="de-DE" dirty="0"/>
+                        <a:t> </a:t>
+                      </a:r>
+                      <a:r>
+                        <a:rPr lang="de-DE" dirty="0" err="1"/>
+                        <a:t>approach</a:t>
+                      </a:r>
+                      <a:r>
+                        <a:rPr lang="de-DE" dirty="0"/>
+                        <a:t>)</a:t>
+                      </a:r>
+                      <a:endParaRPr lang="en-US" dirty="0"/>
+                    </a:p>
+                  </a:txBody>
+                  <a:tcPr anchor="ctr"/>
                 </a:tc>
                 <a:extLst>
                   <a:ext uri="{0D108BD9-81ED-4DB2-BD59-A6C34878D82A}">
-                    <a16:rowId xmlns:a16="http://schemas.microsoft.com/office/drawing/2014/main" val="393468701"/>
+                    <a16:rowId xmlns:a16="http://schemas.microsoft.com/office/drawing/2014/main" val="3556222747"/>
+                  </a:ext>
+                </a:extLst>
+              </a:tr>
+              <a:tr h="415360">
+                <a:tc>
+                  <a:txBody>
+                    <a:bodyPr/>
+                    <a:lstStyle/>
+                    <a:p>
+                      <a:pPr algn="ctr"/>
+                      <a:r>
+                        <a:rPr lang="de-DE" b="1" dirty="0" err="1"/>
+                        <a:t>Extent</a:t>
+                      </a:r>
+                      <a:endParaRPr lang="en-US" b="1" dirty="0"/>
+                    </a:p>
+                  </a:txBody>
+                  <a:tcPr anchor="ctr"/>
+                </a:tc>
+                <a:tc>
+                  <a:txBody>
+                    <a:bodyPr/>
+                    <a:lstStyle/>
+                    <a:p>
+                      <a:pPr algn="ctr"/>
+                      <a:r>
+                        <a:rPr lang="de-DE" dirty="0" err="1"/>
+                        <a:t>Almost</a:t>
+                      </a:r>
+                      <a:r>
+                        <a:rPr lang="de-DE" dirty="0"/>
+                        <a:t> </a:t>
+                      </a:r>
+                      <a:r>
+                        <a:rPr lang="de-DE" dirty="0" err="1"/>
+                        <a:t>fully</a:t>
+                      </a:r>
+                      <a:r>
+                        <a:rPr lang="de-DE" dirty="0"/>
+                        <a:t> </a:t>
+                      </a:r>
+                      <a:r>
+                        <a:rPr lang="de-DE" dirty="0" err="1"/>
+                        <a:t>automized</a:t>
+                      </a:r>
+                      <a:r>
+                        <a:rPr lang="de-DE" dirty="0"/>
+                        <a:t> end-</a:t>
+                      </a:r>
+                      <a:r>
+                        <a:rPr lang="de-DE" dirty="0" err="1"/>
+                        <a:t>to</a:t>
+                      </a:r>
+                      <a:r>
+                        <a:rPr lang="de-DE" dirty="0"/>
+                        <a:t>-end </a:t>
+                      </a:r>
+                      <a:r>
+                        <a:rPr lang="de-DE" dirty="0" err="1"/>
+                        <a:t>test</a:t>
+                      </a:r>
+                      <a:r>
+                        <a:rPr lang="de-DE" dirty="0"/>
+                        <a:t> </a:t>
+                      </a:r>
+                      <a:r>
+                        <a:rPr lang="de-DE" dirty="0" err="1"/>
+                        <a:t>scenario</a:t>
+                      </a:r>
+                      <a:r>
+                        <a:rPr lang="de-DE" dirty="0"/>
+                        <a:t> </a:t>
+                      </a:r>
+                      <a:r>
+                        <a:rPr lang="de-DE" dirty="0" err="1"/>
+                        <a:t>generation</a:t>
+                      </a:r>
+                      <a:r>
+                        <a:rPr lang="de-DE" dirty="0"/>
+                        <a:t> </a:t>
+                      </a:r>
+                      <a:r>
+                        <a:rPr lang="de-DE" dirty="0" err="1"/>
+                        <a:t>process</a:t>
+                      </a:r>
+                      <a:endParaRPr lang="en-US" dirty="0"/>
+                    </a:p>
+                  </a:txBody>
+                  <a:tcPr anchor="ctr"/>
+                </a:tc>
+                <a:tc>
+                  <a:txBody>
+                    <a:bodyPr/>
+                    <a:lstStyle/>
+                    <a:p>
+                      <a:pPr algn="ctr"/>
+                      <a:r>
+                        <a:rPr lang="de-DE" dirty="0" err="1"/>
+                        <a:t>Focuses</a:t>
+                      </a:r>
+                      <a:r>
+                        <a:rPr lang="de-DE" dirty="0"/>
+                        <a:t> on </a:t>
+                      </a:r>
+                      <a:r>
+                        <a:rPr lang="de-DE" dirty="0" err="1"/>
+                        <a:t>test</a:t>
+                      </a:r>
+                      <a:r>
+                        <a:rPr lang="de-DE" dirty="0"/>
+                        <a:t> </a:t>
+                      </a:r>
+                      <a:r>
+                        <a:rPr lang="de-DE" dirty="0" err="1"/>
+                        <a:t>path</a:t>
+                      </a:r>
+                      <a:r>
+                        <a:rPr lang="de-DE" dirty="0"/>
+                        <a:t> </a:t>
+                      </a:r>
+                      <a:r>
+                        <a:rPr lang="de-DE" dirty="0" err="1"/>
+                        <a:t>generation</a:t>
+                      </a:r>
+                      <a:r>
+                        <a:rPr lang="de-DE" dirty="0"/>
+                        <a:t> </a:t>
+                      </a:r>
+                      <a:r>
+                        <a:rPr lang="de-DE" dirty="0" err="1"/>
+                        <a:t>only</a:t>
+                      </a:r>
+                      <a:endParaRPr lang="en-US" dirty="0"/>
+                    </a:p>
+                  </a:txBody>
+                  <a:tcPr anchor="ctr"/>
+                </a:tc>
+                <a:extLst>
+                  <a:ext uri="{0D108BD9-81ED-4DB2-BD59-A6C34878D82A}">
+                    <a16:rowId xmlns:a16="http://schemas.microsoft.com/office/drawing/2014/main" val="4097974294"/>
                   </a:ext>
                 </a:extLst>
               </a:tr>
@@ -16621,6 +21102,664 @@
           </a:graphicData>
         </a:graphic>
       </p:graphicFrame>
+    </p:spTree>
+    <p:extLst>
+      <p:ext uri="{BB962C8B-B14F-4D97-AF65-F5344CB8AC3E}">
+        <p14:creationId xmlns:p14="http://schemas.microsoft.com/office/powerpoint/2010/main" val="2247430308"/>
+      </p:ext>
+    </p:extLst>
+  </p:cSld>
+  <p:clrMapOvr>
+    <a:masterClrMapping/>
+  </p:clrMapOvr>
+</p:sld>
+</file>
+
+<file path=ppt/slides/slide22.xml><?xml version="1.0" encoding="utf-8"?>
+<p:sld xmlns:a="http://schemas.openxmlformats.org/drawingml/2006/main" xmlns:r="http://schemas.openxmlformats.org/officeDocument/2006/relationships" xmlns:p="http://schemas.openxmlformats.org/presentationml/2006/main">
+  <p:cSld>
+    <p:spTree>
+      <p:nvGrpSpPr>
+        <p:cNvPr id="1" name=""/>
+        <p:cNvGrpSpPr/>
+        <p:nvPr/>
+      </p:nvGrpSpPr>
+      <p:grpSpPr>
+        <a:xfrm>
+          <a:off x="0" y="0"/>
+          <a:ext cx="0" cy="0"/>
+          <a:chOff x="0" y="0"/>
+          <a:chExt cx="0" cy="0"/>
+        </a:xfrm>
+      </p:grpSpPr>
+      <p:sp>
+        <p:nvSpPr>
+          <p:cNvPr id="5" name="Title 1">
+            <a:extLst>
+              <a:ext uri="{FF2B5EF4-FFF2-40B4-BE49-F238E27FC236}">
+                <a16:creationId xmlns:a16="http://schemas.microsoft.com/office/drawing/2014/main" id="{0092A598-7249-4421-AACA-B13E17C8138B}"/>
+              </a:ext>
+            </a:extLst>
+          </p:cNvPr>
+          <p:cNvSpPr>
+            <a:spLocks noGrp="1"/>
+          </p:cNvSpPr>
+          <p:nvPr>
+            <p:ph type="title"/>
+          </p:nvPr>
+        </p:nvSpPr>
+        <p:spPr>
+          <a:xfrm>
+            <a:off x="838200" y="365125"/>
+            <a:ext cx="10515600" cy="1325563"/>
+          </a:xfrm>
+        </p:spPr>
+        <p:txBody>
+          <a:bodyPr>
+            <a:normAutofit/>
+          </a:bodyPr>
+          <a:lstStyle/>
+          <a:p>
+            <a:pPr algn="ctr"/>
+            <a:r>
+              <a:rPr lang="en-US" sz="3600" b="1" dirty="0"/>
+              <a:t>Conclusion</a:t>
+            </a:r>
+          </a:p>
+        </p:txBody>
+      </p:sp>
+      <p:sp>
+        <p:nvSpPr>
+          <p:cNvPr id="3" name="Content Placeholder 2">
+            <a:extLst>
+              <a:ext uri="{FF2B5EF4-FFF2-40B4-BE49-F238E27FC236}">
+                <a16:creationId xmlns:a16="http://schemas.microsoft.com/office/drawing/2014/main" id="{A20A1EAB-DEE8-4A3A-909C-F348B99BABE0}"/>
+              </a:ext>
+            </a:extLst>
+          </p:cNvPr>
+          <p:cNvSpPr>
+            <a:spLocks noGrp="1"/>
+          </p:cNvSpPr>
+          <p:nvPr>
+            <p:ph idx="1"/>
+          </p:nvPr>
+        </p:nvSpPr>
+        <p:spPr>
+          <a:xfrm>
+            <a:off x="838200" y="1825625"/>
+            <a:ext cx="10515600" cy="4351338"/>
+          </a:xfrm>
+        </p:spPr>
+        <p:txBody>
+          <a:bodyPr>
+            <a:normAutofit fontScale="92500" lnSpcReduction="20000"/>
+          </a:bodyPr>
+          <a:lstStyle/>
+          <a:p>
+            <a:r>
+              <a:rPr lang="de-DE" dirty="0" err="1"/>
+              <a:t>Both</a:t>
+            </a:r>
+            <a:r>
+              <a:rPr lang="de-DE" dirty="0"/>
+              <a:t> </a:t>
+            </a:r>
+            <a:r>
+              <a:rPr lang="de-DE" dirty="0" err="1"/>
+              <a:t>papers</a:t>
+            </a:r>
+            <a:r>
+              <a:rPr lang="de-DE" dirty="0"/>
+              <a:t> </a:t>
+            </a:r>
+            <a:r>
+              <a:rPr lang="de-DE" dirty="0" err="1"/>
+              <a:t>demonstrate</a:t>
+            </a:r>
+            <a:r>
+              <a:rPr lang="de-DE" dirty="0"/>
+              <a:t> </a:t>
+            </a:r>
+            <a:r>
+              <a:rPr lang="de-DE" dirty="0" err="1"/>
+              <a:t>how</a:t>
+            </a:r>
+            <a:r>
+              <a:rPr lang="de-DE" dirty="0"/>
+              <a:t> </a:t>
+            </a:r>
+            <a:r>
+              <a:rPr lang="de-DE" dirty="0" err="1"/>
+              <a:t>to</a:t>
+            </a:r>
+            <a:r>
+              <a:rPr lang="de-DE" dirty="0"/>
+              <a:t> s</a:t>
+            </a:r>
+            <a:r>
+              <a:rPr lang="en-US" dirty="0"/>
+              <a:t>tart testing in </a:t>
+            </a:r>
+            <a:r>
+              <a:rPr lang="en-US" b="1" dirty="0"/>
+              <a:t>early stages of development</a:t>
+            </a:r>
+            <a:r>
+              <a:rPr lang="en-US" dirty="0"/>
+              <a:t> and how to </a:t>
+            </a:r>
+            <a:r>
+              <a:rPr lang="en-US" b="1" dirty="0"/>
+              <a:t>eliminate </a:t>
+            </a:r>
+            <a:r>
+              <a:rPr lang="de-DE" b="1" dirty="0" err="1"/>
+              <a:t>traceability</a:t>
+            </a:r>
+            <a:r>
+              <a:rPr lang="de-DE" b="1" dirty="0"/>
+              <a:t> </a:t>
+            </a:r>
+            <a:r>
+              <a:rPr lang="de-DE" b="1" dirty="0" err="1"/>
+              <a:t>problems</a:t>
+            </a:r>
+            <a:r>
+              <a:rPr lang="de-DE" dirty="0"/>
+              <a:t> </a:t>
+            </a:r>
+            <a:r>
+              <a:rPr lang="de-DE" dirty="0" err="1"/>
+              <a:t>between</a:t>
+            </a:r>
+            <a:r>
+              <a:rPr lang="de-DE" dirty="0"/>
+              <a:t> </a:t>
+            </a:r>
+            <a:r>
+              <a:rPr lang="de-DE" dirty="0" err="1"/>
+              <a:t>requirement</a:t>
+            </a:r>
+            <a:r>
+              <a:rPr lang="de-DE" dirty="0"/>
+              <a:t> </a:t>
+            </a:r>
+            <a:r>
+              <a:rPr lang="de-DE" dirty="0" err="1"/>
+              <a:t>specification</a:t>
+            </a:r>
+            <a:r>
+              <a:rPr lang="de-DE" dirty="0"/>
+              <a:t> and </a:t>
+            </a:r>
+            <a:r>
+              <a:rPr lang="de-DE" dirty="0" err="1"/>
+              <a:t>concrete</a:t>
+            </a:r>
+            <a:r>
+              <a:rPr lang="de-DE" dirty="0"/>
+              <a:t> test </a:t>
+            </a:r>
+            <a:r>
+              <a:rPr lang="de-DE" dirty="0" err="1"/>
+              <a:t>case</a:t>
+            </a:r>
+            <a:r>
+              <a:rPr lang="de-DE" dirty="0"/>
+              <a:t> </a:t>
+            </a:r>
+            <a:r>
+              <a:rPr lang="de-DE" dirty="0" err="1"/>
+              <a:t>execution</a:t>
+            </a:r>
+            <a:endParaRPr lang="de-DE" dirty="0"/>
+          </a:p>
+          <a:p>
+            <a:r>
+              <a:rPr lang="de-DE" dirty="0" err="1"/>
+              <a:t>Using</a:t>
+            </a:r>
+            <a:r>
+              <a:rPr lang="de-DE" dirty="0"/>
+              <a:t> </a:t>
+            </a:r>
+            <a:r>
+              <a:rPr lang="de-DE" dirty="0" err="1"/>
+              <a:t>only</a:t>
+            </a:r>
+            <a:r>
+              <a:rPr lang="de-DE" dirty="0"/>
+              <a:t> </a:t>
+            </a:r>
+            <a:r>
+              <a:rPr lang="de-DE" b="1" dirty="0" err="1"/>
+              <a:t>means</a:t>
+            </a:r>
+            <a:r>
+              <a:rPr lang="de-DE" b="1" dirty="0"/>
+              <a:t> of </a:t>
+            </a:r>
+            <a:r>
+              <a:rPr lang="de-DE" b="1" dirty="0" err="1"/>
+              <a:t>the</a:t>
+            </a:r>
+            <a:r>
+              <a:rPr lang="de-DE" b="1" dirty="0"/>
+              <a:t> </a:t>
+            </a:r>
+            <a:r>
+              <a:rPr lang="de-DE" b="1" dirty="0" err="1"/>
+              <a:t>specification</a:t>
+            </a:r>
+            <a:r>
+              <a:rPr lang="de-DE" b="1" dirty="0"/>
+              <a:t> </a:t>
+            </a:r>
+            <a:r>
+              <a:rPr lang="de-DE" b="1" dirty="0" err="1"/>
+              <a:t>level</a:t>
+            </a:r>
+            <a:r>
+              <a:rPr lang="de-DE" b="1" dirty="0"/>
+              <a:t> </a:t>
+            </a:r>
+            <a:r>
+              <a:rPr lang="de-DE" dirty="0"/>
+              <a:t>(</a:t>
+            </a:r>
+            <a:r>
+              <a:rPr lang="de-DE" dirty="0" err="1"/>
+              <a:t>use</a:t>
+            </a:r>
+            <a:r>
+              <a:rPr lang="de-DE" dirty="0"/>
+              <a:t> cases, </a:t>
+            </a:r>
+            <a:r>
+              <a:rPr lang="de-DE" dirty="0" err="1"/>
+              <a:t>contracts</a:t>
+            </a:r>
+            <a:r>
+              <a:rPr lang="de-DE" dirty="0"/>
+              <a:t>, </a:t>
+            </a:r>
+            <a:r>
+              <a:rPr lang="de-DE" dirty="0" err="1"/>
+              <a:t>use</a:t>
+            </a:r>
+            <a:r>
+              <a:rPr lang="de-DE" dirty="0"/>
+              <a:t> </a:t>
+            </a:r>
+            <a:r>
+              <a:rPr lang="de-DE" dirty="0" err="1"/>
+              <a:t>case</a:t>
+            </a:r>
+            <a:r>
+              <a:rPr lang="de-DE" dirty="0"/>
+              <a:t> scenarios and UML Interaction </a:t>
+            </a:r>
+            <a:r>
+              <a:rPr lang="de-DE" dirty="0" err="1"/>
+              <a:t>Overview</a:t>
+            </a:r>
+            <a:r>
+              <a:rPr lang="de-DE" dirty="0"/>
+              <a:t> </a:t>
+            </a:r>
+            <a:r>
+              <a:rPr lang="de-DE" dirty="0" err="1"/>
+              <a:t>Diagrams</a:t>
+            </a:r>
+            <a:r>
+              <a:rPr lang="de-DE" dirty="0"/>
+              <a:t>) </a:t>
+            </a:r>
+            <a:r>
+              <a:rPr lang="de-DE" dirty="0" err="1"/>
+              <a:t>one</a:t>
+            </a:r>
+            <a:r>
+              <a:rPr lang="de-DE" dirty="0"/>
+              <a:t> </a:t>
+            </a:r>
+            <a:r>
+              <a:rPr lang="de-DE" dirty="0" err="1"/>
+              <a:t>can</a:t>
+            </a:r>
+            <a:r>
+              <a:rPr lang="de-DE" dirty="0"/>
+              <a:t> </a:t>
+            </a:r>
+            <a:r>
+              <a:rPr lang="de-DE" b="1" dirty="0" err="1"/>
+              <a:t>automatically</a:t>
+            </a:r>
+            <a:r>
+              <a:rPr lang="de-DE" b="1" dirty="0"/>
+              <a:t> </a:t>
+            </a:r>
+            <a:r>
+              <a:rPr lang="de-DE" b="1" dirty="0" err="1"/>
+              <a:t>generate</a:t>
+            </a:r>
+            <a:r>
+              <a:rPr lang="de-DE" b="1" dirty="0"/>
+              <a:t> test cases </a:t>
+            </a:r>
+            <a:r>
+              <a:rPr lang="de-DE" dirty="0" err="1"/>
+              <a:t>using</a:t>
+            </a:r>
+            <a:r>
+              <a:rPr lang="de-DE" dirty="0"/>
+              <a:t> a </a:t>
+            </a:r>
+            <a:r>
+              <a:rPr lang="de-DE" b="1" dirty="0" err="1"/>
+              <a:t>transition</a:t>
+            </a:r>
+            <a:r>
+              <a:rPr lang="de-DE" b="1" dirty="0"/>
+              <a:t> </a:t>
+            </a:r>
+            <a:r>
+              <a:rPr lang="de-DE" b="1" dirty="0" err="1"/>
+              <a:t>system</a:t>
+            </a:r>
+            <a:endParaRPr lang="de-DE" b="1" dirty="0"/>
+          </a:p>
+          <a:p>
+            <a:r>
+              <a:rPr lang="de-DE" b="1" dirty="0" err="1"/>
+              <a:t>Requirements</a:t>
+            </a:r>
+            <a:r>
+              <a:rPr lang="de-DE" dirty="0"/>
+              <a:t> </a:t>
+            </a:r>
+            <a:r>
+              <a:rPr lang="de-DE" dirty="0" err="1"/>
+              <a:t>can</a:t>
+            </a:r>
+            <a:r>
+              <a:rPr lang="de-DE" dirty="0"/>
+              <a:t> </a:t>
+            </a:r>
+            <a:r>
+              <a:rPr lang="de-DE" dirty="0" err="1"/>
+              <a:t>easily</a:t>
+            </a:r>
+            <a:r>
+              <a:rPr lang="de-DE" dirty="0"/>
+              <a:t> </a:t>
+            </a:r>
+            <a:r>
+              <a:rPr lang="de-DE" dirty="0" err="1"/>
+              <a:t>be</a:t>
+            </a:r>
+            <a:r>
+              <a:rPr lang="de-DE" dirty="0"/>
+              <a:t> </a:t>
+            </a:r>
+            <a:r>
+              <a:rPr lang="de-DE" b="1" dirty="0" err="1"/>
+              <a:t>validated</a:t>
+            </a:r>
+            <a:r>
+              <a:rPr lang="de-DE" dirty="0"/>
+              <a:t> on </a:t>
+            </a:r>
+            <a:r>
+              <a:rPr lang="de-DE" dirty="0" err="1"/>
+              <a:t>their</a:t>
+            </a:r>
+            <a:r>
+              <a:rPr lang="de-DE" dirty="0"/>
+              <a:t> </a:t>
+            </a:r>
+            <a:r>
+              <a:rPr lang="de-DE" dirty="0" err="1"/>
+              <a:t>consistency</a:t>
+            </a:r>
+            <a:r>
+              <a:rPr lang="de-DE" dirty="0"/>
+              <a:t>, </a:t>
+            </a:r>
+            <a:r>
+              <a:rPr lang="de-DE" dirty="0" err="1"/>
+              <a:t>correctness</a:t>
+            </a:r>
+            <a:r>
+              <a:rPr lang="de-DE" dirty="0"/>
+              <a:t> and on </a:t>
+            </a:r>
+            <a:r>
+              <a:rPr lang="de-DE" dirty="0" err="1"/>
+              <a:t>possible</a:t>
+            </a:r>
+            <a:r>
+              <a:rPr lang="de-DE" dirty="0"/>
+              <a:t> </a:t>
+            </a:r>
+            <a:r>
+              <a:rPr lang="de-DE" dirty="0" err="1"/>
+              <a:t>underspecification</a:t>
+            </a:r>
+            <a:endParaRPr lang="de-DE" dirty="0"/>
+          </a:p>
+          <a:p>
+            <a:r>
+              <a:rPr lang="de-DE" b="1" dirty="0" err="1"/>
+              <a:t>Weakness</a:t>
+            </a:r>
+            <a:r>
+              <a:rPr lang="de-DE" dirty="0"/>
+              <a:t>: </a:t>
+            </a:r>
+            <a:r>
+              <a:rPr lang="de-DE" dirty="0" err="1"/>
+              <a:t>capability</a:t>
+            </a:r>
+            <a:r>
+              <a:rPr lang="de-DE" dirty="0"/>
+              <a:t> </a:t>
+            </a:r>
+            <a:r>
+              <a:rPr lang="de-DE" dirty="0" err="1"/>
+              <a:t>to</a:t>
+            </a:r>
+            <a:r>
+              <a:rPr lang="de-DE" dirty="0"/>
+              <a:t> </a:t>
+            </a:r>
+            <a:r>
+              <a:rPr lang="de-DE" dirty="0" err="1"/>
+              <a:t>generate</a:t>
+            </a:r>
+            <a:r>
+              <a:rPr lang="de-DE" dirty="0"/>
+              <a:t> a </a:t>
+            </a:r>
+            <a:r>
+              <a:rPr lang="de-DE" dirty="0" err="1"/>
+              <a:t>sufficient</a:t>
+            </a:r>
+            <a:r>
+              <a:rPr lang="de-DE" dirty="0"/>
+              <a:t> </a:t>
+            </a:r>
+            <a:r>
+              <a:rPr lang="de-DE" dirty="0" err="1"/>
+              <a:t>amount</a:t>
+            </a:r>
+            <a:r>
+              <a:rPr lang="de-DE" dirty="0"/>
+              <a:t> </a:t>
+            </a:r>
+            <a:r>
+              <a:rPr lang="de-DE" dirty="0" err="1"/>
+              <a:t>of</a:t>
+            </a:r>
+            <a:r>
+              <a:rPr lang="de-DE" dirty="0"/>
+              <a:t> </a:t>
+            </a:r>
+            <a:r>
+              <a:rPr lang="de-DE" b="1" dirty="0" err="1"/>
+              <a:t>robustness</a:t>
+            </a:r>
+            <a:r>
+              <a:rPr lang="de-DE" b="1" dirty="0"/>
+              <a:t> </a:t>
+            </a:r>
+            <a:r>
+              <a:rPr lang="de-DE" b="1" dirty="0" err="1"/>
+              <a:t>tests</a:t>
+            </a:r>
+            <a:r>
+              <a:rPr lang="de-DE" b="1" dirty="0"/>
+              <a:t> </a:t>
+            </a:r>
+            <a:r>
+              <a:rPr lang="de-DE" b="1" dirty="0" err="1"/>
+              <a:t>for</a:t>
+            </a:r>
+            <a:r>
+              <a:rPr lang="de-DE" b="1" dirty="0"/>
+              <a:t> fault </a:t>
+            </a:r>
+            <a:r>
+              <a:rPr lang="de-DE" b="1" dirty="0" err="1"/>
+              <a:t>detection</a:t>
+            </a:r>
+            <a:endParaRPr lang="de-DE" b="1" dirty="0"/>
+          </a:p>
+          <a:p>
+            <a:r>
+              <a:rPr lang="de-DE" dirty="0" err="1"/>
+              <a:t>Both</a:t>
+            </a:r>
+            <a:r>
+              <a:rPr lang="de-DE" dirty="0"/>
+              <a:t> </a:t>
+            </a:r>
+            <a:r>
+              <a:rPr lang="de-DE" dirty="0" err="1"/>
+              <a:t>approaches</a:t>
+            </a:r>
+            <a:r>
+              <a:rPr lang="de-DE" dirty="0"/>
+              <a:t> </a:t>
+            </a:r>
+            <a:r>
+              <a:rPr lang="de-DE" dirty="0" err="1"/>
+              <a:t>show</a:t>
+            </a:r>
+            <a:r>
+              <a:rPr lang="de-DE" dirty="0"/>
+              <a:t> </a:t>
+            </a:r>
+            <a:r>
+              <a:rPr lang="de-DE" b="1" dirty="0" err="1"/>
+              <a:t>industry</a:t>
+            </a:r>
+            <a:r>
+              <a:rPr lang="de-DE" b="1" dirty="0"/>
+              <a:t>-standard</a:t>
+            </a:r>
+            <a:r>
+              <a:rPr lang="de-DE" dirty="0"/>
+              <a:t> and </a:t>
+            </a:r>
+            <a:r>
+              <a:rPr lang="de-DE" b="1" dirty="0" err="1"/>
+              <a:t>highly</a:t>
+            </a:r>
+            <a:r>
+              <a:rPr lang="de-DE" b="1" dirty="0"/>
+              <a:t> </a:t>
+            </a:r>
+            <a:r>
+              <a:rPr lang="de-DE" b="1" dirty="0" err="1"/>
+              <a:t>applicable</a:t>
+            </a:r>
+            <a:r>
+              <a:rPr lang="de-DE" b="1" dirty="0"/>
+              <a:t> </a:t>
+            </a:r>
+            <a:r>
+              <a:rPr lang="de-DE" dirty="0" err="1"/>
+              <a:t>solutions</a:t>
+            </a:r>
+            <a:r>
+              <a:rPr lang="de-DE" dirty="0"/>
+              <a:t> </a:t>
+            </a:r>
+            <a:r>
+              <a:rPr lang="de-DE" dirty="0" err="1"/>
+              <a:t>for</a:t>
+            </a:r>
+            <a:r>
+              <a:rPr lang="de-DE" dirty="0"/>
+              <a:t> </a:t>
+            </a:r>
+            <a:r>
+              <a:rPr lang="de-DE" dirty="0" err="1"/>
+              <a:t>the</a:t>
+            </a:r>
+            <a:r>
+              <a:rPr lang="de-DE" dirty="0"/>
+              <a:t> </a:t>
+            </a:r>
+            <a:r>
+              <a:rPr lang="de-DE" dirty="0" err="1"/>
+              <a:t>automatic</a:t>
+            </a:r>
+            <a:r>
+              <a:rPr lang="de-DE" dirty="0"/>
+              <a:t> </a:t>
+            </a:r>
+            <a:r>
+              <a:rPr lang="de-DE" dirty="0" err="1"/>
+              <a:t>generation</a:t>
+            </a:r>
+            <a:r>
+              <a:rPr lang="de-DE" dirty="0"/>
+              <a:t> </a:t>
+            </a:r>
+            <a:r>
+              <a:rPr lang="de-DE" dirty="0" err="1"/>
+              <a:t>of</a:t>
+            </a:r>
+            <a:r>
+              <a:rPr lang="de-DE" dirty="0"/>
+              <a:t> </a:t>
+            </a:r>
+            <a:r>
+              <a:rPr lang="de-DE" b="1" dirty="0" err="1"/>
+              <a:t>functional</a:t>
+            </a:r>
+            <a:r>
+              <a:rPr lang="de-DE" b="1" dirty="0"/>
+              <a:t> </a:t>
+            </a:r>
+            <a:r>
+              <a:rPr lang="de-DE" b="1" dirty="0" err="1"/>
+              <a:t>test</a:t>
+            </a:r>
+            <a:r>
+              <a:rPr lang="de-DE" b="1" dirty="0"/>
+              <a:t> </a:t>
+            </a:r>
+            <a:r>
+              <a:rPr lang="de-DE" b="1" dirty="0" err="1"/>
+              <a:t>scenarios</a:t>
+            </a:r>
+            <a:endParaRPr lang="de-DE" b="1" dirty="0"/>
+          </a:p>
+        </p:txBody>
+      </p:sp>
     </p:spTree>
     <p:extLst>
       <p:ext uri="{BB962C8B-B14F-4D97-AF65-F5344CB8AC3E}">
@@ -16786,6 +21925,55 @@
                       </p:childTnLst>
                     </p:cTn>
                   </p:par>
+                  <p:par>
+                    <p:cTn id="15" fill="hold">
+                      <p:stCondLst>
+                        <p:cond delay="indefinite"/>
+                      </p:stCondLst>
+                      <p:childTnLst>
+                        <p:par>
+                          <p:cTn id="16" fill="hold">
+                            <p:stCondLst>
+                              <p:cond delay="0"/>
+                            </p:stCondLst>
+                            <p:childTnLst>
+                              <p:par>
+                                <p:cTn id="17" presetID="1" presetClass="entr" presetSubtype="0" fill="hold" nodeType="clickEffect">
+                                  <p:stCondLst>
+                                    <p:cond delay="0"/>
+                                  </p:stCondLst>
+                                  <p:childTnLst>
+                                    <p:set>
+                                      <p:cBhvr>
+                                        <p:cTn id="18" dur="1" fill="hold">
+                                          <p:stCondLst>
+                                            <p:cond delay="0"/>
+                                          </p:stCondLst>
+                                        </p:cTn>
+                                        <p:tgtEl>
+                                          <p:spTgt spid="3">
+                                            <p:txEl>
+                                              <p:pRg st="4" end="4"/>
+                                            </p:txEl>
+                                          </p:spTgt>
+                                        </p:tgtEl>
+                                        <p:attrNameLst>
+                                          <p:attrName>style.visibility</p:attrName>
+                                        </p:attrNameLst>
+                                      </p:cBhvr>
+                                      <p:to>
+                                        <p:strVal val="visible"/>
+                                      </p:to>
+                                    </p:set>
+                                  </p:childTnLst>
+                                </p:cTn>
+                              </p:par>
+                            </p:childTnLst>
+                          </p:cTn>
+                        </p:par>
+                      </p:childTnLst>
+                    </p:cTn>
+                  </p:par>
                 </p:childTnLst>
               </p:cTn>
               <p:prevCondLst>
@@ -16811,7 +21999,7 @@
 </p:sld>
 </file>
 
-<file path=ppt/slides/slide18.xml><?xml version="1.0" encoding="utf-8"?>
+<file path=ppt/slides/slide23.xml><?xml version="1.0" encoding="utf-8"?>
 <p:sld xmlns:a="http://schemas.openxmlformats.org/drawingml/2006/main" xmlns:r="http://schemas.openxmlformats.org/officeDocument/2006/relationships" xmlns:p="http://schemas.openxmlformats.org/presentationml/2006/main">
   <p:cSld>
     <p:spTree>
@@ -16858,23 +22046,15 @@
           <a:p>
             <a:r>
               <a:rPr lang="de-DE" b="1" dirty="0"/>
-              <a:t>Generation of </a:t>
+              <a:t>Generation </a:t>
             </a:r>
             <a:r>
               <a:rPr lang="de-DE" b="1" dirty="0" err="1"/>
-              <a:t>system</a:t>
+              <a:t>of</a:t>
             </a:r>
             <a:r>
               <a:rPr lang="de-DE" b="1" dirty="0"/>
-              <a:t> </a:t>
-            </a:r>
-            <a:r>
-              <a:rPr lang="de-DE" b="1" dirty="0" err="1"/>
-              <a:t>tests</a:t>
-            </a:r>
-            <a:r>
-              <a:rPr lang="de-DE" b="1" dirty="0"/>
-              <a:t> </a:t>
+              <a:t> System Tests </a:t>
             </a:r>
             <a:r>
               <a:rPr lang="de-DE" b="1" dirty="0" err="1"/>
@@ -16882,19 +22062,7 @@
             </a:r>
             <a:r>
               <a:rPr lang="de-DE" b="1" dirty="0"/>
-              <a:t> </a:t>
-            </a:r>
-            <a:r>
-              <a:rPr lang="de-DE" b="1" dirty="0" err="1"/>
-              <a:t>transition</a:t>
-            </a:r>
-            <a:r>
-              <a:rPr lang="de-DE" b="1" dirty="0"/>
-              <a:t> </a:t>
-            </a:r>
-            <a:r>
-              <a:rPr lang="de-DE" b="1" dirty="0" err="1"/>
-              <a:t>systems</a:t>
+              <a:t> Transition Systems</a:t>
             </a:r>
             <a:endParaRPr lang="en-US" b="1" dirty="0"/>
           </a:p>
@@ -17175,7 +22343,7 @@
 </p:sld>
 </file>
 
-<file path=ppt/slides/slide19.xml><?xml version="1.0" encoding="utf-8"?>
+<file path=ppt/slides/slide24.xml><?xml version="1.0" encoding="utf-8"?>
 <p:sld xmlns:a="http://schemas.openxmlformats.org/drawingml/2006/main" xmlns:r="http://schemas.openxmlformats.org/officeDocument/2006/relationships" xmlns:p="http://schemas.openxmlformats.org/presentationml/2006/main">
   <p:cSld>
     <p:spTree>
@@ -17228,187 +22396,6 @@
           </a:p>
         </p:txBody>
       </p:sp>
-      <p:graphicFrame>
-        <p:nvGraphicFramePr>
-          <p:cNvPr id="9" name="Table 8">
-            <a:extLst>
-              <a:ext uri="{FF2B5EF4-FFF2-40B4-BE49-F238E27FC236}">
-                <a16:creationId xmlns:a16="http://schemas.microsoft.com/office/drawing/2014/main" id="{83B45FD4-355C-4F84-B7E6-B421984999BC}"/>
-              </a:ext>
-            </a:extLst>
-          </p:cNvPr>
-          <p:cNvGraphicFramePr>
-            <a:graphicFrameLocks noGrp="1"/>
-          </p:cNvGraphicFramePr>
-          <p:nvPr>
-            <p:extLst>
-              <p:ext uri="{D42A27DB-BD31-4B8C-83A1-F6EECF244321}">
-                <p14:modId xmlns:p14="http://schemas.microsoft.com/office/powerpoint/2010/main" val="1958898170"/>
-              </p:ext>
-            </p:extLst>
-          </p:nvPr>
-        </p:nvGraphicFramePr>
-        <p:xfrm>
-          <a:off x="1940102" y="6393156"/>
-          <a:ext cx="8311795" cy="274320"/>
-        </p:xfrm>
-        <a:graphic>
-          <a:graphicData uri="http://schemas.openxmlformats.org/drawingml/2006/table">
-            <a:tbl>
-              <a:tblPr firstRow="1" bandRow="1">
-                <a:tableStyleId>{5C22544A-7EE6-4342-B048-85BDC9FD1C3A}</a:tableStyleId>
-              </a:tblPr>
-              <a:tblGrid>
-                <a:gridCol w="1662359">
-                  <a:extLst>
-                    <a:ext uri="{9D8B030D-6E8A-4147-A177-3AD203B41FA5}">
-                      <a16:colId xmlns:a16="http://schemas.microsoft.com/office/drawing/2014/main" val="1963997025"/>
-                    </a:ext>
-                  </a:extLst>
-                </a:gridCol>
-                <a:gridCol w="1662359">
-                  <a:extLst>
-                    <a:ext uri="{9D8B030D-6E8A-4147-A177-3AD203B41FA5}">
-                      <a16:colId xmlns:a16="http://schemas.microsoft.com/office/drawing/2014/main" val="1212033678"/>
-                    </a:ext>
-                  </a:extLst>
-                </a:gridCol>
-                <a:gridCol w="1662359">
-                  <a:extLst>
-                    <a:ext uri="{9D8B030D-6E8A-4147-A177-3AD203B41FA5}">
-                      <a16:colId xmlns:a16="http://schemas.microsoft.com/office/drawing/2014/main" val="180734021"/>
-                    </a:ext>
-                  </a:extLst>
-                </a:gridCol>
-                <a:gridCol w="1662359">
-                  <a:extLst>
-                    <a:ext uri="{9D8B030D-6E8A-4147-A177-3AD203B41FA5}">
-                      <a16:colId xmlns:a16="http://schemas.microsoft.com/office/drawing/2014/main" val="1432259564"/>
-                    </a:ext>
-                  </a:extLst>
-                </a:gridCol>
-                <a:gridCol w="1662359">
-                  <a:extLst>
-                    <a:ext uri="{9D8B030D-6E8A-4147-A177-3AD203B41FA5}">
-                      <a16:colId xmlns:a16="http://schemas.microsoft.com/office/drawing/2014/main" val="142904687"/>
-                    </a:ext>
-                  </a:extLst>
-                </a:gridCol>
-              </a:tblGrid>
-              <a:tr h="254301">
-                <a:tc>
-                  <a:txBody>
-                    <a:bodyPr/>
-                    <a:lstStyle/>
-                    <a:p>
-                      <a:pPr algn="ctr"/>
-                      <a:r>
-                        <a:rPr lang="de-DE" sz="1200" dirty="0" err="1"/>
-                        <a:t>Introduction</a:t>
-                      </a:r>
-                      <a:endParaRPr lang="en-US" sz="1200" dirty="0"/>
-                    </a:p>
-                  </a:txBody>
-                  <a:tcPr>
-                    <a:solidFill>
-                      <a:srgbClr val="427CAC"/>
-                    </a:solidFill>
-                  </a:tcPr>
-                </a:tc>
-                <a:tc>
-                  <a:txBody>
-                    <a:bodyPr/>
-                    <a:lstStyle/>
-                    <a:p>
-                      <a:pPr algn="ctr"/>
-                      <a:r>
-                        <a:rPr lang="de-DE" sz="1200" dirty="0"/>
-                        <a:t>Main </a:t>
-                      </a:r>
-                      <a:r>
-                        <a:rPr lang="de-DE" sz="1200" dirty="0" err="1"/>
-                        <a:t>Article</a:t>
-                      </a:r>
-                      <a:endParaRPr lang="en-US" sz="1200" dirty="0"/>
-                    </a:p>
-                  </a:txBody>
-                  <a:tcPr>
-                    <a:solidFill>
-                      <a:srgbClr val="427CAC"/>
-                    </a:solidFill>
-                  </a:tcPr>
-                </a:tc>
-                <a:tc>
-                  <a:txBody>
-                    <a:bodyPr/>
-                    <a:lstStyle/>
-                    <a:p>
-                      <a:pPr algn="ctr"/>
-                      <a:r>
-                        <a:rPr lang="de-DE" sz="1200" dirty="0"/>
-                        <a:t>Research</a:t>
-                      </a:r>
-                      <a:endParaRPr lang="en-US" sz="1200" dirty="0"/>
-                    </a:p>
-                  </a:txBody>
-                  <a:tcPr>
-                    <a:solidFill>
-                      <a:srgbClr val="427CAC"/>
-                    </a:solidFill>
-                  </a:tcPr>
-                </a:tc>
-                <a:tc>
-                  <a:txBody>
-                    <a:bodyPr/>
-                    <a:lstStyle/>
-                    <a:p>
-                      <a:pPr algn="ctr"/>
-                      <a:r>
-                        <a:rPr lang="de-DE" sz="1200" dirty="0"/>
-                        <a:t>Side </a:t>
-                      </a:r>
-                      <a:r>
-                        <a:rPr lang="de-DE" sz="1200" dirty="0" err="1"/>
-                        <a:t>Article</a:t>
-                      </a:r>
-                      <a:endParaRPr lang="en-US" sz="1200" dirty="0"/>
-                    </a:p>
-                  </a:txBody>
-                  <a:tcPr>
-                    <a:solidFill>
-                      <a:srgbClr val="427CAC"/>
-                    </a:solidFill>
-                  </a:tcPr>
-                </a:tc>
-                <a:tc>
-                  <a:txBody>
-                    <a:bodyPr/>
-                    <a:lstStyle/>
-                    <a:p>
-                      <a:pPr algn="ctr"/>
-                      <a:r>
-                        <a:rPr lang="de-DE" sz="1200" dirty="0" err="1"/>
-                        <a:t>Questions</a:t>
-                      </a:r>
-                      <a:endParaRPr lang="en-US" sz="1200" dirty="0"/>
-                    </a:p>
-                  </a:txBody>
-                  <a:tcPr>
-                    <a:solidFill>
-                      <a:srgbClr val="91C8F6"/>
-                    </a:solidFill>
-                  </a:tcPr>
-                </a:tc>
-                <a:extLst>
-                  <a:ext uri="{0D108BD9-81ED-4DB2-BD59-A6C34878D82A}">
-                    <a16:rowId xmlns:a16="http://schemas.microsoft.com/office/drawing/2014/main" val="393468701"/>
-                  </a:ext>
-                </a:extLst>
-              </a:tr>
-            </a:tbl>
-          </a:graphicData>
-        </a:graphic>
-      </p:graphicFrame>
       <p:pic>
         <p:nvPicPr>
           <p:cNvPr id="6" name="Picture 5">
@@ -17439,229 +22426,6 @@
           </a:prstGeom>
         </p:spPr>
       </p:pic>
-      <p:graphicFrame>
-        <p:nvGraphicFramePr>
-          <p:cNvPr id="7" name="Table 6">
-            <a:extLst>
-              <a:ext uri="{FF2B5EF4-FFF2-40B4-BE49-F238E27FC236}">
-                <a16:creationId xmlns:a16="http://schemas.microsoft.com/office/drawing/2014/main" id="{C2EE1474-16F2-4534-B125-4FE58066B68D}"/>
-              </a:ext>
-            </a:extLst>
-          </p:cNvPr>
-          <p:cNvGraphicFramePr>
-            <a:graphicFrameLocks noGrp="1"/>
-          </p:cNvGraphicFramePr>
-          <p:nvPr>
-            <p:extLst>
-              <p:ext uri="{D42A27DB-BD31-4B8C-83A1-F6EECF244321}">
-                <p14:modId xmlns:p14="http://schemas.microsoft.com/office/powerpoint/2010/main" val="3217781946"/>
-              </p:ext>
-            </p:extLst>
-          </p:nvPr>
-        </p:nvGraphicFramePr>
-        <p:xfrm>
-          <a:off x="1940102" y="6355715"/>
-          <a:ext cx="8311794" cy="274320"/>
-        </p:xfrm>
-        <a:graphic>
-          <a:graphicData uri="http://schemas.openxmlformats.org/drawingml/2006/table">
-            <a:tbl>
-              <a:tblPr firstRow="1" bandRow="1">
-                <a:tableStyleId>{5C22544A-7EE6-4342-B048-85BDC9FD1C3A}</a:tableStyleId>
-              </a:tblPr>
-              <a:tblGrid>
-                <a:gridCol w="1385299">
-                  <a:extLst>
-                    <a:ext uri="{9D8B030D-6E8A-4147-A177-3AD203B41FA5}">
-                      <a16:colId xmlns:a16="http://schemas.microsoft.com/office/drawing/2014/main" val="1963997025"/>
-                    </a:ext>
-                  </a:extLst>
-                </a:gridCol>
-                <a:gridCol w="1385299">
-                  <a:extLst>
-                    <a:ext uri="{9D8B030D-6E8A-4147-A177-3AD203B41FA5}">
-                      <a16:colId xmlns:a16="http://schemas.microsoft.com/office/drawing/2014/main" val="1212033678"/>
-                    </a:ext>
-                  </a:extLst>
-                </a:gridCol>
-                <a:gridCol w="1385299">
-                  <a:extLst>
-                    <a:ext uri="{9D8B030D-6E8A-4147-A177-3AD203B41FA5}">
-                      <a16:colId xmlns:a16="http://schemas.microsoft.com/office/drawing/2014/main" val="180734021"/>
-                    </a:ext>
-                  </a:extLst>
-                </a:gridCol>
-                <a:gridCol w="1385299">
-                  <a:extLst>
-                    <a:ext uri="{9D8B030D-6E8A-4147-A177-3AD203B41FA5}">
-                      <a16:colId xmlns:a16="http://schemas.microsoft.com/office/drawing/2014/main" val="1432259564"/>
-                    </a:ext>
-                  </a:extLst>
-                </a:gridCol>
-                <a:gridCol w="1385299">
-                  <a:extLst>
-                    <a:ext uri="{9D8B030D-6E8A-4147-A177-3AD203B41FA5}">
-                      <a16:colId xmlns:a16="http://schemas.microsoft.com/office/drawing/2014/main" val="142904687"/>
-                    </a:ext>
-                  </a:extLst>
-                </a:gridCol>
-                <a:gridCol w="1385299">
-                  <a:extLst>
-                    <a:ext uri="{9D8B030D-6E8A-4147-A177-3AD203B41FA5}">
-                      <a16:colId xmlns:a16="http://schemas.microsoft.com/office/drawing/2014/main" val="1677630447"/>
-                    </a:ext>
-                  </a:extLst>
-                </a:gridCol>
-              </a:tblGrid>
-              <a:tr h="254301">
-                <a:tc>
-                  <a:txBody>
-                    <a:bodyPr/>
-                    <a:lstStyle/>
-                    <a:p>
-                      <a:pPr algn="ctr"/>
-                      <a:r>
-                        <a:rPr lang="de-DE" sz="1200" dirty="0" err="1"/>
-                        <a:t>Introduction</a:t>
-                      </a:r>
-                      <a:endParaRPr lang="en-US" sz="1200" dirty="0"/>
-                    </a:p>
-                  </a:txBody>
-                  <a:tcPr>
-                    <a:solidFill>
-                      <a:srgbClr val="427CAC"/>
-                    </a:solidFill>
-                  </a:tcPr>
-                </a:tc>
-                <a:tc>
-                  <a:txBody>
-                    <a:bodyPr/>
-                    <a:lstStyle/>
-                    <a:p>
-                      <a:pPr algn="ctr"/>
-                      <a:r>
-                        <a:rPr lang="de-DE" sz="1200" dirty="0"/>
-                        <a:t>Main </a:t>
-                      </a:r>
-                      <a:r>
-                        <a:rPr lang="de-DE" sz="1200" dirty="0" err="1"/>
-                        <a:t>Article</a:t>
-                      </a:r>
-                      <a:endParaRPr lang="en-US" sz="1200" dirty="0"/>
-                    </a:p>
-                  </a:txBody>
-                  <a:tcPr>
-                    <a:solidFill>
-                      <a:srgbClr val="427CAC"/>
-                    </a:solidFill>
-                  </a:tcPr>
-                </a:tc>
-                <a:tc>
-                  <a:txBody>
-                    <a:bodyPr/>
-                    <a:lstStyle/>
-                    <a:p>
-                      <a:pPr algn="ctr"/>
-                      <a:r>
-                        <a:rPr lang="de-DE" sz="1200" dirty="0"/>
-                        <a:t>Research</a:t>
-                      </a:r>
-                      <a:endParaRPr lang="en-US" sz="1200" dirty="0"/>
-                    </a:p>
-                  </a:txBody>
-                  <a:tcPr>
-                    <a:solidFill>
-                      <a:srgbClr val="427CAC"/>
-                    </a:solidFill>
-                  </a:tcPr>
-                </a:tc>
-                <a:tc>
-                  <a:txBody>
-                    <a:bodyPr/>
-                    <a:lstStyle/>
-                    <a:p>
-                      <a:pPr algn="ctr"/>
-                      <a:r>
-                        <a:rPr lang="de-DE" sz="1200" dirty="0"/>
-                        <a:t>Side </a:t>
-                      </a:r>
-                      <a:r>
-                        <a:rPr lang="de-DE" sz="1200" dirty="0" err="1"/>
-                        <a:t>Article</a:t>
-                      </a:r>
-                      <a:endParaRPr lang="en-US" sz="1200" dirty="0"/>
-                    </a:p>
-                  </a:txBody>
-                  <a:tcPr>
-                    <a:solidFill>
-                      <a:srgbClr val="427CAC"/>
-                    </a:solidFill>
-                  </a:tcPr>
-                </a:tc>
-                <a:tc>
-                  <a:txBody>
-                    <a:bodyPr/>
-                    <a:lstStyle/>
-                    <a:p>
-                      <a:pPr algn="ctr"/>
-                      <a:r>
-                        <a:rPr lang="de-DE" sz="1200" dirty="0" err="1"/>
-                        <a:t>Conclusion</a:t>
-                      </a:r>
-                      <a:endParaRPr lang="en-US" sz="1200" dirty="0"/>
-                    </a:p>
-                  </a:txBody>
-                  <a:tcPr>
-                    <a:solidFill>
-                      <a:srgbClr val="427CAC"/>
-                    </a:solidFill>
-                  </a:tcPr>
-                </a:tc>
-                <a:tc>
-                  <a:txBody>
-                    <a:bodyPr/>
-                    <a:lstStyle/>
-                    <a:p>
-                      <a:pPr marL="0" marR="0" lvl="0" indent="0" algn="ctr" defTabSz="914400" rtl="0" eaLnBrk="1" fontAlgn="auto" latinLnBrk="0" hangingPunct="1">
-                        <a:lnSpc>
-                          <a:spcPct val="100000"/>
-                        </a:lnSpc>
-                        <a:spcBef>
-                          <a:spcPts val="0"/>
-                        </a:spcBef>
-                        <a:spcAft>
-                          <a:spcPts val="0"/>
-                        </a:spcAft>
-                        <a:buClrTx/>
-                        <a:buSzTx/>
-                        <a:buFontTx/>
-                        <a:buNone/>
-                        <a:tabLst/>
-                        <a:defRPr/>
-                      </a:pPr>
-                      <a:r>
-                        <a:rPr lang="de-DE" sz="1200" dirty="0" err="1"/>
-                        <a:t>Questions</a:t>
-                      </a:r>
-                      <a:endParaRPr lang="en-US" sz="1200" dirty="0"/>
-                    </a:p>
-                  </a:txBody>
-                  <a:tcPr>
-                    <a:solidFill>
-                      <a:srgbClr val="91C8F6"/>
-                    </a:solidFill>
-                  </a:tcPr>
-                </a:tc>
-                <a:extLst>
-                  <a:ext uri="{0D108BD9-81ED-4DB2-BD59-A6C34878D82A}">
-                    <a16:rowId xmlns:a16="http://schemas.microsoft.com/office/drawing/2014/main" val="393468701"/>
-                  </a:ext>
-                </a:extLst>
-              </a:tr>
-            </a:tbl>
-          </a:graphicData>
-        </a:graphic>
-      </p:graphicFrame>
     </p:spTree>
     <p:extLst>
       <p:ext uri="{BB962C8B-B14F-4D97-AF65-F5344CB8AC3E}">
@@ -17675,436 +22439,7 @@
 </p:sld>
 </file>
 
-<file path=ppt/slides/slide2.xml><?xml version="1.0" encoding="utf-8"?>
-<p:sld xmlns:a="http://schemas.openxmlformats.org/drawingml/2006/main" xmlns:r="http://schemas.openxmlformats.org/officeDocument/2006/relationships" xmlns:p="http://schemas.openxmlformats.org/presentationml/2006/main">
-  <p:cSld>
-    <p:spTree>
-      <p:nvGrpSpPr>
-        <p:cNvPr id="1" name=""/>
-        <p:cNvGrpSpPr/>
-        <p:nvPr/>
-      </p:nvGrpSpPr>
-      <p:grpSpPr>
-        <a:xfrm>
-          <a:off x="0" y="0"/>
-          <a:ext cx="0" cy="0"/>
-          <a:chOff x="0" y="0"/>
-          <a:chExt cx="0" cy="0"/>
-        </a:xfrm>
-      </p:grpSpPr>
-      <p:sp>
-        <p:nvSpPr>
-          <p:cNvPr id="5" name="Title 1">
-            <a:extLst>
-              <a:ext uri="{FF2B5EF4-FFF2-40B4-BE49-F238E27FC236}">
-                <a16:creationId xmlns:a16="http://schemas.microsoft.com/office/drawing/2014/main" id="{132BA01D-8926-40FC-B935-BA45B821F624}"/>
-              </a:ext>
-            </a:extLst>
-          </p:cNvPr>
-          <p:cNvSpPr>
-            <a:spLocks noGrp="1"/>
-          </p:cNvSpPr>
-          <p:nvPr>
-            <p:ph type="title"/>
-          </p:nvPr>
-        </p:nvSpPr>
-        <p:spPr/>
-        <p:txBody>
-          <a:bodyPr>
-            <a:normAutofit/>
-          </a:bodyPr>
-          <a:lstStyle/>
-          <a:p>
-            <a:r>
-              <a:rPr lang="de-DE" sz="3600" b="1" dirty="0"/>
-              <a:t>Agenda</a:t>
-            </a:r>
-            <a:endParaRPr lang="en-US" sz="3600" b="1" dirty="0"/>
-          </a:p>
-        </p:txBody>
-      </p:sp>
-      <p:sp>
-        <p:nvSpPr>
-          <p:cNvPr id="2" name="Content Placeholder 1">
-            <a:extLst>
-              <a:ext uri="{FF2B5EF4-FFF2-40B4-BE49-F238E27FC236}">
-                <a16:creationId xmlns:a16="http://schemas.microsoft.com/office/drawing/2014/main" id="{1A7EA08D-592D-4C6A-A705-8B4BEA4CBCE4}"/>
-              </a:ext>
-            </a:extLst>
-          </p:cNvPr>
-          <p:cNvSpPr>
-            <a:spLocks noGrp="1"/>
-          </p:cNvSpPr>
-          <p:nvPr>
-            <p:ph idx="1"/>
-          </p:nvPr>
-        </p:nvSpPr>
-        <p:spPr/>
-        <p:txBody>
-          <a:bodyPr/>
-          <a:lstStyle/>
-          <a:p>
-            <a:pPr marL="514350" indent="-514350">
-              <a:buFont typeface="+mj-lt"/>
-              <a:buAutoNum type="arabicPeriod"/>
-            </a:pPr>
-            <a:r>
-              <a:rPr lang="de-DE" dirty="0" err="1"/>
-              <a:t>Introduction</a:t>
-            </a:r>
-            <a:r>
-              <a:rPr lang="de-DE" dirty="0"/>
-              <a:t> </a:t>
-            </a:r>
-            <a:r>
-              <a:rPr lang="de-DE" dirty="0" err="1"/>
-              <a:t>to</a:t>
-            </a:r>
-            <a:r>
-              <a:rPr lang="de-DE" dirty="0"/>
-              <a:t> </a:t>
-            </a:r>
-            <a:r>
-              <a:rPr lang="de-DE" dirty="0" err="1"/>
-              <a:t>the</a:t>
-            </a:r>
-            <a:r>
-              <a:rPr lang="de-DE" dirty="0"/>
-              <a:t> Problem</a:t>
-            </a:r>
-          </a:p>
-          <a:p>
-            <a:pPr marL="514350" indent="-514350">
-              <a:buFont typeface="+mj-lt"/>
-              <a:buAutoNum type="arabicPeriod"/>
-            </a:pPr>
-            <a:r>
-              <a:rPr lang="de-DE" dirty="0" err="1"/>
-              <a:t>Automatic</a:t>
-            </a:r>
-            <a:r>
-              <a:rPr lang="de-DE" dirty="0"/>
-              <a:t> Test Generation: A Use Case </a:t>
-            </a:r>
-            <a:r>
-              <a:rPr lang="de-DE" dirty="0" err="1"/>
-              <a:t>Driven</a:t>
-            </a:r>
-            <a:r>
-              <a:rPr lang="de-DE" dirty="0"/>
-              <a:t> Approach</a:t>
-            </a:r>
-          </a:p>
-          <a:p>
-            <a:pPr marL="514350" indent="-514350">
-              <a:buFont typeface="+mj-lt"/>
-              <a:buAutoNum type="arabicPeriod"/>
-            </a:pPr>
-            <a:r>
-              <a:rPr lang="de-DE" dirty="0"/>
-              <a:t>An </a:t>
-            </a:r>
-            <a:r>
-              <a:rPr lang="de-DE" dirty="0" err="1"/>
-              <a:t>Automatic</a:t>
-            </a:r>
-            <a:r>
-              <a:rPr lang="de-DE" dirty="0"/>
-              <a:t> Approach </a:t>
-            </a:r>
-            <a:r>
-              <a:rPr lang="de-DE" dirty="0" err="1"/>
-              <a:t>to</a:t>
-            </a:r>
-            <a:r>
-              <a:rPr lang="de-DE" dirty="0"/>
-              <a:t> System </a:t>
-            </a:r>
-            <a:r>
-              <a:rPr lang="de-DE" dirty="0" err="1"/>
-              <a:t>Testing</a:t>
-            </a:r>
-            <a:r>
-              <a:rPr lang="de-DE" dirty="0"/>
-              <a:t> </a:t>
-            </a:r>
-            <a:r>
-              <a:rPr lang="de-DE" dirty="0" err="1"/>
-              <a:t>based</a:t>
-            </a:r>
-            <a:r>
-              <a:rPr lang="de-DE" dirty="0"/>
-              <a:t> on Scenarios and </a:t>
-            </a:r>
-            <a:r>
-              <a:rPr lang="de-DE" dirty="0" err="1"/>
-              <a:t>Operations</a:t>
-            </a:r>
-            <a:r>
-              <a:rPr lang="de-DE" dirty="0"/>
-              <a:t> Contracts</a:t>
-            </a:r>
-          </a:p>
-          <a:p>
-            <a:pPr marL="514350" indent="-514350">
-              <a:buFont typeface="+mj-lt"/>
-              <a:buAutoNum type="arabicPeriod"/>
-            </a:pPr>
-            <a:r>
-              <a:rPr lang="de-DE" dirty="0"/>
-              <a:t>Synthesis</a:t>
-            </a:r>
-          </a:p>
-          <a:p>
-            <a:pPr marL="514350" indent="-514350">
-              <a:buFont typeface="+mj-lt"/>
-              <a:buAutoNum type="arabicPeriod"/>
-            </a:pPr>
-            <a:r>
-              <a:rPr lang="de-DE" dirty="0" err="1"/>
-              <a:t>Conclusion</a:t>
-            </a:r>
-            <a:endParaRPr lang="de-DE" dirty="0"/>
-          </a:p>
-        </p:txBody>
-      </p:sp>
-      <p:graphicFrame>
-        <p:nvGraphicFramePr>
-          <p:cNvPr id="7" name="Table 6">
-            <a:extLst>
-              <a:ext uri="{FF2B5EF4-FFF2-40B4-BE49-F238E27FC236}">
-                <a16:creationId xmlns:a16="http://schemas.microsoft.com/office/drawing/2014/main" id="{8E2CA8BD-931D-4150-8D1C-CE6DF56F8881}"/>
-              </a:ext>
-            </a:extLst>
-          </p:cNvPr>
-          <p:cNvGraphicFramePr>
-            <a:graphicFrameLocks noGrp="1"/>
-          </p:cNvGraphicFramePr>
-          <p:nvPr>
-            <p:extLst>
-              <p:ext uri="{D42A27DB-BD31-4B8C-83A1-F6EECF244321}">
-                <p14:modId xmlns:p14="http://schemas.microsoft.com/office/powerpoint/2010/main" val="630320858"/>
-              </p:ext>
-            </p:extLst>
-          </p:nvPr>
-        </p:nvGraphicFramePr>
-        <p:xfrm>
-          <a:off x="1940103" y="6399212"/>
-          <a:ext cx="8311794" cy="274320"/>
-        </p:xfrm>
-        <a:graphic>
-          <a:graphicData uri="http://schemas.openxmlformats.org/drawingml/2006/table">
-            <a:tbl>
-              <a:tblPr firstRow="1" bandRow="1">
-                <a:tableStyleId>{5C22544A-7EE6-4342-B048-85BDC9FD1C3A}</a:tableStyleId>
-              </a:tblPr>
-              <a:tblGrid>
-                <a:gridCol w="1385299">
-                  <a:extLst>
-                    <a:ext uri="{9D8B030D-6E8A-4147-A177-3AD203B41FA5}">
-                      <a16:colId xmlns:a16="http://schemas.microsoft.com/office/drawing/2014/main" val="1963997025"/>
-                    </a:ext>
-                  </a:extLst>
-                </a:gridCol>
-                <a:gridCol w="1385299">
-                  <a:extLst>
-                    <a:ext uri="{9D8B030D-6E8A-4147-A177-3AD203B41FA5}">
-                      <a16:colId xmlns:a16="http://schemas.microsoft.com/office/drawing/2014/main" val="1212033678"/>
-                    </a:ext>
-                  </a:extLst>
-                </a:gridCol>
-                <a:gridCol w="1385299">
-                  <a:extLst>
-                    <a:ext uri="{9D8B030D-6E8A-4147-A177-3AD203B41FA5}">
-                      <a16:colId xmlns:a16="http://schemas.microsoft.com/office/drawing/2014/main" val="180734021"/>
-                    </a:ext>
-                  </a:extLst>
-                </a:gridCol>
-                <a:gridCol w="1385299">
-                  <a:extLst>
-                    <a:ext uri="{9D8B030D-6E8A-4147-A177-3AD203B41FA5}">
-                      <a16:colId xmlns:a16="http://schemas.microsoft.com/office/drawing/2014/main" val="1432259564"/>
-                    </a:ext>
-                  </a:extLst>
-                </a:gridCol>
-                <a:gridCol w="1385299">
-                  <a:extLst>
-                    <a:ext uri="{9D8B030D-6E8A-4147-A177-3AD203B41FA5}">
-                      <a16:colId xmlns:a16="http://schemas.microsoft.com/office/drawing/2014/main" val="142904687"/>
-                    </a:ext>
-                  </a:extLst>
-                </a:gridCol>
-                <a:gridCol w="1385299">
-                  <a:extLst>
-                    <a:ext uri="{9D8B030D-6E8A-4147-A177-3AD203B41FA5}">
-                      <a16:colId xmlns:a16="http://schemas.microsoft.com/office/drawing/2014/main" val="1677630447"/>
-                    </a:ext>
-                  </a:extLst>
-                </a:gridCol>
-              </a:tblGrid>
-              <a:tr h="254301">
-                <a:tc>
-                  <a:txBody>
-                    <a:bodyPr/>
-                    <a:lstStyle/>
-                    <a:p>
-                      <a:pPr algn="ctr"/>
-                      <a:r>
-                        <a:rPr lang="de-DE" sz="1200" dirty="0" err="1"/>
-                        <a:t>Introduction</a:t>
-                      </a:r>
-                      <a:endParaRPr lang="en-US" sz="1200" dirty="0"/>
-                    </a:p>
-                  </a:txBody>
-                  <a:tcPr>
-                    <a:solidFill>
-                      <a:srgbClr val="91C8F6"/>
-                    </a:solidFill>
-                  </a:tcPr>
-                </a:tc>
-                <a:tc>
-                  <a:txBody>
-                    <a:bodyPr/>
-                    <a:lstStyle/>
-                    <a:p>
-                      <a:pPr algn="ctr"/>
-                      <a:r>
-                        <a:rPr lang="de-DE" sz="1200" dirty="0"/>
-                        <a:t>Main </a:t>
-                      </a:r>
-                      <a:r>
-                        <a:rPr lang="de-DE" sz="1200" dirty="0" err="1"/>
-                        <a:t>Article</a:t>
-                      </a:r>
-                      <a:endParaRPr lang="en-US" sz="1200" dirty="0"/>
-                    </a:p>
-                  </a:txBody>
-                  <a:tcPr>
-                    <a:solidFill>
-                      <a:srgbClr val="427CAC"/>
-                    </a:solidFill>
-                  </a:tcPr>
-                </a:tc>
-                <a:tc>
-                  <a:txBody>
-                    <a:bodyPr/>
-                    <a:lstStyle/>
-                    <a:p>
-                      <a:pPr algn="ctr"/>
-                      <a:r>
-                        <a:rPr lang="de-DE" sz="1200" dirty="0"/>
-                        <a:t>Research</a:t>
-                      </a:r>
-                      <a:endParaRPr lang="en-US" sz="1200" dirty="0"/>
-                    </a:p>
-                  </a:txBody>
-                  <a:tcPr>
-                    <a:solidFill>
-                      <a:srgbClr val="427CAC"/>
-                    </a:solidFill>
-                  </a:tcPr>
-                </a:tc>
-                <a:tc>
-                  <a:txBody>
-                    <a:bodyPr/>
-                    <a:lstStyle/>
-                    <a:p>
-                      <a:pPr algn="ctr"/>
-                      <a:r>
-                        <a:rPr lang="de-DE" sz="1200" dirty="0"/>
-                        <a:t>Side </a:t>
-                      </a:r>
-                      <a:r>
-                        <a:rPr lang="de-DE" sz="1200" dirty="0" err="1"/>
-                        <a:t>Article</a:t>
-                      </a:r>
-                      <a:endParaRPr lang="en-US" sz="1200" dirty="0"/>
-                    </a:p>
-                  </a:txBody>
-                  <a:tcPr>
-                    <a:solidFill>
-                      <a:srgbClr val="427CAC"/>
-                    </a:solidFill>
-                  </a:tcPr>
-                </a:tc>
-                <a:tc>
-                  <a:txBody>
-                    <a:bodyPr/>
-                    <a:lstStyle/>
-                    <a:p>
-                      <a:pPr algn="ctr"/>
-                      <a:r>
-                        <a:rPr lang="de-DE" sz="1200" dirty="0" err="1"/>
-                        <a:t>Conclusion</a:t>
-                      </a:r>
-                      <a:endParaRPr lang="en-US" sz="1200" dirty="0"/>
-                    </a:p>
-                  </a:txBody>
-                  <a:tcPr>
-                    <a:solidFill>
-                      <a:srgbClr val="427CAC"/>
-                    </a:solidFill>
-                  </a:tcPr>
-                </a:tc>
-                <a:tc>
-                  <a:txBody>
-                    <a:bodyPr/>
-                    <a:lstStyle/>
-                    <a:p>
-                      <a:pPr marL="0" marR="0" lvl="0" indent="0" algn="ctr" defTabSz="914400" rtl="0" eaLnBrk="1" fontAlgn="auto" latinLnBrk="0" hangingPunct="1">
-                        <a:lnSpc>
-                          <a:spcPct val="100000"/>
-                        </a:lnSpc>
-                        <a:spcBef>
-                          <a:spcPts val="0"/>
-                        </a:spcBef>
-                        <a:spcAft>
-                          <a:spcPts val="0"/>
-                        </a:spcAft>
-                        <a:buClrTx/>
-                        <a:buSzTx/>
-                        <a:buFontTx/>
-                        <a:buNone/>
-                        <a:tabLst/>
-                        <a:defRPr/>
-                      </a:pPr>
-                      <a:r>
-                        <a:rPr lang="de-DE" sz="1200" dirty="0" err="1"/>
-                        <a:t>Questions</a:t>
-                      </a:r>
-                      <a:endParaRPr lang="en-US" sz="1200" dirty="0"/>
-                    </a:p>
-                  </a:txBody>
-                  <a:tcPr>
-                    <a:solidFill>
-                      <a:srgbClr val="427CAC"/>
-                    </a:solidFill>
-                  </a:tcPr>
-                </a:tc>
-                <a:extLst>
-                  <a:ext uri="{0D108BD9-81ED-4DB2-BD59-A6C34878D82A}">
-                    <a16:rowId xmlns:a16="http://schemas.microsoft.com/office/drawing/2014/main" val="393468701"/>
-                  </a:ext>
-                </a:extLst>
-              </a:tr>
-            </a:tbl>
-          </a:graphicData>
-        </a:graphic>
-      </p:graphicFrame>
-    </p:spTree>
-    <p:extLst>
-      <p:ext uri="{BB962C8B-B14F-4D97-AF65-F5344CB8AC3E}">
-        <p14:creationId xmlns:p14="http://schemas.microsoft.com/office/powerpoint/2010/main" val="3775758835"/>
-      </p:ext>
-    </p:extLst>
-  </p:cSld>
-  <p:clrMapOvr>
-    <a:masterClrMapping/>
-  </p:clrMapOvr>
-</p:sld>
-</file>
-
-<file path=ppt/slides/slide20.xml><?xml version="1.0" encoding="utf-8"?>
+<file path=ppt/slides/slide25.xml><?xml version="1.0" encoding="utf-8"?>
 <p:sld xmlns:a="http://schemas.openxmlformats.org/drawingml/2006/main" xmlns:r="http://schemas.openxmlformats.org/officeDocument/2006/relationships" xmlns:p="http://schemas.openxmlformats.org/presentationml/2006/main">
   <p:cSld>
     <p:spTree>
@@ -23103,21 +27438,6 @@
 </file>
 
 <file path=customXml/item1.xml><?xml version="1.0" encoding="utf-8"?>
-<?mso-contentType ?>
-<FormTemplates xmlns="http://schemas.microsoft.com/sharepoint/v3/contenttype/forms">
-  <Display>DocumentLibraryForm</Display>
-  <Edit>DocumentLibraryForm</Edit>
-  <New>DocumentLibraryForm</New>
-</FormTemplates>
-</file>
-
-<file path=customXml/item2.xml><?xml version="1.0" encoding="utf-8"?>
-<p:properties xmlns:p="http://schemas.microsoft.com/office/2006/metadata/properties" xmlns:xsi="http://www.w3.org/2001/XMLSchema-instance" xmlns:pc="http://schemas.microsoft.com/office/infopath/2007/PartnerControls">
-  <documentManagement/>
-</p:properties>
-</file>
-
-<file path=customXml/item3.xml><?xml version="1.0" encoding="utf-8"?>
 <ct:contentTypeSchema xmlns:ct="http://schemas.microsoft.com/office/2006/metadata/contentType" xmlns:ma="http://schemas.microsoft.com/office/2006/metadata/properties/metaAttributes" ct:_="" ma:_="" ma:contentTypeName="Document" ma:contentTypeID="0x010100D4C1A451850202499EC2F366CF4DCC26" ma:contentTypeVersion="11" ma:contentTypeDescription="Create a new document." ma:contentTypeScope="" ma:versionID="c78201a420c442a1dff9ba5507e40dcd">
   <xsd:schema xmlns:xsd="http://www.w3.org/2001/XMLSchema" xmlns:xs="http://www.w3.org/2001/XMLSchema" xmlns:p="http://schemas.microsoft.com/office/2006/metadata/properties" xmlns:ns3="feefa1e4-4737-4ec3-a5e3-773bf6820b62" xmlns:ns4="31a85466-a74f-471a-ab64-2f102ef48063" targetNamespace="http://schemas.microsoft.com/office/2006/metadata/properties" ma:root="true" ma:fieldsID="36bf4da0d0539ed2671caadf4b45180f" ns3:_="" ns4:_="">
     <xsd:import namespace="feefa1e4-4737-4ec3-a5e3-773bf6820b62"/>
@@ -23326,10 +27646,36 @@
 </ct:contentTypeSchema>
 </file>
 
+<file path=customXml/item2.xml><?xml version="1.0" encoding="utf-8"?>
+<p:properties xmlns:p="http://schemas.microsoft.com/office/2006/metadata/properties" xmlns:xsi="http://www.w3.org/2001/XMLSchema-instance" xmlns:pc="http://schemas.microsoft.com/office/infopath/2007/PartnerControls">
+  <documentManagement/>
+</p:properties>
+</file>
+
+<file path=customXml/item3.xml><?xml version="1.0" encoding="utf-8"?>
+<?mso-contentType ?>
+<FormTemplates xmlns="http://schemas.microsoft.com/sharepoint/v3/contenttype/forms">
+  <Display>DocumentLibraryForm</Display>
+  <Edit>DocumentLibraryForm</Edit>
+  <New>DocumentLibraryForm</New>
+</FormTemplates>
+</file>
+
 <file path=customXml/itemProps1.xml><?xml version="1.0" encoding="utf-8"?>
-<ds:datastoreItem xmlns:ds="http://schemas.openxmlformats.org/officeDocument/2006/customXml" ds:itemID="{0C0BEB1F-0D93-4B01-9BC9-8DB9875229C4}">
+<ds:datastoreItem xmlns:ds="http://schemas.openxmlformats.org/officeDocument/2006/customXml" ds:itemID="{46E9BFC3-148C-47BB-8B36-B75C16C3D12D}">
   <ds:schemaRefs>
-    <ds:schemaRef ds:uri="http://schemas.microsoft.com/sharepoint/v3/contenttype/forms"/>
+    <ds:schemaRef ds:uri="http://schemas.microsoft.com/office/2006/metadata/contentType"/>
+    <ds:schemaRef ds:uri="http://schemas.microsoft.com/office/2006/metadata/properties/metaAttributes"/>
+    <ds:schemaRef ds:uri="http://www.w3.org/2001/XMLSchema"/>
+    <ds:schemaRef ds:uri="http://schemas.microsoft.com/office/2006/metadata/properties"/>
+    <ds:schemaRef ds:uri="feefa1e4-4737-4ec3-a5e3-773bf6820b62"/>
+    <ds:schemaRef ds:uri="31a85466-a74f-471a-ab64-2f102ef48063"/>
+    <ds:schemaRef ds:uri="http://schemas.microsoft.com/office/2006/documentManagement/types"/>
+    <ds:schemaRef ds:uri="http://schemas.microsoft.com/office/infopath/2007/PartnerControls"/>
+    <ds:schemaRef ds:uri="http://schemas.openxmlformats.org/package/2006/metadata/core-properties"/>
+    <ds:schemaRef ds:uri="http://purl.org/dc/elements/1.1/"/>
+    <ds:schemaRef ds:uri="http://purl.org/dc/terms/"/>
+    <ds:schemaRef ds:uri="http://schemas.microsoft.com/internal/obd"/>
   </ds:schemaRefs>
 </ds:datastoreItem>
 </file>
@@ -23352,20 +27698,9 @@
 </file>
 
 <file path=customXml/itemProps3.xml><?xml version="1.0" encoding="utf-8"?>
-<ds:datastoreItem xmlns:ds="http://schemas.openxmlformats.org/officeDocument/2006/customXml" ds:itemID="{46E9BFC3-148C-47BB-8B36-B75C16C3D12D}">
+<ds:datastoreItem xmlns:ds="http://schemas.openxmlformats.org/officeDocument/2006/customXml" ds:itemID="{0C0BEB1F-0D93-4B01-9BC9-8DB9875229C4}">
   <ds:schemaRefs>
-    <ds:schemaRef ds:uri="http://schemas.microsoft.com/office/2006/metadata/contentType"/>
-    <ds:schemaRef ds:uri="http://schemas.microsoft.com/office/2006/metadata/properties/metaAttributes"/>
-    <ds:schemaRef ds:uri="http://www.w3.org/2001/XMLSchema"/>
-    <ds:schemaRef ds:uri="http://schemas.microsoft.com/office/2006/metadata/properties"/>
-    <ds:schemaRef ds:uri="feefa1e4-4737-4ec3-a5e3-773bf6820b62"/>
-    <ds:schemaRef ds:uri="31a85466-a74f-471a-ab64-2f102ef48063"/>
-    <ds:schemaRef ds:uri="http://schemas.microsoft.com/office/2006/documentManagement/types"/>
-    <ds:schemaRef ds:uri="http://schemas.microsoft.com/office/infopath/2007/PartnerControls"/>
-    <ds:schemaRef ds:uri="http://schemas.openxmlformats.org/package/2006/metadata/core-properties"/>
-    <ds:schemaRef ds:uri="http://purl.org/dc/elements/1.1/"/>
-    <ds:schemaRef ds:uri="http://purl.org/dc/terms/"/>
-    <ds:schemaRef ds:uri="http://schemas.microsoft.com/internal/obd"/>
+    <ds:schemaRef ds:uri="http://schemas.microsoft.com/sharepoint/v3/contenttype/forms"/>
   </ds:schemaRefs>
 </ds:datastoreItem>
 </file>